--- a/PP_INFOSKJERM_169_LYS.pptx
+++ b/PP_INFOSKJERM_169_LYS.pptx
@@ -2,22 +2,24 @@
 <file path=ppt/presentation.xml><?xml version="1.0" encoding="utf-8"?>
 <p:presentation xmlns:a="http://schemas.openxmlformats.org/drawingml/2006/main" xmlns:r="http://schemas.openxmlformats.org/officeDocument/2006/relationships" xmlns:p="http://schemas.openxmlformats.org/presentationml/2006/main" saveSubsetFonts="1">
   <p:sldMasterIdLst>
-    <p:sldMasterId id="2147483648" r:id="rId1"/>
-    <p:sldMasterId id="2147483697" r:id="rId2"/>
-    <p:sldMasterId id="2147483705" r:id="rId3"/>
-    <p:sldMasterId id="2147483709" r:id="rId4"/>
-    <p:sldMasterId id="2147483713" r:id="rId5"/>
+    <p:sldMasterId id="2147483648" r:id="rId4"/>
+    <p:sldMasterId id="2147483697" r:id="rId5"/>
+    <p:sldMasterId id="2147483705" r:id="rId6"/>
+    <p:sldMasterId id="2147483709" r:id="rId7"/>
+    <p:sldMasterId id="2147483713" r:id="rId8"/>
   </p:sldMasterIdLst>
   <p:notesMasterIdLst>
-    <p:notesMasterId r:id="rId12"/>
+    <p:notesMasterId r:id="rId17"/>
   </p:notesMasterIdLst>
   <p:sldIdLst>
-    <p:sldId id="256" r:id="rId6"/>
-    <p:sldId id="257" r:id="rId7"/>
-    <p:sldId id="258" r:id="rId8"/>
-    <p:sldId id="259" r:id="rId9"/>
-    <p:sldId id="260" r:id="rId10"/>
-    <p:sldId id="261" r:id="rId11"/>
+    <p:sldId id="256" r:id="rId9"/>
+    <p:sldId id="262" r:id="rId10"/>
+    <p:sldId id="263" r:id="rId11"/>
+    <p:sldId id="257" r:id="rId12"/>
+    <p:sldId id="258" r:id="rId13"/>
+    <p:sldId id="259" r:id="rId14"/>
+    <p:sldId id="260" r:id="rId15"/>
+    <p:sldId id="261" r:id="rId16"/>
   </p:sldIdLst>
   <p:sldSz cx="9144000" cy="5145088"/>
   <p:notesSz cx="6858000" cy="9144000"/>
@@ -135,6 +137,14 @@
 </p:presentation>
 </file>
 
+<file path=ppt/revisionInfo.xml><?xml version="1.0" encoding="utf-8"?>
+<p1510:revInfo xmlns:a="http://schemas.openxmlformats.org/drawingml/2006/main" xmlns:r="http://schemas.openxmlformats.org/officeDocument/2006/relationships" xmlns:p1510="http://schemas.microsoft.com/office/powerpoint/2015/10/main">
+  <p1510:revLst>
+    <p1510:client id="{E0B6320A-044A-436B-8FA5-03119685378A}" v="2" dt="2021-09-28T08:13:12.825"/>
+  </p1510:revLst>
+</p1510:revInfo>
+</file>
+
 <file path=ppt/notesMasters/notesMaster1.xml><?xml version="1.0" encoding="utf-8"?>
 <p:notesMaster xmlns:a="http://schemas.openxmlformats.org/drawingml/2006/main" xmlns:r="http://schemas.openxmlformats.org/officeDocument/2006/relationships" xmlns:p="http://schemas.openxmlformats.org/presentationml/2006/main">
   <p:cSld>
@@ -217,7 +227,7 @@
           <a:p>
             <a:fld id="{FE3CBABE-916E-4AAD-B057-5389DC7DF64C}" type="datetimeFigureOut">
               <a:rPr lang="nb-NO" smtClean="0"/>
-              <a:t>02.07.2021</a:t>
+              <a:t>05.01.2022</a:t>
             </a:fld>
             <a:endParaRPr lang="nb-NO"/>
           </a:p>
@@ -554,6 +564,105 @@
 </file>
 
 <file path=ppt/slideLayouts/slideLayout10.xml><?xml version="1.0" encoding="utf-8"?>
+<p:sldLayout xmlns:a="http://schemas.openxmlformats.org/drawingml/2006/main" xmlns:r="http://schemas.openxmlformats.org/officeDocument/2006/relationships" xmlns:p="http://schemas.openxmlformats.org/presentationml/2006/main" type="titleOnly" preserve="1">
+  <p:cSld name="Bare tittel">
+    <p:spTree>
+      <p:nvGrpSpPr>
+        <p:cNvPr id="1" name=""/>
+        <p:cNvGrpSpPr/>
+        <p:nvPr/>
+      </p:nvGrpSpPr>
+      <p:grpSpPr>
+        <a:xfrm>
+          <a:off x="0" y="0"/>
+          <a:ext cx="0" cy="0"/>
+          <a:chOff x="0" y="0"/>
+          <a:chExt cx="0" cy="0"/>
+        </a:xfrm>
+      </p:grpSpPr>
+      <p:sp>
+        <p:nvSpPr>
+          <p:cNvPr id="2" name="Tittel 1">
+            <a:extLst>
+              <a:ext uri="{FF2B5EF4-FFF2-40B4-BE49-F238E27FC236}">
+                <a16:creationId xmlns:a16="http://schemas.microsoft.com/office/drawing/2014/main" id="{E0764C0C-83B7-4D1E-983A-72FBDF20A411}"/>
+              </a:ext>
+            </a:extLst>
+          </p:cNvPr>
+          <p:cNvSpPr>
+            <a:spLocks noGrp="1"/>
+          </p:cNvSpPr>
+          <p:nvPr>
+            <p:ph type="title"/>
+          </p:nvPr>
+        </p:nvSpPr>
+        <p:spPr>
+          <a:xfrm>
+            <a:off x="794250" y="2074638"/>
+            <a:ext cx="7694550" cy="993775"/>
+          </a:xfrm>
+        </p:spPr>
+        <p:txBody>
+          <a:bodyPr>
+            <a:normAutofit/>
+          </a:bodyPr>
+          <a:lstStyle>
+            <a:lvl1pPr algn="ctr">
+              <a:defRPr sz="2800"/>
+            </a:lvl1pPr>
+          </a:lstStyle>
+          <a:p>
+            <a:r>
+              <a:rPr lang="nb-NO" dirty="0"/>
+              <a:t>Klikk for å redigere tittelstil</a:t>
+            </a:r>
+          </a:p>
+        </p:txBody>
+      </p:sp>
+    </p:spTree>
+    <p:extLst>
+      <p:ext uri="{BB962C8B-B14F-4D97-AF65-F5344CB8AC3E}">
+        <p14:creationId xmlns:p14="http://schemas.microsoft.com/office/powerpoint/2010/main" val="1400847308"/>
+      </p:ext>
+    </p:extLst>
+  </p:cSld>
+  <p:clrMapOvr>
+    <a:masterClrMapping/>
+  </p:clrMapOvr>
+</p:sldLayout>
+</file>
+
+<file path=ppt/slideLayouts/slideLayout11.xml><?xml version="1.0" encoding="utf-8"?>
+<p:sldLayout xmlns:a="http://schemas.openxmlformats.org/drawingml/2006/main" xmlns:r="http://schemas.openxmlformats.org/officeDocument/2006/relationships" xmlns:p="http://schemas.openxmlformats.org/presentationml/2006/main" type="blank" preserve="1">
+  <p:cSld name="Tomt">
+    <p:spTree>
+      <p:nvGrpSpPr>
+        <p:cNvPr id="1" name=""/>
+        <p:cNvGrpSpPr/>
+        <p:nvPr/>
+      </p:nvGrpSpPr>
+      <p:grpSpPr>
+        <a:xfrm>
+          <a:off x="0" y="0"/>
+          <a:ext cx="0" cy="0"/>
+          <a:chOff x="0" y="0"/>
+          <a:chExt cx="0" cy="0"/>
+        </a:xfrm>
+      </p:grpSpPr>
+    </p:spTree>
+    <p:extLst>
+      <p:ext uri="{BB962C8B-B14F-4D97-AF65-F5344CB8AC3E}">
+        <p14:creationId xmlns:p14="http://schemas.microsoft.com/office/powerpoint/2010/main" val="3975087911"/>
+      </p:ext>
+    </p:extLst>
+  </p:cSld>
+  <p:clrMapOvr>
+    <a:masterClrMapping/>
+  </p:clrMapOvr>
+</p:sldLayout>
+</file>
+
+<file path=ppt/slideLayouts/slideLayout12.xml><?xml version="1.0" encoding="utf-8"?>
 <p:sldLayout xmlns:a="http://schemas.openxmlformats.org/drawingml/2006/main" xmlns:r="http://schemas.openxmlformats.org/officeDocument/2006/relationships" xmlns:p="http://schemas.openxmlformats.org/presentationml/2006/main" type="title" preserve="1">
   <p:cSld name="Tittellysbilde">
     <p:bg>
@@ -707,7 +816,7 @@
 </p:sldLayout>
 </file>
 
-<file path=ppt/slideLayouts/slideLayout11.xml><?xml version="1.0" encoding="utf-8"?>
+<file path=ppt/slideLayouts/slideLayout13.xml><?xml version="1.0" encoding="utf-8"?>
 <p:sldLayout xmlns:a="http://schemas.openxmlformats.org/drawingml/2006/main" xmlns:r="http://schemas.openxmlformats.org/officeDocument/2006/relationships" xmlns:p="http://schemas.openxmlformats.org/presentationml/2006/main" type="titleOnly" preserve="1">
   <p:cSld name="Bare tittel">
     <p:bg>
@@ -784,7 +893,7 @@
 </p:sldLayout>
 </file>
 
-<file path=ppt/slideLayouts/slideLayout12.xml><?xml version="1.0" encoding="utf-8"?>
+<file path=ppt/slideLayouts/slideLayout14.xml><?xml version="1.0" encoding="utf-8"?>
 <p:sldLayout xmlns:a="http://schemas.openxmlformats.org/drawingml/2006/main" xmlns:r="http://schemas.openxmlformats.org/officeDocument/2006/relationships" xmlns:p="http://schemas.openxmlformats.org/presentationml/2006/main" type="blank" preserve="1">
   <p:cSld name="Tomt">
     <p:bg>
@@ -822,7 +931,7 @@
 </p:sldLayout>
 </file>
 
-<file path=ppt/slideLayouts/slideLayout13.xml><?xml version="1.0" encoding="utf-8"?>
+<file path=ppt/slideLayouts/slideLayout15.xml><?xml version="1.0" encoding="utf-8"?>
 <p:sldLayout xmlns:a="http://schemas.openxmlformats.org/drawingml/2006/main" xmlns:r="http://schemas.openxmlformats.org/officeDocument/2006/relationships" xmlns:p="http://schemas.openxmlformats.org/presentationml/2006/main" type="title" preserve="1">
   <p:cSld name="Tittellysbilde">
     <p:bg>
@@ -976,7 +1085,7 @@
 </p:sldLayout>
 </file>
 
-<file path=ppt/slideLayouts/slideLayout14.xml><?xml version="1.0" encoding="utf-8"?>
+<file path=ppt/slideLayouts/slideLayout16.xml><?xml version="1.0" encoding="utf-8"?>
 <p:sldLayout xmlns:a="http://schemas.openxmlformats.org/drawingml/2006/main" xmlns:r="http://schemas.openxmlformats.org/officeDocument/2006/relationships" xmlns:p="http://schemas.openxmlformats.org/presentationml/2006/main" type="titleOnly" preserve="1">
   <p:cSld name="Bare tittel">
     <p:bg>
@@ -1053,7 +1162,7 @@
 </p:sldLayout>
 </file>
 
-<file path=ppt/slideLayouts/slideLayout15.xml><?xml version="1.0" encoding="utf-8"?>
+<file path=ppt/slideLayouts/slideLayout17.xml><?xml version="1.0" encoding="utf-8"?>
 <p:sldLayout xmlns:a="http://schemas.openxmlformats.org/drawingml/2006/main" xmlns:r="http://schemas.openxmlformats.org/officeDocument/2006/relationships" xmlns:p="http://schemas.openxmlformats.org/presentationml/2006/main" type="blank" preserve="1">
   <p:cSld name="Tomt">
     <p:bg>
@@ -1091,13 +1200,13 @@
 </p:sldLayout>
 </file>
 
-<file path=ppt/slideLayouts/slideLayout16.xml><?xml version="1.0" encoding="utf-8"?>
+<file path=ppt/slideLayouts/slideLayout18.xml><?xml version="1.0" encoding="utf-8"?>
 <p:sldLayout xmlns:a="http://schemas.openxmlformats.org/drawingml/2006/main" xmlns:r="http://schemas.openxmlformats.org/officeDocument/2006/relationships" xmlns:p="http://schemas.openxmlformats.org/presentationml/2006/main" type="title" preserve="1">
   <p:cSld name="Tittellysbilde">
     <p:bg>
       <p:bgPr>
         <a:solidFill>
-          <a:srgbClr val="428527"/>
+          <a:schemeClr val="accent6"/>
         </a:solidFill>
         <a:effectLst/>
       </p:bgPr>
@@ -1245,13 +1354,13 @@
 </p:sldLayout>
 </file>
 
-<file path=ppt/slideLayouts/slideLayout17.xml><?xml version="1.0" encoding="utf-8"?>
+<file path=ppt/slideLayouts/slideLayout19.xml><?xml version="1.0" encoding="utf-8"?>
 <p:sldLayout xmlns:a="http://schemas.openxmlformats.org/drawingml/2006/main" xmlns:r="http://schemas.openxmlformats.org/officeDocument/2006/relationships" xmlns:p="http://schemas.openxmlformats.org/presentationml/2006/main" type="titleOnly" preserve="1">
   <p:cSld name="Bare tittel">
     <p:bg>
       <p:bgPr>
         <a:solidFill>
-          <a:srgbClr val="428527"/>
+          <a:schemeClr val="accent6"/>
         </a:solidFill>
         <a:effectLst/>
       </p:bgPr>
@@ -1322,13 +1431,169 @@
 </p:sldLayout>
 </file>
 
-<file path=ppt/slideLayouts/slideLayout18.xml><?xml version="1.0" encoding="utf-8"?>
+<file path=ppt/slideLayouts/slideLayout2.xml><?xml version="1.0" encoding="utf-8"?>
+<p:sldLayout xmlns:a="http://schemas.openxmlformats.org/drawingml/2006/main" xmlns:r="http://schemas.openxmlformats.org/officeDocument/2006/relationships" xmlns:p="http://schemas.openxmlformats.org/presentationml/2006/main" preserve="1" userDrawn="1">
+  <p:cSld name="Bilde, tittel og rød strek">
+    <p:spTree>
+      <p:nvGrpSpPr>
+        <p:cNvPr id="1" name=""/>
+        <p:cNvGrpSpPr/>
+        <p:nvPr/>
+      </p:nvGrpSpPr>
+      <p:grpSpPr>
+        <a:xfrm>
+          <a:off x="0" y="0"/>
+          <a:ext cx="0" cy="0"/>
+          <a:chOff x="0" y="0"/>
+          <a:chExt cx="0" cy="0"/>
+        </a:xfrm>
+      </p:grpSpPr>
+      <p:sp>
+        <p:nvSpPr>
+          <p:cNvPr id="10" name="Picture Placeholder 9">
+            <a:extLst>
+              <a:ext uri="{FF2B5EF4-FFF2-40B4-BE49-F238E27FC236}">
+                <a16:creationId xmlns:a16="http://schemas.microsoft.com/office/drawing/2014/main" id="{EBB785D6-56F2-421B-9C6E-0CE161F6B873}"/>
+              </a:ext>
+            </a:extLst>
+          </p:cNvPr>
+          <p:cNvSpPr>
+            <a:spLocks noGrp="1"/>
+          </p:cNvSpPr>
+          <p:nvPr>
+            <p:ph type="pic" sz="quarter" idx="10"/>
+          </p:nvPr>
+        </p:nvSpPr>
+        <p:spPr>
+          <a:xfrm>
+            <a:off x="0" y="0"/>
+            <a:ext cx="9144000" cy="5145088"/>
+          </a:xfrm>
+          <a:solidFill>
+            <a:srgbClr val="F6F6F6"/>
+          </a:solidFill>
+        </p:spPr>
+        <p:txBody>
+          <a:bodyPr>
+            <a:normAutofit/>
+          </a:bodyPr>
+          <a:lstStyle>
+            <a:lvl1pPr marL="0" indent="0">
+              <a:buNone/>
+              <a:defRPr sz="1200"/>
+            </a:lvl1pPr>
+          </a:lstStyle>
+          <a:p>
+            <a:endParaRPr lang="en-GB" dirty="0"/>
+          </a:p>
+        </p:txBody>
+      </p:sp>
+      <p:sp>
+        <p:nvSpPr>
+          <p:cNvPr id="17" name="Text Placeholder 16">
+            <a:extLst>
+              <a:ext uri="{FF2B5EF4-FFF2-40B4-BE49-F238E27FC236}">
+                <a16:creationId xmlns:a16="http://schemas.microsoft.com/office/drawing/2014/main" id="{E7A3D93F-B7C3-4F5A-B7D9-2F41E5150842}"/>
+              </a:ext>
+            </a:extLst>
+          </p:cNvPr>
+          <p:cNvSpPr>
+            <a:spLocks noGrp="1"/>
+          </p:cNvSpPr>
+          <p:nvPr>
+            <p:ph type="body" sz="quarter" idx="12"/>
+          </p:nvPr>
+        </p:nvSpPr>
+        <p:spPr>
+          <a:xfrm>
+            <a:off x="-1" y="4419599"/>
+            <a:ext cx="6234113" cy="409576"/>
+          </a:xfrm>
+          <a:blipFill>
+            <a:blip r:embed="rId2">
+              <a:extLst>
+                <a:ext uri="{96DAC541-7B7A-43D3-8B79-37D633B846F1}">
+                  <asvg:svgBlip xmlns:asvg="http://schemas.microsoft.com/office/drawing/2016/SVG/main" r:embed="rId3"/>
+                </a:ext>
+              </a:extLst>
+            </a:blip>
+            <a:stretch>
+              <a:fillRect/>
+            </a:stretch>
+          </a:blipFill>
+        </p:spPr>
+        <p:txBody>
+          <a:bodyPr anchor="ctr"/>
+          <a:lstStyle>
+            <a:lvl1pPr marL="0" indent="0" algn="ctr">
+              <a:buNone/>
+              <a:defRPr>
+                <a:solidFill>
+                  <a:schemeClr val="bg1"/>
+                </a:solidFill>
+              </a:defRPr>
+            </a:lvl1pPr>
+          </a:lstStyle>
+          <a:p>
+            <a:pPr lvl="0"/>
+            <a:endParaRPr lang="en-GB" dirty="0"/>
+          </a:p>
+        </p:txBody>
+      </p:sp>
+      <p:sp>
+        <p:nvSpPr>
+          <p:cNvPr id="5" name="Title 1">
+            <a:extLst>
+              <a:ext uri="{FF2B5EF4-FFF2-40B4-BE49-F238E27FC236}">
+                <a16:creationId xmlns:a16="http://schemas.microsoft.com/office/drawing/2014/main" id="{DBA346C4-9141-4DE3-B9EB-D70AEDA055A3}"/>
+              </a:ext>
+            </a:extLst>
+          </p:cNvPr>
+          <p:cNvSpPr>
+            <a:spLocks noGrp="1"/>
+          </p:cNvSpPr>
+          <p:nvPr>
+            <p:ph type="title"/>
+          </p:nvPr>
+        </p:nvSpPr>
+        <p:spPr>
+          <a:xfrm>
+            <a:off x="628650" y="351954"/>
+            <a:ext cx="7886700" cy="828104"/>
+          </a:xfrm>
+        </p:spPr>
+        <p:txBody>
+          <a:bodyPr/>
+          <a:lstStyle/>
+          <a:p>
+            <a:r>
+              <a:rPr lang="en-US" dirty="0"/>
+              <a:t>Click to edit Master title style</a:t>
+            </a:r>
+            <a:endParaRPr lang="en-GB" dirty="0"/>
+          </a:p>
+        </p:txBody>
+      </p:sp>
+    </p:spTree>
+    <p:extLst>
+      <p:ext uri="{BB962C8B-B14F-4D97-AF65-F5344CB8AC3E}">
+        <p14:creationId xmlns:p14="http://schemas.microsoft.com/office/powerpoint/2010/main" val="1845730131"/>
+      </p:ext>
+    </p:extLst>
+  </p:cSld>
+  <p:clrMapOvr>
+    <a:masterClrMapping/>
+  </p:clrMapOvr>
+</p:sldLayout>
+</file>
+
+<file path=ppt/slideLayouts/slideLayout20.xml><?xml version="1.0" encoding="utf-8"?>
 <p:sldLayout xmlns:a="http://schemas.openxmlformats.org/drawingml/2006/main" xmlns:r="http://schemas.openxmlformats.org/officeDocument/2006/relationships" xmlns:p="http://schemas.openxmlformats.org/presentationml/2006/main" type="blank" preserve="1">
   <p:cSld name="Tomt">
     <p:bg>
       <p:bgPr>
         <a:solidFill>
-          <a:srgbClr val="428527"/>
+          <a:schemeClr val="accent6"/>
         </a:solidFill>
         <a:effectLst/>
       </p:bgPr>
@@ -1360,7 +1625,167 @@
 </p:sldLayout>
 </file>
 
-<file path=ppt/slideLayouts/slideLayout2.xml><?xml version="1.0" encoding="utf-8"?>
+<file path=ppt/slideLayouts/slideLayout3.xml><?xml version="1.0" encoding="utf-8"?>
+<p:sldLayout xmlns:a="http://schemas.openxmlformats.org/drawingml/2006/main" xmlns:r="http://schemas.openxmlformats.org/officeDocument/2006/relationships" xmlns:p="http://schemas.openxmlformats.org/presentationml/2006/main" preserve="1" userDrawn="1">
+  <p:cSld name="Bilde og tekst">
+    <p:spTree>
+      <p:nvGrpSpPr>
+        <p:cNvPr id="1" name=""/>
+        <p:cNvGrpSpPr/>
+        <p:nvPr/>
+      </p:nvGrpSpPr>
+      <p:grpSpPr>
+        <a:xfrm>
+          <a:off x="0" y="0"/>
+          <a:ext cx="0" cy="0"/>
+          <a:chOff x="0" y="0"/>
+          <a:chExt cx="0" cy="0"/>
+        </a:xfrm>
+      </p:grpSpPr>
+      <p:sp>
+        <p:nvSpPr>
+          <p:cNvPr id="8" name="Picture Placeholder 9">
+            <a:extLst>
+              <a:ext uri="{FF2B5EF4-FFF2-40B4-BE49-F238E27FC236}">
+                <a16:creationId xmlns:a16="http://schemas.microsoft.com/office/drawing/2014/main" id="{CBBDFCF7-F532-477F-8A1A-E900E1DC9286}"/>
+              </a:ext>
+            </a:extLst>
+          </p:cNvPr>
+          <p:cNvSpPr>
+            <a:spLocks noGrp="1"/>
+          </p:cNvSpPr>
+          <p:nvPr>
+            <p:ph type="pic" sz="quarter" idx="10" hasCustomPrompt="1"/>
+          </p:nvPr>
+        </p:nvSpPr>
+        <p:spPr>
+          <a:xfrm>
+            <a:off x="0" y="0"/>
+            <a:ext cx="9144000" cy="5145088"/>
+          </a:xfrm>
+          <a:solidFill>
+            <a:srgbClr val="F6F6F6"/>
+          </a:solidFill>
+        </p:spPr>
+        <p:txBody>
+          <a:bodyPr anchor="b">
+            <a:normAutofit/>
+          </a:bodyPr>
+          <a:lstStyle>
+            <a:lvl1pPr marL="0" indent="0" algn="r">
+              <a:buNone/>
+              <a:defRPr sz="1200"/>
+            </a:lvl1pPr>
+          </a:lstStyle>
+          <a:p>
+            <a:r>
+              <a:rPr lang="nb-NO" dirty="0"/>
+              <a:t>Klikk Sett inn – Bilder – for å endre eller sette inn bilde</a:t>
+            </a:r>
+            <a:endParaRPr lang="en-GB" dirty="0"/>
+          </a:p>
+        </p:txBody>
+      </p:sp>
+      <p:pic>
+        <p:nvPicPr>
+          <p:cNvPr id="7" name="Picture 6" descr="A picture containing text, water, outdoor, shore&#10;&#10;Description automatically generated" hidden="1">
+            <a:extLst>
+              <a:ext uri="{FF2B5EF4-FFF2-40B4-BE49-F238E27FC236}">
+                <a16:creationId xmlns:a16="http://schemas.microsoft.com/office/drawing/2014/main" id="{5926DC9E-0DDA-48BD-AF72-57784B22A7CF}"/>
+              </a:ext>
+            </a:extLst>
+          </p:cNvPr>
+          <p:cNvPicPr>
+            <a:picLocks noChangeAspect="1"/>
+          </p:cNvPicPr>
+          <p:nvPr userDrawn="1"/>
+        </p:nvPicPr>
+        <p:blipFill>
+          <a:blip r:embed="rId2">
+            <a:extLst>
+              <a:ext uri="{28A0092B-C50C-407E-A947-70E740481C1C}">
+                <a14:useLocalDpi xmlns:a14="http://schemas.microsoft.com/office/drawing/2010/main" val="0"/>
+              </a:ext>
+            </a:extLst>
+          </a:blip>
+          <a:stretch>
+            <a:fillRect/>
+          </a:stretch>
+        </p:blipFill>
+        <p:spPr>
+          <a:xfrm>
+            <a:off x="4905" y="0"/>
+            <a:ext cx="9134189" cy="5145088"/>
+          </a:xfrm>
+          <a:prstGeom prst="rect">
+            <a:avLst/>
+          </a:prstGeom>
+        </p:spPr>
+      </p:pic>
+      <p:sp>
+        <p:nvSpPr>
+          <p:cNvPr id="12" name="Text Placeholder 11">
+            <a:extLst>
+              <a:ext uri="{FF2B5EF4-FFF2-40B4-BE49-F238E27FC236}">
+                <a16:creationId xmlns:a16="http://schemas.microsoft.com/office/drawing/2014/main" id="{2FA06A6E-EF01-4423-B229-C83BB34ADB95}"/>
+              </a:ext>
+            </a:extLst>
+          </p:cNvPr>
+          <p:cNvSpPr>
+            <a:spLocks noGrp="1"/>
+          </p:cNvSpPr>
+          <p:nvPr>
+            <p:ph type="body" sz="quarter" idx="11"/>
+          </p:nvPr>
+        </p:nvSpPr>
+        <p:spPr>
+          <a:xfrm>
+            <a:off x="1448475" y="0"/>
+            <a:ext cx="3192685" cy="5145088"/>
+          </a:xfrm>
+          <a:blipFill>
+            <a:blip r:embed="rId3">
+              <a:extLst>
+                <a:ext uri="{96DAC541-7B7A-43D3-8B79-37D633B846F1}">
+                  <asvg:svgBlip xmlns:asvg="http://schemas.microsoft.com/office/drawing/2016/SVG/main" r:embed="rId4"/>
+                </a:ext>
+              </a:extLst>
+            </a:blip>
+            <a:stretch>
+              <a:fillRect/>
+            </a:stretch>
+          </a:blipFill>
+        </p:spPr>
+        <p:txBody>
+          <a:bodyPr lIns="612000" rIns="468000" anchor="ctr">
+            <a:normAutofit/>
+          </a:bodyPr>
+          <a:lstStyle>
+            <a:lvl1pPr marL="0" indent="0" algn="l">
+              <a:buNone/>
+              <a:defRPr sz="2400"/>
+            </a:lvl1pPr>
+          </a:lstStyle>
+          <a:p>
+            <a:pPr lvl="0"/>
+            <a:endParaRPr lang="nb-NO" noProof="0" dirty="0"/>
+          </a:p>
+        </p:txBody>
+      </p:sp>
+    </p:spTree>
+    <p:extLst>
+      <p:ext uri="{BB962C8B-B14F-4D97-AF65-F5344CB8AC3E}">
+        <p14:creationId xmlns:p14="http://schemas.microsoft.com/office/powerpoint/2010/main" val="425695827"/>
+      </p:ext>
+    </p:extLst>
+  </p:cSld>
+  <p:clrMapOvr>
+    <a:masterClrMapping/>
+  </p:clrMapOvr>
+</p:sldLayout>
+</file>
+
+<file path=ppt/slideLayouts/slideLayout4.xml><?xml version="1.0" encoding="utf-8"?>
 <p:sldLayout xmlns:a="http://schemas.openxmlformats.org/drawingml/2006/main" xmlns:r="http://schemas.openxmlformats.org/officeDocument/2006/relationships" xmlns:p="http://schemas.openxmlformats.org/presentationml/2006/main" preserve="1" userDrawn="1">
   <p:cSld name="Tittellysbilde">
     <p:spTree>
@@ -1659,7 +2084,7 @@
 </p:sldLayout>
 </file>
 
-<file path=ppt/slideLayouts/slideLayout3.xml><?xml version="1.0" encoding="utf-8"?>
+<file path=ppt/slideLayouts/slideLayout5.xml><?xml version="1.0" encoding="utf-8"?>
 <p:sldLayout xmlns:a="http://schemas.openxmlformats.org/drawingml/2006/main" xmlns:r="http://schemas.openxmlformats.org/officeDocument/2006/relationships" xmlns:p="http://schemas.openxmlformats.org/presentationml/2006/main" type="obj" preserve="1">
   <p:cSld name="Tittel og innhold">
     <p:spTree>
@@ -1933,7 +2358,7 @@
 </p:sldLayout>
 </file>
 
-<file path=ppt/slideLayouts/slideLayout4.xml><?xml version="1.0" encoding="utf-8"?>
+<file path=ppt/slideLayouts/slideLayout6.xml><?xml version="1.0" encoding="utf-8"?>
 <p:sldLayout xmlns:a="http://schemas.openxmlformats.org/drawingml/2006/main" xmlns:r="http://schemas.openxmlformats.org/officeDocument/2006/relationships" xmlns:p="http://schemas.openxmlformats.org/presentationml/2006/main" preserve="1" userDrawn="1">
   <p:cSld name="To innholdsdeler">
     <p:spTree>
@@ -2269,7 +2694,7 @@
 </p:sldLayout>
 </file>
 
-<file path=ppt/slideLayouts/slideLayout5.xml><?xml version="1.0" encoding="utf-8"?>
+<file path=ppt/slideLayouts/slideLayout7.xml><?xml version="1.0" encoding="utf-8"?>
 <p:sldLayout xmlns:a="http://schemas.openxmlformats.org/drawingml/2006/main" xmlns:r="http://schemas.openxmlformats.org/officeDocument/2006/relationships" xmlns:p="http://schemas.openxmlformats.org/presentationml/2006/main" type="titleOnly" preserve="1">
   <p:cSld name="Bare tittel">
     <p:spTree>
@@ -2491,7 +2916,7 @@
 </p:sldLayout>
 </file>
 
-<file path=ppt/slideLayouts/slideLayout6.xml><?xml version="1.0" encoding="utf-8"?>
+<file path=ppt/slideLayouts/slideLayout8.xml><?xml version="1.0" encoding="utf-8"?>
 <p:sldLayout xmlns:a="http://schemas.openxmlformats.org/drawingml/2006/main" xmlns:r="http://schemas.openxmlformats.org/officeDocument/2006/relationships" xmlns:p="http://schemas.openxmlformats.org/presentationml/2006/main" type="blank" preserve="1">
   <p:cSld name="Tomt">
     <p:spTree>
@@ -2691,7 +3116,7 @@
 </p:sldLayout>
 </file>
 
-<file path=ppt/slideLayouts/slideLayout7.xml><?xml version="1.0" encoding="utf-8"?>
+<file path=ppt/slideLayouts/slideLayout9.xml><?xml version="1.0" encoding="utf-8"?>
 <p:sldLayout xmlns:a="http://schemas.openxmlformats.org/drawingml/2006/main" xmlns:r="http://schemas.openxmlformats.org/officeDocument/2006/relationships" xmlns:p="http://schemas.openxmlformats.org/presentationml/2006/main" type="title" preserve="1">
   <p:cSld name="Tittellysbilde">
     <p:spTree>
@@ -2837,105 +3262,6 @@
 </p:sldLayout>
 </file>
 
-<file path=ppt/slideLayouts/slideLayout8.xml><?xml version="1.0" encoding="utf-8"?>
-<p:sldLayout xmlns:a="http://schemas.openxmlformats.org/drawingml/2006/main" xmlns:r="http://schemas.openxmlformats.org/officeDocument/2006/relationships" xmlns:p="http://schemas.openxmlformats.org/presentationml/2006/main" type="titleOnly" preserve="1">
-  <p:cSld name="Bare tittel">
-    <p:spTree>
-      <p:nvGrpSpPr>
-        <p:cNvPr id="1" name=""/>
-        <p:cNvGrpSpPr/>
-        <p:nvPr/>
-      </p:nvGrpSpPr>
-      <p:grpSpPr>
-        <a:xfrm>
-          <a:off x="0" y="0"/>
-          <a:ext cx="0" cy="0"/>
-          <a:chOff x="0" y="0"/>
-          <a:chExt cx="0" cy="0"/>
-        </a:xfrm>
-      </p:grpSpPr>
-      <p:sp>
-        <p:nvSpPr>
-          <p:cNvPr id="2" name="Tittel 1">
-            <a:extLst>
-              <a:ext uri="{FF2B5EF4-FFF2-40B4-BE49-F238E27FC236}">
-                <a16:creationId xmlns:a16="http://schemas.microsoft.com/office/drawing/2014/main" id="{E0764C0C-83B7-4D1E-983A-72FBDF20A411}"/>
-              </a:ext>
-            </a:extLst>
-          </p:cNvPr>
-          <p:cNvSpPr>
-            <a:spLocks noGrp="1"/>
-          </p:cNvSpPr>
-          <p:nvPr>
-            <p:ph type="title"/>
-          </p:nvPr>
-        </p:nvSpPr>
-        <p:spPr>
-          <a:xfrm>
-            <a:off x="794250" y="2074638"/>
-            <a:ext cx="7694550" cy="993775"/>
-          </a:xfrm>
-        </p:spPr>
-        <p:txBody>
-          <a:bodyPr>
-            <a:normAutofit/>
-          </a:bodyPr>
-          <a:lstStyle>
-            <a:lvl1pPr algn="ctr">
-              <a:defRPr sz="2800"/>
-            </a:lvl1pPr>
-          </a:lstStyle>
-          <a:p>
-            <a:r>
-              <a:rPr lang="nb-NO" dirty="0"/>
-              <a:t>Klikk for å redigere tittelstil</a:t>
-            </a:r>
-          </a:p>
-        </p:txBody>
-      </p:sp>
-    </p:spTree>
-    <p:extLst>
-      <p:ext uri="{BB962C8B-B14F-4D97-AF65-F5344CB8AC3E}">
-        <p14:creationId xmlns:p14="http://schemas.microsoft.com/office/powerpoint/2010/main" val="1400847308"/>
-      </p:ext>
-    </p:extLst>
-  </p:cSld>
-  <p:clrMapOvr>
-    <a:masterClrMapping/>
-  </p:clrMapOvr>
-</p:sldLayout>
-</file>
-
-<file path=ppt/slideLayouts/slideLayout9.xml><?xml version="1.0" encoding="utf-8"?>
-<p:sldLayout xmlns:a="http://schemas.openxmlformats.org/drawingml/2006/main" xmlns:r="http://schemas.openxmlformats.org/officeDocument/2006/relationships" xmlns:p="http://schemas.openxmlformats.org/presentationml/2006/main" type="blank" preserve="1">
-  <p:cSld name="Tomt">
-    <p:spTree>
-      <p:nvGrpSpPr>
-        <p:cNvPr id="1" name=""/>
-        <p:cNvGrpSpPr/>
-        <p:nvPr/>
-      </p:nvGrpSpPr>
-      <p:grpSpPr>
-        <a:xfrm>
-          <a:off x="0" y="0"/>
-          <a:ext cx="0" cy="0"/>
-          <a:chOff x="0" y="0"/>
-          <a:chExt cx="0" cy="0"/>
-        </a:xfrm>
-      </p:grpSpPr>
-    </p:spTree>
-    <p:extLst>
-      <p:ext uri="{BB962C8B-B14F-4D97-AF65-F5344CB8AC3E}">
-        <p14:creationId xmlns:p14="http://schemas.microsoft.com/office/powerpoint/2010/main" val="3975087911"/>
-      </p:ext>
-    </p:extLst>
-  </p:cSld>
-  <p:clrMapOvr>
-    <a:masterClrMapping/>
-  </p:clrMapOvr>
-</p:sldLayout>
-</file>
-
 <file path=ppt/slideMasters/slideMaster1.xml><?xml version="1.0" encoding="utf-8"?>
 <p:sldMaster xmlns:a="http://schemas.openxmlformats.org/drawingml/2006/main" xmlns:r="http://schemas.openxmlformats.org/officeDocument/2006/relationships" xmlns:p="http://schemas.openxmlformats.org/presentationml/2006/main">
   <p:cSld>
@@ -3116,7 +3442,7 @@
           <p:nvPr userDrawn="1"/>
         </p:nvPicPr>
         <p:blipFill>
-          <a:blip r:embed="rId8" cstate="print">
+          <a:blip r:embed="rId10" cstate="print">
             <a:extLst>
               <a:ext uri="{28A0092B-C50C-407E-A947-70E740481C1C}">
                 <a14:useLocalDpi xmlns:a14="http://schemas.microsoft.com/office/drawing/2010/main" val="0"/>
@@ -3147,11 +3473,13 @@
   <p:clrMap bg1="lt1" tx1="dk1" bg2="lt2" tx2="dk2" accent1="accent1" accent2="accent2" accent3="accent3" accent4="accent4" accent5="accent5" accent6="accent6" hlink="hlink" folHlink="folHlink"/>
   <p:sldLayoutIdLst>
     <p:sldLayoutId id="2147483660" r:id="rId1"/>
-    <p:sldLayoutId id="2147483649" r:id="rId2"/>
-    <p:sldLayoutId id="2147483650" r:id="rId3"/>
-    <p:sldLayoutId id="2147483652" r:id="rId4"/>
-    <p:sldLayoutId id="2147483654" r:id="rId5"/>
-    <p:sldLayoutId id="2147483655" r:id="rId6"/>
+    <p:sldLayoutId id="2147483717" r:id="rId2"/>
+    <p:sldLayoutId id="2147483718" r:id="rId3"/>
+    <p:sldLayoutId id="2147483649" r:id="rId4"/>
+    <p:sldLayoutId id="2147483650" r:id="rId5"/>
+    <p:sldLayoutId id="2147483652" r:id="rId6"/>
+    <p:sldLayoutId id="2147483654" r:id="rId7"/>
+    <p:sldLayoutId id="2147483655" r:id="rId8"/>
   </p:sldLayoutIdLst>
   <p:hf sldNum="0" hdr="0" dt="0"/>
   <p:txStyles>
@@ -4721,7 +5049,7 @@
     <p:bg>
       <p:bgPr>
         <a:solidFill>
-          <a:srgbClr val="428527"/>
+          <a:schemeClr val="accent6"/>
         </a:solidFill>
         <a:effectLst/>
       </p:bgPr>
@@ -5193,6 +5521,177 @@
       </p:grpSpPr>
       <p:sp>
         <p:nvSpPr>
+          <p:cNvPr id="2" name="Picture Placeholder 1">
+            <a:extLst>
+              <a:ext uri="{FF2B5EF4-FFF2-40B4-BE49-F238E27FC236}">
+                <a16:creationId xmlns:a16="http://schemas.microsoft.com/office/drawing/2014/main" id="{51A11E6E-1F35-41CE-925A-22E3205A3CA7}"/>
+              </a:ext>
+            </a:extLst>
+          </p:cNvPr>
+          <p:cNvSpPr>
+            <a:spLocks noGrp="1"/>
+          </p:cNvSpPr>
+          <p:nvPr>
+            <p:ph type="pic" sz="quarter" idx="10"/>
+          </p:nvPr>
+        </p:nvSpPr>
+        <p:spPr/>
+      </p:sp>
+      <p:sp>
+        <p:nvSpPr>
+          <p:cNvPr id="3" name="Text Placeholder 2">
+            <a:extLst>
+              <a:ext uri="{FF2B5EF4-FFF2-40B4-BE49-F238E27FC236}">
+                <a16:creationId xmlns:a16="http://schemas.microsoft.com/office/drawing/2014/main" id="{2D6EF9A1-659A-4F5D-8167-3DA51FF677D7}"/>
+              </a:ext>
+            </a:extLst>
+          </p:cNvPr>
+          <p:cNvSpPr>
+            <a:spLocks noGrp="1"/>
+          </p:cNvSpPr>
+          <p:nvPr>
+            <p:ph type="body" sz="quarter" idx="12"/>
+          </p:nvPr>
+        </p:nvSpPr>
+        <p:spPr/>
+        <p:txBody>
+          <a:bodyPr/>
+          <a:lstStyle/>
+          <a:p>
+            <a:endParaRPr lang="en-US"/>
+          </a:p>
+        </p:txBody>
+      </p:sp>
+      <p:sp>
+        <p:nvSpPr>
+          <p:cNvPr id="4" name="Title 3">
+            <a:extLst>
+              <a:ext uri="{FF2B5EF4-FFF2-40B4-BE49-F238E27FC236}">
+                <a16:creationId xmlns:a16="http://schemas.microsoft.com/office/drawing/2014/main" id="{F16AB33E-9333-46A8-8539-C1D8453DFB3E}"/>
+              </a:ext>
+            </a:extLst>
+          </p:cNvPr>
+          <p:cNvSpPr>
+            <a:spLocks noGrp="1"/>
+          </p:cNvSpPr>
+          <p:nvPr>
+            <p:ph type="title"/>
+          </p:nvPr>
+        </p:nvSpPr>
+        <p:spPr/>
+        <p:txBody>
+          <a:bodyPr/>
+          <a:lstStyle/>
+          <a:p>
+            <a:endParaRPr lang="en-US"/>
+          </a:p>
+        </p:txBody>
+      </p:sp>
+    </p:spTree>
+    <p:extLst>
+      <p:ext uri="{BB962C8B-B14F-4D97-AF65-F5344CB8AC3E}">
+        <p14:creationId xmlns:p14="http://schemas.microsoft.com/office/powerpoint/2010/main" val="3606371142"/>
+      </p:ext>
+    </p:extLst>
+  </p:cSld>
+  <p:clrMapOvr>
+    <a:masterClrMapping/>
+  </p:clrMapOvr>
+</p:sld>
+</file>
+
+<file path=ppt/slides/slide3.xml><?xml version="1.0" encoding="utf-8"?>
+<p:sld xmlns:a="http://schemas.openxmlformats.org/drawingml/2006/main" xmlns:r="http://schemas.openxmlformats.org/officeDocument/2006/relationships" xmlns:p="http://schemas.openxmlformats.org/presentationml/2006/main">
+  <p:cSld>
+    <p:spTree>
+      <p:nvGrpSpPr>
+        <p:cNvPr id="1" name=""/>
+        <p:cNvGrpSpPr/>
+        <p:nvPr/>
+      </p:nvGrpSpPr>
+      <p:grpSpPr>
+        <a:xfrm>
+          <a:off x="0" y="0"/>
+          <a:ext cx="0" cy="0"/>
+          <a:chOff x="0" y="0"/>
+          <a:chExt cx="0" cy="0"/>
+        </a:xfrm>
+      </p:grpSpPr>
+      <p:sp>
+        <p:nvSpPr>
+          <p:cNvPr id="2" name="Picture Placeholder 1">
+            <a:extLst>
+              <a:ext uri="{FF2B5EF4-FFF2-40B4-BE49-F238E27FC236}">
+                <a16:creationId xmlns:a16="http://schemas.microsoft.com/office/drawing/2014/main" id="{158CFD12-2FC5-4A73-A439-BAE558363E3D}"/>
+              </a:ext>
+            </a:extLst>
+          </p:cNvPr>
+          <p:cNvSpPr>
+            <a:spLocks noGrp="1"/>
+          </p:cNvSpPr>
+          <p:nvPr>
+            <p:ph type="pic" sz="quarter" idx="10"/>
+          </p:nvPr>
+        </p:nvSpPr>
+        <p:spPr/>
+      </p:sp>
+      <p:sp>
+        <p:nvSpPr>
+          <p:cNvPr id="3" name="Text Placeholder 2">
+            <a:extLst>
+              <a:ext uri="{FF2B5EF4-FFF2-40B4-BE49-F238E27FC236}">
+                <a16:creationId xmlns:a16="http://schemas.microsoft.com/office/drawing/2014/main" id="{002B38E0-9687-4AB2-8D5A-3852F5DFB6CC}"/>
+              </a:ext>
+            </a:extLst>
+          </p:cNvPr>
+          <p:cNvSpPr>
+            <a:spLocks noGrp="1"/>
+          </p:cNvSpPr>
+          <p:nvPr>
+            <p:ph type="body" sz="quarter" idx="11"/>
+          </p:nvPr>
+        </p:nvSpPr>
+        <p:spPr/>
+        <p:txBody>
+          <a:bodyPr/>
+          <a:lstStyle/>
+          <a:p>
+            <a:endParaRPr lang="en-US"/>
+          </a:p>
+        </p:txBody>
+      </p:sp>
+    </p:spTree>
+    <p:extLst>
+      <p:ext uri="{BB962C8B-B14F-4D97-AF65-F5344CB8AC3E}">
+        <p14:creationId xmlns:p14="http://schemas.microsoft.com/office/powerpoint/2010/main" val="1786918936"/>
+      </p:ext>
+    </p:extLst>
+  </p:cSld>
+  <p:clrMapOvr>
+    <a:masterClrMapping/>
+  </p:clrMapOvr>
+</p:sld>
+</file>
+
+<file path=ppt/slides/slide4.xml><?xml version="1.0" encoding="utf-8"?>
+<p:sld xmlns:a="http://schemas.openxmlformats.org/drawingml/2006/main" xmlns:r="http://schemas.openxmlformats.org/officeDocument/2006/relationships" xmlns:p="http://schemas.openxmlformats.org/presentationml/2006/main">
+  <p:cSld>
+    <p:spTree>
+      <p:nvGrpSpPr>
+        <p:cNvPr id="1" name=""/>
+        <p:cNvGrpSpPr/>
+        <p:nvPr/>
+      </p:nvGrpSpPr>
+      <p:grpSpPr>
+        <a:xfrm>
+          <a:off x="0" y="0"/>
+          <a:ext cx="0" cy="0"/>
+          <a:chOff x="0" y="0"/>
+          <a:chExt cx="0" cy="0"/>
+        </a:xfrm>
+      </p:grpSpPr>
+      <p:sp>
+        <p:nvSpPr>
           <p:cNvPr id="2" name="Tittel 1"/>
           <p:cNvSpPr>
             <a:spLocks noGrp="1"/>
@@ -5267,7 +5766,7 @@
 </p:sld>
 </file>
 
-<file path=ppt/slides/slide3.xml><?xml version="1.0" encoding="utf-8"?>
+<file path=ppt/slides/slide5.xml><?xml version="1.0" encoding="utf-8"?>
 <p:sld xmlns:a="http://schemas.openxmlformats.org/drawingml/2006/main" xmlns:r="http://schemas.openxmlformats.org/officeDocument/2006/relationships" xmlns:p="http://schemas.openxmlformats.org/presentationml/2006/main">
   <p:cSld>
     <p:spTree>
@@ -5347,7 +5846,7 @@
 </p:sld>
 </file>
 
-<file path=ppt/slides/slide4.xml><?xml version="1.0" encoding="utf-8"?>
+<file path=ppt/slides/slide6.xml><?xml version="1.0" encoding="utf-8"?>
 <p:sld xmlns:a="http://schemas.openxmlformats.org/drawingml/2006/main" xmlns:r="http://schemas.openxmlformats.org/officeDocument/2006/relationships" xmlns:p="http://schemas.openxmlformats.org/presentationml/2006/main">
   <p:cSld>
     <p:spTree>
@@ -5427,7 +5926,7 @@
 </p:sld>
 </file>
 
-<file path=ppt/slides/slide5.xml><?xml version="1.0" encoding="utf-8"?>
+<file path=ppt/slides/slide7.xml><?xml version="1.0" encoding="utf-8"?>
 <p:sld xmlns:a="http://schemas.openxmlformats.org/drawingml/2006/main" xmlns:r="http://schemas.openxmlformats.org/officeDocument/2006/relationships" xmlns:p="http://schemas.openxmlformats.org/presentationml/2006/main">
   <p:cSld>
     <p:spTree>
@@ -5507,7 +6006,7 @@
 </p:sld>
 </file>
 
-<file path=ppt/slides/slide6.xml><?xml version="1.0" encoding="utf-8"?>
+<file path=ppt/slides/slide8.xml><?xml version="1.0" encoding="utf-8"?>
 <p:sld xmlns:a="http://schemas.openxmlformats.org/drawingml/2006/main" xmlns:r="http://schemas.openxmlformats.org/officeDocument/2006/relationships" xmlns:p="http://schemas.openxmlformats.org/presentationml/2006/main">
   <p:cSld>
     <p:spTree>
@@ -5590,7 +6089,7 @@
 <file path=ppt/theme/theme1.xml><?xml version="1.0" encoding="utf-8"?>
 <a:theme xmlns:a="http://schemas.openxmlformats.org/drawingml/2006/main" name="Office-tema">
   <a:themeElements>
-    <a:clrScheme name="Egendefinert 14">
+    <a:clrScheme name="Bergen kommune">
       <a:dk1>
         <a:sysClr val="windowText" lastClr="000000"/>
       </a:dk1>
@@ -5601,31 +6100,31 @@
         <a:srgbClr val="DC1E23"/>
       </a:dk2>
       <a:lt2>
-        <a:srgbClr val="BF9D23"/>
+        <a:srgbClr val="F2F2F2"/>
       </a:lt2>
       <a:accent1>
         <a:srgbClr val="DC1E23"/>
       </a:accent1>
       <a:accent2>
-        <a:srgbClr val="BF9D23"/>
+        <a:srgbClr val="164B81"/>
       </a:accent2>
       <a:accent3>
         <a:srgbClr val="702C80"/>
       </a:accent3>
       <a:accent4>
-        <a:srgbClr val="164B81"/>
+        <a:srgbClr val="BF9D23"/>
       </a:accent4>
       <a:accent5>
-        <a:srgbClr val="428527"/>
+        <a:srgbClr val="F6EDCE"/>
       </a:accent5>
       <a:accent6>
-        <a:srgbClr val="EDDC9E"/>
+        <a:srgbClr val="117845"/>
       </a:accent6>
       <a:hlink>
-        <a:srgbClr val="0563C1"/>
+        <a:srgbClr val="164B81"/>
       </a:hlink>
       <a:folHlink>
-        <a:srgbClr val="954F72"/>
+        <a:srgbClr val="702C80"/>
       </a:folHlink>
     </a:clrScheme>
     <a:fontScheme name="Custom 2">
@@ -5782,7 +6281,7 @@
   <a:extraClrSchemeLst/>
   <a:extLst>
     <a:ext uri="{05A4C25C-085E-4340-85A3-A5531E510DB2}">
-      <thm15:themeFamily xmlns:thm15="http://schemas.microsoft.com/office/thememl/2012/main" name="PPT_infoskjerm_widescreen_lys.potx" id="{DF53BF6D-7CBC-487D-B7FB-01872F878526}" vid="{8F25FA15-BD0A-45E3-9B75-D169599959E3}"/>
+      <thm15:themeFamily xmlns:thm15="http://schemas.microsoft.com/office/thememl/2012/main" name="PP_INFOSKJERM_169_LYS.potx" id="{6A5A436D-2AFF-4FBE-BA0B-F420AE03F615}" vid="{6CE15769-D7B6-407C-9A4F-961DC2ED09A8}"/>
     </a:ext>
   </a:extLst>
 </a:theme>
@@ -5791,7 +6290,7 @@
 <file path=ppt/theme/theme2.xml><?xml version="1.0" encoding="utf-8"?>
 <a:theme xmlns:a="http://schemas.openxmlformats.org/drawingml/2006/main" name="3_Egendefinert utforming">
   <a:themeElements>
-    <a:clrScheme name="Office">
+    <a:clrScheme name="Custom 8">
       <a:dk1>
         <a:sysClr val="windowText" lastClr="000000"/>
       </a:dk1>
@@ -5799,28 +6298,28 @@
         <a:sysClr val="window" lastClr="FFFFFF"/>
       </a:lt1>
       <a:dk2>
-        <a:srgbClr val="44546A"/>
+        <a:srgbClr val="DC1E23"/>
       </a:dk2>
       <a:lt2>
-        <a:srgbClr val="E7E6E6"/>
+        <a:srgbClr val="BF9D23"/>
       </a:lt2>
       <a:accent1>
-        <a:srgbClr val="4472C4"/>
+        <a:srgbClr val="DC1E23"/>
       </a:accent1>
       <a:accent2>
-        <a:srgbClr val="ED7D31"/>
+        <a:srgbClr val="BF9D23"/>
       </a:accent2>
       <a:accent3>
-        <a:srgbClr val="A5A5A5"/>
+        <a:srgbClr val="702C80"/>
       </a:accent3>
       <a:accent4>
-        <a:srgbClr val="FFC000"/>
+        <a:srgbClr val="164B81"/>
       </a:accent4>
       <a:accent5>
-        <a:srgbClr val="5B9BD5"/>
+        <a:srgbClr val="117845"/>
       </a:accent5>
       <a:accent6>
-        <a:srgbClr val="70AD47"/>
+        <a:srgbClr val="EDDC9E"/>
       </a:accent6>
       <a:hlink>
         <a:srgbClr val="0563C1"/>
@@ -6077,7 +6576,7 @@
   <a:extraClrSchemeLst/>
   <a:extLst>
     <a:ext uri="{05A4C25C-085E-4340-85A3-A5531E510DB2}">
-      <thm15:themeFamily xmlns:thm15="http://schemas.microsoft.com/office/thememl/2012/main" name="Office Theme" id="{62F939B6-93AF-4DB8-9C6B-D6C7DFDC589F}" vid="{4A3C46E8-61CC-4603-A589-7422A47A8E4A}"/>
+      <thm15:themeFamily xmlns:thm15="http://schemas.microsoft.com/office/thememl/2012/main" name="PP_INFOSKJERM_169_LYS.potx" id="{6A5A436D-2AFF-4FBE-BA0B-F420AE03F615}" vid="{05D226AF-3EA5-4A30-AD55-0550C96A791D}"/>
     </a:ext>
   </a:extLst>
 </a:theme>
@@ -6086,7 +6585,7 @@
 <file path=ppt/theme/theme3.xml><?xml version="1.0" encoding="utf-8"?>
 <a:theme xmlns:a="http://schemas.openxmlformats.org/drawingml/2006/main" name="4_Egendefinert utforming">
   <a:themeElements>
-    <a:clrScheme name="Office">
+    <a:clrScheme name="Custom 5">
       <a:dk1>
         <a:sysClr val="windowText" lastClr="000000"/>
       </a:dk1>
@@ -6094,28 +6593,28 @@
         <a:sysClr val="window" lastClr="FFFFFF"/>
       </a:lt1>
       <a:dk2>
-        <a:srgbClr val="44546A"/>
+        <a:srgbClr val="DC1E23"/>
       </a:dk2>
       <a:lt2>
-        <a:srgbClr val="E7E6E6"/>
+        <a:srgbClr val="BF9D23"/>
       </a:lt2>
       <a:accent1>
-        <a:srgbClr val="4472C4"/>
+        <a:srgbClr val="DC1E23"/>
       </a:accent1>
       <a:accent2>
-        <a:srgbClr val="ED7D31"/>
+        <a:srgbClr val="BF9D23"/>
       </a:accent2>
       <a:accent3>
-        <a:srgbClr val="A5A5A5"/>
+        <a:srgbClr val="702C80"/>
       </a:accent3>
       <a:accent4>
-        <a:srgbClr val="FFC000"/>
+        <a:srgbClr val="164B81"/>
       </a:accent4>
       <a:accent5>
-        <a:srgbClr val="5B9BD5"/>
+        <a:srgbClr val="117845"/>
       </a:accent5>
       <a:accent6>
-        <a:srgbClr val="70AD47"/>
+        <a:srgbClr val="EDDC9E"/>
       </a:accent6>
       <a:hlink>
         <a:srgbClr val="0563C1"/>
@@ -6372,7 +6871,7 @@
   <a:extraClrSchemeLst/>
   <a:extLst>
     <a:ext uri="{05A4C25C-085E-4340-85A3-A5531E510DB2}">
-      <thm15:themeFamily xmlns:thm15="http://schemas.microsoft.com/office/thememl/2012/main" name="Office Theme" id="{62F939B6-93AF-4DB8-9C6B-D6C7DFDC589F}" vid="{4A3C46E8-61CC-4603-A589-7422A47A8E4A}"/>
+      <thm15:themeFamily xmlns:thm15="http://schemas.microsoft.com/office/thememl/2012/main" name="PP_INFOSKJERM_169_LYS.potx" id="{6A5A436D-2AFF-4FBE-BA0B-F420AE03F615}" vid="{147C5A8D-3FEC-413C-9BE8-B8335731DAC3}"/>
     </a:ext>
   </a:extLst>
 </a:theme>
@@ -6381,7 +6880,7 @@
 <file path=ppt/theme/theme4.xml><?xml version="1.0" encoding="utf-8"?>
 <a:theme xmlns:a="http://schemas.openxmlformats.org/drawingml/2006/main" name="5_Egendefinert utforming">
   <a:themeElements>
-    <a:clrScheme name="Office">
+    <a:clrScheme name="Custom 5">
       <a:dk1>
         <a:sysClr val="windowText" lastClr="000000"/>
       </a:dk1>
@@ -6389,28 +6888,28 @@
         <a:sysClr val="window" lastClr="FFFFFF"/>
       </a:lt1>
       <a:dk2>
-        <a:srgbClr val="44546A"/>
+        <a:srgbClr val="DC1E23"/>
       </a:dk2>
       <a:lt2>
-        <a:srgbClr val="E7E6E6"/>
+        <a:srgbClr val="BF9D23"/>
       </a:lt2>
       <a:accent1>
-        <a:srgbClr val="4472C4"/>
+        <a:srgbClr val="DC1E23"/>
       </a:accent1>
       <a:accent2>
-        <a:srgbClr val="ED7D31"/>
+        <a:srgbClr val="BF9D23"/>
       </a:accent2>
       <a:accent3>
-        <a:srgbClr val="A5A5A5"/>
+        <a:srgbClr val="702C80"/>
       </a:accent3>
       <a:accent4>
-        <a:srgbClr val="FFC000"/>
+        <a:srgbClr val="164B81"/>
       </a:accent4>
       <a:accent5>
-        <a:srgbClr val="5B9BD5"/>
+        <a:srgbClr val="117845"/>
       </a:accent5>
       <a:accent6>
-        <a:srgbClr val="70AD47"/>
+        <a:srgbClr val="EDDC9E"/>
       </a:accent6>
       <a:hlink>
         <a:srgbClr val="0563C1"/>
@@ -6667,7 +7166,7 @@
   <a:extraClrSchemeLst/>
   <a:extLst>
     <a:ext uri="{05A4C25C-085E-4340-85A3-A5531E510DB2}">
-      <thm15:themeFamily xmlns:thm15="http://schemas.microsoft.com/office/thememl/2012/main" name="Office Theme" id="{62F939B6-93AF-4DB8-9C6B-D6C7DFDC589F}" vid="{4A3C46E8-61CC-4603-A589-7422A47A8E4A}"/>
+      <thm15:themeFamily xmlns:thm15="http://schemas.microsoft.com/office/thememl/2012/main" name="PP_INFOSKJERM_169_LYS.potx" id="{6A5A436D-2AFF-4FBE-BA0B-F420AE03F615}" vid="{7ACD7751-817B-4BF7-887B-DF15CA107C80}"/>
     </a:ext>
   </a:extLst>
 </a:theme>
@@ -6676,7 +7175,7 @@
 <file path=ppt/theme/theme5.xml><?xml version="1.0" encoding="utf-8"?>
 <a:theme xmlns:a="http://schemas.openxmlformats.org/drawingml/2006/main" name="6_Egendefinert utforming">
   <a:themeElements>
-    <a:clrScheme name="Office">
+    <a:clrScheme name="Bergen kommune">
       <a:dk1>
         <a:sysClr val="windowText" lastClr="000000"/>
       </a:dk1>
@@ -6684,34 +7183,34 @@
         <a:sysClr val="window" lastClr="FFFFFF"/>
       </a:lt1>
       <a:dk2>
-        <a:srgbClr val="44546A"/>
+        <a:srgbClr val="DC1E23"/>
       </a:dk2>
       <a:lt2>
-        <a:srgbClr val="E7E6E6"/>
+        <a:srgbClr val="F2F2F2"/>
       </a:lt2>
       <a:accent1>
-        <a:srgbClr val="4472C4"/>
+        <a:srgbClr val="DC1E23"/>
       </a:accent1>
       <a:accent2>
-        <a:srgbClr val="ED7D31"/>
+        <a:srgbClr val="164B81"/>
       </a:accent2>
       <a:accent3>
-        <a:srgbClr val="A5A5A5"/>
+        <a:srgbClr val="702C80"/>
       </a:accent3>
       <a:accent4>
-        <a:srgbClr val="FFC000"/>
+        <a:srgbClr val="BF9D23"/>
       </a:accent4>
       <a:accent5>
-        <a:srgbClr val="5B9BD5"/>
+        <a:srgbClr val="F6EDCE"/>
       </a:accent5>
       <a:accent6>
-        <a:srgbClr val="70AD47"/>
+        <a:srgbClr val="117845"/>
       </a:accent6>
       <a:hlink>
-        <a:srgbClr val="0563C1"/>
+        <a:srgbClr val="164B81"/>
       </a:hlink>
       <a:folHlink>
-        <a:srgbClr val="954F72"/>
+        <a:srgbClr val="702C80"/>
       </a:folHlink>
     </a:clrScheme>
     <a:fontScheme name="Office">
@@ -6962,7 +7461,7 @@
   <a:extraClrSchemeLst/>
   <a:extLst>
     <a:ext uri="{05A4C25C-085E-4340-85A3-A5531E510DB2}">
-      <thm15:themeFamily xmlns:thm15="http://schemas.microsoft.com/office/thememl/2012/main" name="Office Theme" id="{62F939B6-93AF-4DB8-9C6B-D6C7DFDC589F}" vid="{4A3C46E8-61CC-4603-A589-7422A47A8E4A}"/>
+      <thm15:themeFamily xmlns:thm15="http://schemas.microsoft.com/office/thememl/2012/main" name="PP_INFOSKJERM_169_LYS.potx" id="{6A5A436D-2AFF-4FBE-BA0B-F420AE03F615}" vid="{AB1D9F0E-1EEE-46AC-BF70-F24D30566696}"/>
     </a:ext>
   </a:extLst>
 </a:theme>
@@ -7227,4 +7726,244 @@
     </a:ext>
   </a:extLst>
 </a:theme>
+</file>
+
+<file path=customXml/item1.xml><?xml version="1.0" encoding="utf-8"?>
+<ct:contentTypeSchema xmlns:ct="http://schemas.microsoft.com/office/2006/metadata/contentType" xmlns:ma="http://schemas.microsoft.com/office/2006/metadata/properties/metaAttributes" ct:_="" ma:_="" ma:contentTypeName="Dokument" ma:contentTypeID="0x010100D982FC97A4EB864EBF6B6ADD443A67CC" ma:contentTypeVersion="11" ma:contentTypeDescription="Opprett et nytt dokument." ma:contentTypeScope="" ma:versionID="1243dad0bdc800c2168160044757ccfa">
+  <xsd:schema xmlns:xsd="http://www.w3.org/2001/XMLSchema" xmlns:xs="http://www.w3.org/2001/XMLSchema" xmlns:p="http://schemas.microsoft.com/office/2006/metadata/properties" xmlns:ns2="3b00a67f-9791-437e-b702-303a706ea042" targetNamespace="http://schemas.microsoft.com/office/2006/metadata/properties" ma:root="true" ma:fieldsID="9f2b7ce840c78a2065a44a5a957cc1d0" ns2:_="">
+    <xsd:import namespace="3b00a67f-9791-437e-b702-303a706ea042"/>
+    <xsd:element name="properties">
+      <xsd:complexType>
+        <xsd:sequence>
+          <xsd:element name="documentManagement">
+            <xsd:complexType>
+              <xsd:all>
+                <xsd:element ref="ns2:MediaServiceMetadata" minOccurs="0"/>
+                <xsd:element ref="ns2:MediaServiceFastMetadata" minOccurs="0"/>
+                <xsd:element ref="ns2:MediaServiceAutoTags" minOccurs="0"/>
+                <xsd:element ref="ns2:MediaServiceGenerationTime" minOccurs="0"/>
+                <xsd:element ref="ns2:MediaServiceEventHashCode" minOccurs="0"/>
+                <xsd:element ref="ns2:MediaServiceDateTaken" minOccurs="0"/>
+                <xsd:element ref="ns2:MediaServiceOCR" minOccurs="0"/>
+                <xsd:element ref="ns2:MediaServiceAutoKeyPoints" minOccurs="0"/>
+                <xsd:element ref="ns2:MediaServiceKeyPoints" minOccurs="0"/>
+                <xsd:element ref="ns2:MediaServiceLocation" minOccurs="0"/>
+                <xsd:element ref="ns2:MediaLengthInSeconds" minOccurs="0"/>
+              </xsd:all>
+            </xsd:complexType>
+          </xsd:element>
+        </xsd:sequence>
+      </xsd:complexType>
+    </xsd:element>
+  </xsd:schema>
+  <xsd:schema xmlns:xsd="http://www.w3.org/2001/XMLSchema" xmlns:xs="http://www.w3.org/2001/XMLSchema" xmlns:dms="http://schemas.microsoft.com/office/2006/documentManagement/types" xmlns:pc="http://schemas.microsoft.com/office/infopath/2007/PartnerControls" targetNamespace="3b00a67f-9791-437e-b702-303a706ea042" elementFormDefault="qualified">
+    <xsd:import namespace="http://schemas.microsoft.com/office/2006/documentManagement/types"/>
+    <xsd:import namespace="http://schemas.microsoft.com/office/infopath/2007/PartnerControls"/>
+    <xsd:element name="MediaServiceMetadata" ma:index="8" nillable="true" ma:displayName="MediaServiceMetadata" ma:hidden="true" ma:internalName="MediaServiceMetadata" ma:readOnly="true">
+      <xsd:simpleType>
+        <xsd:restriction base="dms:Note"/>
+      </xsd:simpleType>
+    </xsd:element>
+    <xsd:element name="MediaServiceFastMetadata" ma:index="9" nillable="true" ma:displayName="MediaServiceFastMetadata" ma:hidden="true" ma:internalName="MediaServiceFastMetadata" ma:readOnly="true">
+      <xsd:simpleType>
+        <xsd:restriction base="dms:Note"/>
+      </xsd:simpleType>
+    </xsd:element>
+    <xsd:element name="MediaServiceAutoTags" ma:index="10" nillable="true" ma:displayName="Tags" ma:internalName="MediaServiceAutoTags" ma:readOnly="true">
+      <xsd:simpleType>
+        <xsd:restriction base="dms:Text"/>
+      </xsd:simpleType>
+    </xsd:element>
+    <xsd:element name="MediaServiceGenerationTime" ma:index="11" nillable="true" ma:displayName="MediaServiceGenerationTime" ma:hidden="true" ma:internalName="MediaServiceGenerationTime" ma:readOnly="true">
+      <xsd:simpleType>
+        <xsd:restriction base="dms:Text"/>
+      </xsd:simpleType>
+    </xsd:element>
+    <xsd:element name="MediaServiceEventHashCode" ma:index="12" nillable="true" ma:displayName="MediaServiceEventHashCode" ma:hidden="true" ma:internalName="MediaServiceEventHashCode" ma:readOnly="true">
+      <xsd:simpleType>
+        <xsd:restriction base="dms:Text"/>
+      </xsd:simpleType>
+    </xsd:element>
+    <xsd:element name="MediaServiceDateTaken" ma:index="13" nillable="true" ma:displayName="MediaServiceDateTaken" ma:hidden="true" ma:internalName="MediaServiceDateTaken" ma:readOnly="true">
+      <xsd:simpleType>
+        <xsd:restriction base="dms:Text"/>
+      </xsd:simpleType>
+    </xsd:element>
+    <xsd:element name="MediaServiceOCR" ma:index="14" nillable="true" ma:displayName="Extracted Text" ma:internalName="MediaServiceOCR" ma:readOnly="true">
+      <xsd:simpleType>
+        <xsd:restriction base="dms:Note">
+          <xsd:maxLength value="255"/>
+        </xsd:restriction>
+      </xsd:simpleType>
+    </xsd:element>
+    <xsd:element name="MediaServiceAutoKeyPoints" ma:index="15" nillable="true" ma:displayName="MediaServiceAutoKeyPoints" ma:hidden="true" ma:internalName="MediaServiceAutoKeyPoints" ma:readOnly="true">
+      <xsd:simpleType>
+        <xsd:restriction base="dms:Note"/>
+      </xsd:simpleType>
+    </xsd:element>
+    <xsd:element name="MediaServiceKeyPoints" ma:index="16" nillable="true" ma:displayName="KeyPoints" ma:internalName="MediaServiceKeyPoints" ma:readOnly="true">
+      <xsd:simpleType>
+        <xsd:restriction base="dms:Note">
+          <xsd:maxLength value="255"/>
+        </xsd:restriction>
+      </xsd:simpleType>
+    </xsd:element>
+    <xsd:element name="MediaServiceLocation" ma:index="17" nillable="true" ma:displayName="Location" ma:internalName="MediaServiceLocation" ma:readOnly="true">
+      <xsd:simpleType>
+        <xsd:restriction base="dms:Text"/>
+      </xsd:simpleType>
+    </xsd:element>
+    <xsd:element name="MediaLengthInSeconds" ma:index="18" nillable="true" ma:displayName="Length (seconds)" ma:internalName="MediaLengthInSeconds" ma:readOnly="true">
+      <xsd:simpleType>
+        <xsd:restriction base="dms:Unknown"/>
+      </xsd:simpleType>
+    </xsd:element>
+  </xsd:schema>
+  <xsd:schema xmlns="http://schemas.openxmlformats.org/package/2006/metadata/core-properties" xmlns:xsd="http://www.w3.org/2001/XMLSchema" xmlns:xsi="http://www.w3.org/2001/XMLSchema-instance" xmlns:dc="http://purl.org/dc/elements/1.1/" xmlns:dcterms="http://purl.org/dc/terms/" xmlns:odoc="http://schemas.microsoft.com/internal/obd" targetNamespace="http://schemas.openxmlformats.org/package/2006/metadata/core-properties" elementFormDefault="qualified" attributeFormDefault="unqualified" blockDefault="#all">
+    <xsd:import namespace="http://purl.org/dc/elements/1.1/" schemaLocation="http://dublincore.org/schemas/xmls/qdc/2003/04/02/dc.xsd"/>
+    <xsd:import namespace="http://purl.org/dc/terms/" schemaLocation="http://dublincore.org/schemas/xmls/qdc/2003/04/02/dcterms.xsd"/>
+    <xsd:element name="coreProperties" type="CT_coreProperties"/>
+    <xsd:complexType name="CT_coreProperties">
+      <xsd:all>
+        <xsd:element ref="dc:creator" minOccurs="0" maxOccurs="1"/>
+        <xsd:element ref="dcterms:created" minOccurs="0" maxOccurs="1"/>
+        <xsd:element ref="dc:identifier" minOccurs="0" maxOccurs="1"/>
+        <xsd:element name="contentType" minOccurs="0" maxOccurs="1" type="xsd:string" ma:index="0" ma:displayName="Innholdstype"/>
+        <xsd:element ref="dc:title" minOccurs="0" maxOccurs="1" ma:index="4" ma:displayName="Tittel"/>
+        <xsd:element ref="dc:subject" minOccurs="0" maxOccurs="1"/>
+        <xsd:element ref="dc:description" minOccurs="0" maxOccurs="1"/>
+        <xsd:element name="keywords" minOccurs="0" maxOccurs="1" type="xsd:string"/>
+        <xsd:element ref="dc:language" minOccurs="0" maxOccurs="1"/>
+        <xsd:element name="category" minOccurs="0" maxOccurs="1" type="xsd:string"/>
+        <xsd:element name="version" minOccurs="0" maxOccurs="1" type="xsd:string"/>
+        <xsd:element name="revision" minOccurs="0" maxOccurs="1" type="xsd:string">
+          <xsd:annotation>
+            <xsd:documentation>
+                        This value indicates the number of saves or revisions. The application is responsible for updating this value after each revision.
+                    </xsd:documentation>
+          </xsd:annotation>
+        </xsd:element>
+        <xsd:element name="lastModifiedBy" minOccurs="0" maxOccurs="1" type="xsd:string"/>
+        <xsd:element ref="dcterms:modified" minOccurs="0" maxOccurs="1"/>
+        <xsd:element name="contentStatus" minOccurs="0" maxOccurs="1" type="xsd:string"/>
+      </xsd:all>
+    </xsd:complexType>
+  </xsd:schema>
+  <xs:schema xmlns:pc="http://schemas.microsoft.com/office/infopath/2007/PartnerControls" xmlns:xs="http://www.w3.org/2001/XMLSchema" targetNamespace="http://schemas.microsoft.com/office/infopath/2007/PartnerControls" elementFormDefault="qualified" attributeFormDefault="unqualified">
+    <xs:element name="Person">
+      <xs:complexType>
+        <xs:sequence>
+          <xs:element ref="pc:DisplayName" minOccurs="0"/>
+          <xs:element ref="pc:AccountId" minOccurs="0"/>
+          <xs:element ref="pc:AccountType" minOccurs="0"/>
+        </xs:sequence>
+      </xs:complexType>
+    </xs:element>
+    <xs:element name="DisplayName" type="xs:string"/>
+    <xs:element name="AccountId" type="xs:string"/>
+    <xs:element name="AccountType" type="xs:string"/>
+    <xs:element name="BDCAssociatedEntity">
+      <xs:complexType>
+        <xs:sequence>
+          <xs:element ref="pc:BDCEntity" minOccurs="0" maxOccurs="unbounded"/>
+        </xs:sequence>
+        <xs:attribute ref="pc:EntityNamespace"/>
+        <xs:attribute ref="pc:EntityName"/>
+        <xs:attribute ref="pc:SystemInstanceName"/>
+        <xs:attribute ref="pc:AssociationName"/>
+      </xs:complexType>
+    </xs:element>
+    <xs:attribute name="EntityNamespace" type="xs:string"/>
+    <xs:attribute name="EntityName" type="xs:string"/>
+    <xs:attribute name="SystemInstanceName" type="xs:string"/>
+    <xs:attribute name="AssociationName" type="xs:string"/>
+    <xs:element name="BDCEntity">
+      <xs:complexType>
+        <xs:sequence>
+          <xs:element ref="pc:EntityDisplayName" minOccurs="0"/>
+          <xs:element ref="pc:EntityInstanceReference" minOccurs="0"/>
+          <xs:element ref="pc:EntityId1" minOccurs="0"/>
+          <xs:element ref="pc:EntityId2" minOccurs="0"/>
+          <xs:element ref="pc:EntityId3" minOccurs="0"/>
+          <xs:element ref="pc:EntityId4" minOccurs="0"/>
+          <xs:element ref="pc:EntityId5" minOccurs="0"/>
+        </xs:sequence>
+      </xs:complexType>
+    </xs:element>
+    <xs:element name="EntityDisplayName" type="xs:string"/>
+    <xs:element name="EntityInstanceReference" type="xs:string"/>
+    <xs:element name="EntityId1" type="xs:string"/>
+    <xs:element name="EntityId2" type="xs:string"/>
+    <xs:element name="EntityId3" type="xs:string"/>
+    <xs:element name="EntityId4" type="xs:string"/>
+    <xs:element name="EntityId5" type="xs:string"/>
+    <xs:element name="Terms">
+      <xs:complexType>
+        <xs:sequence>
+          <xs:element ref="pc:TermInfo" minOccurs="0" maxOccurs="unbounded"/>
+        </xs:sequence>
+      </xs:complexType>
+    </xs:element>
+    <xs:element name="TermInfo">
+      <xs:complexType>
+        <xs:sequence>
+          <xs:element ref="pc:TermName" minOccurs="0"/>
+          <xs:element ref="pc:TermId" minOccurs="0"/>
+        </xs:sequence>
+      </xs:complexType>
+    </xs:element>
+    <xs:element name="TermName" type="xs:string"/>
+    <xs:element name="TermId" type="xs:string"/>
+  </xs:schema>
+</ct:contentTypeSchema>
+</file>
+
+<file path=customXml/item2.xml><?xml version="1.0" encoding="utf-8"?>
+<p:properties xmlns:p="http://schemas.microsoft.com/office/2006/metadata/properties" xmlns:xsi="http://www.w3.org/2001/XMLSchema-instance" xmlns:pc="http://schemas.microsoft.com/office/infopath/2007/PartnerControls">
+  <documentManagement/>
+</p:properties>
+</file>
+
+<file path=customXml/item3.xml><?xml version="1.0" encoding="utf-8"?>
+<?mso-contentType ?>
+<FormTemplates xmlns="http://schemas.microsoft.com/sharepoint/v3/contenttype/forms">
+  <Display>DocumentLibraryForm</Display>
+  <Edit>DocumentLibraryForm</Edit>
+  <New>DocumentLibraryForm</New>
+</FormTemplates>
+</file>
+
+<file path=customXml/itemProps1.xml><?xml version="1.0" encoding="utf-8"?>
+<ds:datastoreItem xmlns:ds="http://schemas.openxmlformats.org/officeDocument/2006/customXml" ds:itemID="{A749D303-0A35-41BA-B6CA-FCAD62C0A737}">
+  <ds:schemaRefs>
+    <ds:schemaRef ds:uri="http://schemas.microsoft.com/office/2006/metadata/contentType"/>
+    <ds:schemaRef ds:uri="http://schemas.microsoft.com/office/2006/metadata/properties/metaAttributes"/>
+    <ds:schemaRef ds:uri="http://www.w3.org/2001/XMLSchema"/>
+    <ds:schemaRef ds:uri="http://schemas.microsoft.com/office/2006/metadata/properties"/>
+    <ds:schemaRef ds:uri="3b00a67f-9791-437e-b702-303a706ea042"/>
+    <ds:schemaRef ds:uri="http://schemas.microsoft.com/office/2006/documentManagement/types"/>
+    <ds:schemaRef ds:uri="http://schemas.microsoft.com/office/infopath/2007/PartnerControls"/>
+    <ds:schemaRef ds:uri="http://schemas.openxmlformats.org/package/2006/metadata/core-properties"/>
+    <ds:schemaRef ds:uri="http://purl.org/dc/elements/1.1/"/>
+    <ds:schemaRef ds:uri="http://purl.org/dc/terms/"/>
+    <ds:schemaRef ds:uri="http://schemas.microsoft.com/internal/obd"/>
+  </ds:schemaRefs>
+</ds:datastoreItem>
+</file>
+
+<file path=customXml/itemProps2.xml><?xml version="1.0" encoding="utf-8"?>
+<ds:datastoreItem xmlns:ds="http://schemas.openxmlformats.org/officeDocument/2006/customXml" ds:itemID="{A36D4585-6B57-48C0-8B2E-F548AA74BAB9}">
+  <ds:schemaRefs>
+    <ds:schemaRef ds:uri="http://schemas.microsoft.com/office/2006/metadata/properties"/>
+    <ds:schemaRef ds:uri="http://schemas.microsoft.com/office/infopath/2007/PartnerControls"/>
+  </ds:schemaRefs>
+</ds:datastoreItem>
+</file>
+
+<file path=customXml/itemProps3.xml><?xml version="1.0" encoding="utf-8"?>
+<ds:datastoreItem xmlns:ds="http://schemas.openxmlformats.org/officeDocument/2006/customXml" ds:itemID="{3736BF7C-6A67-465F-A8DA-5D5EBBFF6E31}">
+  <ds:schemaRefs>
+    <ds:schemaRef ds:uri="http://schemas.microsoft.com/sharepoint/v3/contenttype/forms"/>
+  </ds:schemaRefs>
+</ds:datastoreItem>
 </file>
--- a/PP_INFOSKJERM_169_LYS.pptx
+++ b/PP_INFOSKJERM_169_LYS.pptx
@@ -7,19 +7,21 @@
     <p:sldMasterId id="2147483705" r:id="rId6"/>
     <p:sldMasterId id="2147483709" r:id="rId7"/>
     <p:sldMasterId id="2147483713" r:id="rId8"/>
+    <p:sldMasterId id="2147483721" r:id="rId9"/>
+    <p:sldMasterId id="2147483729" r:id="rId10"/>
+    <p:sldMasterId id="2147483733" r:id="rId11"/>
   </p:sldMasterIdLst>
   <p:notesMasterIdLst>
-    <p:notesMasterId r:id="rId17"/>
+    <p:notesMasterId r:id="rId19"/>
   </p:notesMasterIdLst>
   <p:sldIdLst>
-    <p:sldId id="256" r:id="rId9"/>
-    <p:sldId id="262" r:id="rId10"/>
-    <p:sldId id="263" r:id="rId11"/>
-    <p:sldId id="257" r:id="rId12"/>
-    <p:sldId id="258" r:id="rId13"/>
-    <p:sldId id="259" r:id="rId14"/>
-    <p:sldId id="260" r:id="rId15"/>
-    <p:sldId id="261" r:id="rId16"/>
+    <p:sldId id="256" r:id="rId12"/>
+    <p:sldId id="262" r:id="rId13"/>
+    <p:sldId id="263" r:id="rId14"/>
+    <p:sldId id="257" r:id="rId15"/>
+    <p:sldId id="258" r:id="rId16"/>
+    <p:sldId id="259" r:id="rId17"/>
+    <p:sldId id="264" r:id="rId18"/>
   </p:sldIdLst>
   <p:sldSz cx="9144000" cy="5145088"/>
   <p:notesSz cx="6858000" cy="9144000"/>
@@ -137,14 +139,6 @@
 </p:presentation>
 </file>
 
-<file path=ppt/revisionInfo.xml><?xml version="1.0" encoding="utf-8"?>
-<p1510:revInfo xmlns:a="http://schemas.openxmlformats.org/drawingml/2006/main" xmlns:r="http://schemas.openxmlformats.org/officeDocument/2006/relationships" xmlns:p1510="http://schemas.microsoft.com/office/powerpoint/2015/10/main">
-  <p1510:revLst>
-    <p1510:client id="{E0B6320A-044A-436B-8FA5-03119685378A}" v="2" dt="2021-09-28T08:13:12.825"/>
-  </p1510:revLst>
-</p1510:revInfo>
-</file>
-
 <file path=ppt/notesMasters/notesMaster1.xml><?xml version="1.0" encoding="utf-8"?>
 <p:notesMaster xmlns:a="http://schemas.openxmlformats.org/drawingml/2006/main" xmlns:r="http://schemas.openxmlformats.org/officeDocument/2006/relationships" xmlns:p="http://schemas.openxmlformats.org/presentationml/2006/main">
   <p:cSld>
@@ -227,7 +221,7 @@
           <a:p>
             <a:fld id="{FE3CBABE-916E-4AAD-B057-5389DC7DF64C}" type="datetimeFigureOut">
               <a:rPr lang="nb-NO" smtClean="0"/>
-              <a:t>05.01.2022</a:t>
+              <a:t>14.07.2022</a:t>
             </a:fld>
             <a:endParaRPr lang="nb-NO"/>
           </a:p>
@@ -564,8 +558,8 @@
 </file>
 
 <file path=ppt/slideLayouts/slideLayout10.xml><?xml version="1.0" encoding="utf-8"?>
-<p:sldLayout xmlns:a="http://schemas.openxmlformats.org/drawingml/2006/main" xmlns:r="http://schemas.openxmlformats.org/officeDocument/2006/relationships" xmlns:p="http://schemas.openxmlformats.org/presentationml/2006/main" type="titleOnly" preserve="1">
-  <p:cSld name="Bare tittel">
+<p:sldLayout xmlns:a="http://schemas.openxmlformats.org/drawingml/2006/main" xmlns:r="http://schemas.openxmlformats.org/officeDocument/2006/relationships" xmlns:p="http://schemas.openxmlformats.org/presentationml/2006/main" type="blank" preserve="1">
+  <p:cSld name="Tomt">
     <p:spTree>
       <p:nvGrpSpPr>
         <p:cNvPr id="1" name=""/>
@@ -582,10 +576,546 @@
       </p:grpSpPr>
       <p:sp>
         <p:nvSpPr>
-          <p:cNvPr id="2" name="Tittel 1">
+          <p:cNvPr id="7" name="Plassholder for bunntekst 3"/>
+          <p:cNvSpPr>
+            <a:spLocks noGrp="1"/>
+          </p:cNvSpPr>
+          <p:nvPr>
+            <p:ph type="ftr" sz="quarter" idx="3"/>
+          </p:nvPr>
+        </p:nvSpPr>
+        <p:spPr>
+          <a:xfrm>
+            <a:off x="-1024107" y="4889255"/>
+            <a:ext cx="992579" cy="230832"/>
+          </a:xfrm>
+          <a:prstGeom prst="rect">
+            <a:avLst/>
+          </a:prstGeom>
+        </p:spPr>
+        <p:txBody>
+          <a:bodyPr vert="horz" wrap="none" lIns="0" tIns="0" rIns="0" bIns="0" rtlCol="0" anchor="ctr">
+            <a:noAutofit/>
+          </a:bodyPr>
+          <a:lstStyle>
+            <a:lvl1pPr algn="r">
+              <a:defRPr sz="1000">
+                <a:solidFill>
+                  <a:schemeClr val="tx1"/>
+                </a:solidFill>
+              </a:defRPr>
+            </a:lvl1pPr>
+          </a:lstStyle>
+          <a:p>
+            <a:r>
+              <a:rPr lang="nb-NO" dirty="0"/>
+              <a:t>Rullende tekst settes inn via "Sett inn -&gt; Topptekst og bunntekst«. Bruk hvit tekst</a:t>
+            </a:r>
+          </a:p>
+        </p:txBody>
+      </p:sp>
+    </p:spTree>
+    <p:extLst>
+      <p:ext uri="{BB962C8B-B14F-4D97-AF65-F5344CB8AC3E}">
+        <p14:creationId xmlns:p14="http://schemas.microsoft.com/office/powerpoint/2010/main" val="6859923"/>
+      </p:ext>
+    </p:extLst>
+  </p:cSld>
+  <p:clrMapOvr>
+    <a:masterClrMapping/>
+  </p:clrMapOvr>
+  <p:transition spd="slow" advClick="0" advTm="10000">
+    <p:fade/>
+  </p:transition>
+  <p:timing>
+    <p:tnLst>
+      <p:par>
+        <p:cTn id="1" dur="indefinite" restart="never" nodeType="tmRoot">
+          <p:childTnLst>
+            <p:seq concurrent="1" nextAc="seek">
+              <p:cTn id="2" dur="indefinite" nodeType="mainSeq">
+                <p:childTnLst>
+                  <p:par>
+                    <p:cTn id="3" fill="hold">
+                      <p:stCondLst>
+                        <p:cond delay="indefinite"/>
+                        <p:cond evt="onBegin" delay="0">
+                          <p:tn val="2"/>
+                        </p:cond>
+                      </p:stCondLst>
+                      <p:childTnLst>
+                        <p:par>
+                          <p:cTn id="4" fill="hold">
+                            <p:stCondLst>
+                              <p:cond delay="0"/>
+                            </p:stCondLst>
+                            <p:childTnLst>
+                              <p:par>
+                                <p:cTn id="5" presetID="2" presetClass="entr" presetSubtype="2" repeatCount="indefinite" fill="hold" grpId="0" nodeType="afterEffect">
+                                  <p:stCondLst>
+                                    <p:cond delay="0"/>
+                                  </p:stCondLst>
+                                  <p:childTnLst>
+                                    <p:set>
+                                      <p:cBhvr>
+                                        <p:cTn id="6" dur="1" fill="hold">
+                                          <p:stCondLst>
+                                            <p:cond delay="0"/>
+                                          </p:stCondLst>
+                                        </p:cTn>
+                                        <p:tgtEl>
+                                          <p:spTgt spid="7"/>
+                                        </p:tgtEl>
+                                        <p:attrNameLst>
+                                          <p:attrName>style.visibility</p:attrName>
+                                        </p:attrNameLst>
+                                      </p:cBhvr>
+                                      <p:to>
+                                        <p:strVal val="visible"/>
+                                      </p:to>
+                                    </p:set>
+                                    <p:anim calcmode="lin" valueType="num">
+                                      <p:cBhvr additive="base">
+                                        <p:cTn id="7" dur="10000" fill="hold"/>
+                                        <p:tgtEl>
+                                          <p:spTgt spid="7"/>
+                                        </p:tgtEl>
+                                        <p:attrNameLst>
+                                          <p:attrName>ppt_x</p:attrName>
+                                        </p:attrNameLst>
+                                      </p:cBhvr>
+                                      <p:tavLst>
+                                        <p:tav tm="0">
+                                          <p:val>
+                                            <p:strVal val="1+#ppt_w/2"/>
+                                          </p:val>
+                                        </p:tav>
+                                        <p:tav tm="100000">
+                                          <p:val>
+                                            <p:strVal val="#ppt_x"/>
+                                          </p:val>
+                                        </p:tav>
+                                      </p:tavLst>
+                                    </p:anim>
+                                    <p:anim calcmode="lin" valueType="num">
+                                      <p:cBhvr additive="base">
+                                        <p:cTn id="8" dur="10000" fill="hold"/>
+                                        <p:tgtEl>
+                                          <p:spTgt spid="7"/>
+                                        </p:tgtEl>
+                                        <p:attrNameLst>
+                                          <p:attrName>ppt_y</p:attrName>
+                                        </p:attrNameLst>
+                                      </p:cBhvr>
+                                      <p:tavLst>
+                                        <p:tav tm="0">
+                                          <p:val>
+                                            <p:strVal val="#ppt_y"/>
+                                          </p:val>
+                                        </p:tav>
+                                        <p:tav tm="100000">
+                                          <p:val>
+                                            <p:strVal val="#ppt_y"/>
+                                          </p:val>
+                                        </p:tav>
+                                      </p:tavLst>
+                                    </p:anim>
+                                  </p:childTnLst>
+                                </p:cTn>
+                              </p:par>
+                            </p:childTnLst>
+                          </p:cTn>
+                        </p:par>
+                      </p:childTnLst>
+                    </p:cTn>
+                  </p:par>
+                </p:childTnLst>
+              </p:cTn>
+              <p:prevCondLst>
+                <p:cond evt="onPrev" delay="0">
+                  <p:tgtEl>
+                    <p:sldTgt/>
+                  </p:tgtEl>
+                </p:cond>
+              </p:prevCondLst>
+              <p:nextCondLst>
+                <p:cond evt="onNext" delay="0">
+                  <p:tgtEl>
+                    <p:sldTgt/>
+                  </p:tgtEl>
+                </p:cond>
+              </p:nextCondLst>
+            </p:seq>
+          </p:childTnLst>
+        </p:cTn>
+      </p:par>
+    </p:tnLst>
+    <p:bldLst>
+      <p:bldP spid="7" grpId="0"/>
+    </p:bldLst>
+  </p:timing>
+</p:sldLayout>
+</file>
+
+<file path=ppt/slideLayouts/slideLayout11.xml><?xml version="1.0" encoding="utf-8"?>
+<p:sldLayout xmlns:a="http://schemas.openxmlformats.org/drawingml/2006/main" xmlns:r="http://schemas.openxmlformats.org/officeDocument/2006/relationships" xmlns:p="http://schemas.openxmlformats.org/presentationml/2006/main" showMasterSp="0" preserve="1" userDrawn="1">
+  <p:cSld name="Tittel og innhold (2)">
+    <p:spTree>
+      <p:nvGrpSpPr>
+        <p:cNvPr id="1" name=""/>
+        <p:cNvGrpSpPr/>
+        <p:nvPr/>
+      </p:nvGrpSpPr>
+      <p:grpSpPr>
+        <a:xfrm>
+          <a:off x="0" y="0"/>
+          <a:ext cx="0" cy="0"/>
+          <a:chOff x="0" y="0"/>
+          <a:chExt cx="0" cy="0"/>
+        </a:xfrm>
+      </p:grpSpPr>
+      <p:sp>
+        <p:nvSpPr>
+          <p:cNvPr id="4" name="Rectangle 3">
             <a:extLst>
               <a:ext uri="{FF2B5EF4-FFF2-40B4-BE49-F238E27FC236}">
-                <a16:creationId xmlns:a16="http://schemas.microsoft.com/office/drawing/2014/main" id="{E0764C0C-83B7-4D1E-983A-72FBDF20A411}"/>
+                <a16:creationId xmlns:a16="http://schemas.microsoft.com/office/drawing/2014/main" id="{F1E1C32F-6395-4279-A4F6-2DFACFC18416}"/>
+              </a:ext>
+            </a:extLst>
+          </p:cNvPr>
+          <p:cNvSpPr/>
+          <p:nvPr userDrawn="1"/>
+        </p:nvSpPr>
+        <p:spPr>
+          <a:xfrm>
+            <a:off x="1" y="0"/>
+            <a:ext cx="4572000" cy="5145088"/>
+          </a:xfrm>
+          <a:prstGeom prst="rect">
+            <a:avLst/>
+          </a:prstGeom>
+          <a:solidFill>
+            <a:schemeClr val="bg1">
+              <a:lumMod val="95000"/>
+            </a:schemeClr>
+          </a:solidFill>
+          <a:ln>
+            <a:noFill/>
+          </a:ln>
+        </p:spPr>
+        <p:style>
+          <a:lnRef idx="2">
+            <a:schemeClr val="accent1">
+              <a:shade val="50000"/>
+            </a:schemeClr>
+          </a:lnRef>
+          <a:fillRef idx="1">
+            <a:schemeClr val="accent1"/>
+          </a:fillRef>
+          <a:effectRef idx="0">
+            <a:schemeClr val="accent1"/>
+          </a:effectRef>
+          <a:fontRef idx="minor">
+            <a:schemeClr val="lt1"/>
+          </a:fontRef>
+        </p:style>
+        <p:txBody>
+          <a:bodyPr rtlCol="0" anchor="ctr"/>
+          <a:lstStyle/>
+          <a:p>
+            <a:pPr algn="ctr"/>
+            <a:endParaRPr lang="nb-NO" dirty="0"/>
+          </a:p>
+        </p:txBody>
+      </p:sp>
+      <p:sp>
+        <p:nvSpPr>
+          <p:cNvPr id="2" name="Tittel 1"/>
+          <p:cNvSpPr>
+            <a:spLocks noGrp="1"/>
+          </p:cNvSpPr>
+          <p:nvPr>
+            <p:ph type="title" hasCustomPrompt="1"/>
+          </p:nvPr>
+        </p:nvSpPr>
+        <p:spPr>
+          <a:xfrm>
+            <a:off x="628650" y="351954"/>
+            <a:ext cx="3316055" cy="828104"/>
+          </a:xfrm>
+        </p:spPr>
+        <p:txBody>
+          <a:bodyPr/>
+          <a:lstStyle>
+            <a:lvl1pPr>
+              <a:defRPr/>
+            </a:lvl1pPr>
+          </a:lstStyle>
+          <a:p>
+            <a:r>
+              <a:rPr lang="nb-NO" dirty="0"/>
+              <a:t>Tittel</a:t>
+            </a:r>
+          </a:p>
+        </p:txBody>
+      </p:sp>
+      <p:sp>
+        <p:nvSpPr>
+          <p:cNvPr id="5" name="Plassholder for bunntekst 4"/>
+          <p:cNvSpPr>
+            <a:spLocks noGrp="1"/>
+          </p:cNvSpPr>
+          <p:nvPr>
+            <p:ph type="ftr" sz="quarter" idx="11"/>
+          </p:nvPr>
+        </p:nvSpPr>
+        <p:spPr>
+          <a:xfrm>
+            <a:off x="1223963" y="4764987"/>
+            <a:ext cx="4891087" cy="138542"/>
+          </a:xfrm>
+          <a:prstGeom prst="rect">
+            <a:avLst/>
+          </a:prstGeom>
+        </p:spPr>
+        <p:txBody>
+          <a:bodyPr vert="horz" wrap="square" lIns="0" tIns="0" rIns="0" bIns="0" rtlCol="0" anchor="ctr">
+            <a:spAutoFit/>
+          </a:bodyPr>
+          <a:lstStyle>
+            <a:defPPr>
+              <a:defRPr lang="en-US"/>
+            </a:defPPr>
+            <a:lvl1pPr marL="0" algn="l" defTabSz="685800" rtl="0" eaLnBrk="1" latinLnBrk="0" hangingPunct="1">
+              <a:defRPr sz="900" kern="1200">
+                <a:solidFill>
+                  <a:schemeClr val="tx1"/>
+                </a:solidFill>
+                <a:latin typeface="+mn-lt"/>
+                <a:ea typeface="+mn-ea"/>
+                <a:cs typeface="+mn-cs"/>
+              </a:defRPr>
+            </a:lvl1pPr>
+            <a:lvl2pPr marL="342900" algn="l" defTabSz="685800" rtl="0" eaLnBrk="1" latinLnBrk="0" hangingPunct="1">
+              <a:defRPr sz="1350" kern="1200">
+                <a:solidFill>
+                  <a:schemeClr val="tx1"/>
+                </a:solidFill>
+                <a:latin typeface="+mn-lt"/>
+                <a:ea typeface="+mn-ea"/>
+                <a:cs typeface="+mn-cs"/>
+              </a:defRPr>
+            </a:lvl2pPr>
+            <a:lvl3pPr marL="685800" algn="l" defTabSz="685800" rtl="0" eaLnBrk="1" latinLnBrk="0" hangingPunct="1">
+              <a:defRPr sz="1350" kern="1200">
+                <a:solidFill>
+                  <a:schemeClr val="tx1"/>
+                </a:solidFill>
+                <a:latin typeface="+mn-lt"/>
+                <a:ea typeface="+mn-ea"/>
+                <a:cs typeface="+mn-cs"/>
+              </a:defRPr>
+            </a:lvl3pPr>
+            <a:lvl4pPr marL="1028700" algn="l" defTabSz="685800" rtl="0" eaLnBrk="1" latinLnBrk="0" hangingPunct="1">
+              <a:defRPr sz="1350" kern="1200">
+                <a:solidFill>
+                  <a:schemeClr val="tx1"/>
+                </a:solidFill>
+                <a:latin typeface="+mn-lt"/>
+                <a:ea typeface="+mn-ea"/>
+                <a:cs typeface="+mn-cs"/>
+              </a:defRPr>
+            </a:lvl4pPr>
+            <a:lvl5pPr marL="1371600" algn="l" defTabSz="685800" rtl="0" eaLnBrk="1" latinLnBrk="0" hangingPunct="1">
+              <a:defRPr sz="1350" kern="1200">
+                <a:solidFill>
+                  <a:schemeClr val="tx1"/>
+                </a:solidFill>
+                <a:latin typeface="+mn-lt"/>
+                <a:ea typeface="+mn-ea"/>
+                <a:cs typeface="+mn-cs"/>
+              </a:defRPr>
+            </a:lvl5pPr>
+            <a:lvl6pPr marL="1714500" algn="l" defTabSz="685800" rtl="0" eaLnBrk="1" latinLnBrk="0" hangingPunct="1">
+              <a:defRPr sz="1350" kern="1200">
+                <a:solidFill>
+                  <a:schemeClr val="tx1"/>
+                </a:solidFill>
+                <a:latin typeface="+mn-lt"/>
+                <a:ea typeface="+mn-ea"/>
+                <a:cs typeface="+mn-cs"/>
+              </a:defRPr>
+            </a:lvl6pPr>
+            <a:lvl7pPr marL="2057400" algn="l" defTabSz="685800" rtl="0" eaLnBrk="1" latinLnBrk="0" hangingPunct="1">
+              <a:defRPr sz="1350" kern="1200">
+                <a:solidFill>
+                  <a:schemeClr val="tx1"/>
+                </a:solidFill>
+                <a:latin typeface="+mn-lt"/>
+                <a:ea typeface="+mn-ea"/>
+                <a:cs typeface="+mn-cs"/>
+              </a:defRPr>
+            </a:lvl7pPr>
+            <a:lvl8pPr marL="2400300" algn="l" defTabSz="685800" rtl="0" eaLnBrk="1" latinLnBrk="0" hangingPunct="1">
+              <a:defRPr sz="1350" kern="1200">
+                <a:solidFill>
+                  <a:schemeClr val="tx1"/>
+                </a:solidFill>
+                <a:latin typeface="+mn-lt"/>
+                <a:ea typeface="+mn-ea"/>
+                <a:cs typeface="+mn-cs"/>
+              </a:defRPr>
+            </a:lvl8pPr>
+            <a:lvl9pPr marL="2743200" algn="l" defTabSz="685800" rtl="0" eaLnBrk="1" latinLnBrk="0" hangingPunct="1">
+              <a:defRPr sz="1350" kern="1200">
+                <a:solidFill>
+                  <a:schemeClr val="tx1"/>
+                </a:solidFill>
+                <a:latin typeface="+mn-lt"/>
+                <a:ea typeface="+mn-ea"/>
+                <a:cs typeface="+mn-cs"/>
+              </a:defRPr>
+            </a:lvl9pPr>
+          </a:lstStyle>
+          <a:p>
+            <a:endParaRPr lang="nb-NO" dirty="0"/>
+          </a:p>
+        </p:txBody>
+      </p:sp>
+      <p:sp>
+        <p:nvSpPr>
+          <p:cNvPr id="6" name="Plassholder for lysbildenummer 5"/>
+          <p:cNvSpPr>
+            <a:spLocks noGrp="1"/>
+          </p:cNvSpPr>
+          <p:nvPr>
+            <p:ph type="sldNum" sz="quarter" idx="12"/>
+          </p:nvPr>
+        </p:nvSpPr>
+        <p:spPr>
+          <a:xfrm>
+            <a:off x="6457950" y="4764987"/>
+            <a:ext cx="2057400" cy="138542"/>
+          </a:xfrm>
+          <a:prstGeom prst="rect">
+            <a:avLst/>
+          </a:prstGeom>
+        </p:spPr>
+        <p:txBody>
+          <a:bodyPr vert="horz" lIns="0" tIns="0" rIns="0" bIns="0" rtlCol="0" anchor="ctr">
+            <a:spAutoFit/>
+          </a:bodyPr>
+          <a:lstStyle>
+            <a:defPPr>
+              <a:defRPr lang="en-US"/>
+            </a:defPPr>
+            <a:lvl1pPr marL="0" algn="r" defTabSz="685800" rtl="0" eaLnBrk="1" latinLnBrk="0" hangingPunct="1">
+              <a:defRPr sz="900" kern="1200">
+                <a:solidFill>
+                  <a:schemeClr val="tx1"/>
+                </a:solidFill>
+                <a:latin typeface="+mn-lt"/>
+                <a:ea typeface="+mn-ea"/>
+                <a:cs typeface="+mn-cs"/>
+              </a:defRPr>
+            </a:lvl1pPr>
+            <a:lvl2pPr marL="342900" algn="l" defTabSz="685800" rtl="0" eaLnBrk="1" latinLnBrk="0" hangingPunct="1">
+              <a:defRPr sz="1350" kern="1200">
+                <a:solidFill>
+                  <a:schemeClr val="tx1"/>
+                </a:solidFill>
+                <a:latin typeface="+mn-lt"/>
+                <a:ea typeface="+mn-ea"/>
+                <a:cs typeface="+mn-cs"/>
+              </a:defRPr>
+            </a:lvl2pPr>
+            <a:lvl3pPr marL="685800" algn="l" defTabSz="685800" rtl="0" eaLnBrk="1" latinLnBrk="0" hangingPunct="1">
+              <a:defRPr sz="1350" kern="1200">
+                <a:solidFill>
+                  <a:schemeClr val="tx1"/>
+                </a:solidFill>
+                <a:latin typeface="+mn-lt"/>
+                <a:ea typeface="+mn-ea"/>
+                <a:cs typeface="+mn-cs"/>
+              </a:defRPr>
+            </a:lvl3pPr>
+            <a:lvl4pPr marL="1028700" algn="l" defTabSz="685800" rtl="0" eaLnBrk="1" latinLnBrk="0" hangingPunct="1">
+              <a:defRPr sz="1350" kern="1200">
+                <a:solidFill>
+                  <a:schemeClr val="tx1"/>
+                </a:solidFill>
+                <a:latin typeface="+mn-lt"/>
+                <a:ea typeface="+mn-ea"/>
+                <a:cs typeface="+mn-cs"/>
+              </a:defRPr>
+            </a:lvl4pPr>
+            <a:lvl5pPr marL="1371600" algn="l" defTabSz="685800" rtl="0" eaLnBrk="1" latinLnBrk="0" hangingPunct="1">
+              <a:defRPr sz="1350" kern="1200">
+                <a:solidFill>
+                  <a:schemeClr val="tx1"/>
+                </a:solidFill>
+                <a:latin typeface="+mn-lt"/>
+                <a:ea typeface="+mn-ea"/>
+                <a:cs typeface="+mn-cs"/>
+              </a:defRPr>
+            </a:lvl5pPr>
+            <a:lvl6pPr marL="1714500" algn="l" defTabSz="685800" rtl="0" eaLnBrk="1" latinLnBrk="0" hangingPunct="1">
+              <a:defRPr sz="1350" kern="1200">
+                <a:solidFill>
+                  <a:schemeClr val="tx1"/>
+                </a:solidFill>
+                <a:latin typeface="+mn-lt"/>
+                <a:ea typeface="+mn-ea"/>
+                <a:cs typeface="+mn-cs"/>
+              </a:defRPr>
+            </a:lvl6pPr>
+            <a:lvl7pPr marL="2057400" algn="l" defTabSz="685800" rtl="0" eaLnBrk="1" latinLnBrk="0" hangingPunct="1">
+              <a:defRPr sz="1350" kern="1200">
+                <a:solidFill>
+                  <a:schemeClr val="tx1"/>
+                </a:solidFill>
+                <a:latin typeface="+mn-lt"/>
+                <a:ea typeface="+mn-ea"/>
+                <a:cs typeface="+mn-cs"/>
+              </a:defRPr>
+            </a:lvl7pPr>
+            <a:lvl8pPr marL="2400300" algn="l" defTabSz="685800" rtl="0" eaLnBrk="1" latinLnBrk="0" hangingPunct="1">
+              <a:defRPr sz="1350" kern="1200">
+                <a:solidFill>
+                  <a:schemeClr val="tx1"/>
+                </a:solidFill>
+                <a:latin typeface="+mn-lt"/>
+                <a:ea typeface="+mn-ea"/>
+                <a:cs typeface="+mn-cs"/>
+              </a:defRPr>
+            </a:lvl8pPr>
+            <a:lvl9pPr marL="2743200" algn="l" defTabSz="685800" rtl="0" eaLnBrk="1" latinLnBrk="0" hangingPunct="1">
+              <a:defRPr sz="1350" kern="1200">
+                <a:solidFill>
+                  <a:schemeClr val="tx1"/>
+                </a:solidFill>
+                <a:latin typeface="+mn-lt"/>
+                <a:ea typeface="+mn-ea"/>
+                <a:cs typeface="+mn-cs"/>
+              </a:defRPr>
+            </a:lvl9pPr>
+          </a:lstStyle>
+          <a:p>
+            <a:fld id="{35E025E5-F4E9-4572-B8CF-5901727261FC}" type="slidenum">
+              <a:rPr lang="nb-NO" smtClean="0"/>
+              <a:pPr/>
+              <a:t>‹#›</a:t>
+            </a:fld>
+            <a:endParaRPr lang="nb-NO" dirty="0"/>
+          </a:p>
+        </p:txBody>
+      </p:sp>
+      <p:sp>
+        <p:nvSpPr>
+          <p:cNvPr id="10" name="Text Placeholder 9">
+            <a:extLst>
+              <a:ext uri="{FF2B5EF4-FFF2-40B4-BE49-F238E27FC236}">
+                <a16:creationId xmlns:a16="http://schemas.microsoft.com/office/drawing/2014/main" id="{6D5337E2-4B06-4343-A7EC-B372A6E84A7B}"/>
               </a:ext>
             </a:extLst>
           </p:cNvPr>
@@ -593,36 +1123,231 @@
             <a:spLocks noGrp="1"/>
           </p:cNvSpPr>
           <p:nvPr>
-            <p:ph type="title"/>
+            <p:ph type="body" sz="quarter" idx="14" hasCustomPrompt="1"/>
           </p:nvPr>
         </p:nvSpPr>
         <p:spPr>
           <a:xfrm>
-            <a:off x="794250" y="2074638"/>
-            <a:ext cx="7694550" cy="993775"/>
+            <a:off x="5200648" y="351954"/>
+            <a:ext cx="3314697" cy="828104"/>
           </a:xfrm>
         </p:spPr>
         <p:txBody>
-          <a:bodyPr>
+          <a:bodyPr anchor="ctr">
             <a:normAutofit/>
           </a:bodyPr>
           <a:lstStyle>
-            <a:lvl1pPr algn="ctr">
-              <a:defRPr sz="2800"/>
+            <a:lvl1pPr marL="0" indent="0">
+              <a:spcBef>
+                <a:spcPts val="0"/>
+              </a:spcBef>
+              <a:buNone/>
+              <a:defRPr sz="2600"/>
             </a:lvl1pPr>
           </a:lstStyle>
           <a:p>
+            <a:pPr lvl="0"/>
             <a:r>
               <a:rPr lang="nb-NO" dirty="0"/>
-              <a:t>Klikk for å redigere tittelstil</a:t>
-            </a:r>
+              <a:t>Tittel</a:t>
+            </a:r>
+          </a:p>
+        </p:txBody>
+      </p:sp>
+      <p:sp>
+        <p:nvSpPr>
+          <p:cNvPr id="7" name="Content Placeholder 6">
+            <a:extLst>
+              <a:ext uri="{FF2B5EF4-FFF2-40B4-BE49-F238E27FC236}">
+                <a16:creationId xmlns:a16="http://schemas.microsoft.com/office/drawing/2014/main" id="{3A74192B-9ADD-4790-9339-0C70E66B2819}"/>
+              </a:ext>
+            </a:extLst>
+          </p:cNvPr>
+          <p:cNvSpPr>
+            <a:spLocks noGrp="1"/>
+          </p:cNvSpPr>
+          <p:nvPr>
+            <p:ph sz="quarter" idx="15" hasCustomPrompt="1"/>
+          </p:nvPr>
+        </p:nvSpPr>
+        <p:spPr>
+          <a:xfrm>
+            <a:off x="628650" y="1369643"/>
+            <a:ext cx="3316056" cy="3042700"/>
+          </a:xfrm>
+          <a:prstGeom prst="rect">
+            <a:avLst/>
+          </a:prstGeom>
+        </p:spPr>
+        <p:txBody>
+          <a:bodyPr lIns="0" tIns="0" rIns="0" bIns="0"/>
+          <a:lstStyle>
+            <a:lvl1pPr>
+              <a:defRPr/>
+            </a:lvl1pPr>
+          </a:lstStyle>
+          <a:p>
+            <a:pPr lvl="0"/>
+            <a:r>
+              <a:rPr lang="en-US" dirty="0" err="1"/>
+              <a:t>Klikk</a:t>
+            </a:r>
+            <a:r>
+              <a:rPr lang="en-US" dirty="0"/>
+              <a:t> for å </a:t>
+            </a:r>
+            <a:r>
+              <a:rPr lang="en-US" dirty="0" err="1"/>
+              <a:t>legge</a:t>
+            </a:r>
+            <a:r>
+              <a:rPr lang="en-US" dirty="0"/>
+              <a:t> </a:t>
+            </a:r>
+            <a:r>
+              <a:rPr lang="en-US" dirty="0" err="1"/>
+              <a:t>til</a:t>
+            </a:r>
+            <a:r>
+              <a:rPr lang="en-US" dirty="0"/>
+              <a:t> </a:t>
+            </a:r>
+            <a:r>
+              <a:rPr lang="en-US" dirty="0" err="1"/>
+              <a:t>tekst</a:t>
+            </a:r>
+            <a:endParaRPr lang="en-US" dirty="0"/>
+          </a:p>
+          <a:p>
+            <a:pPr lvl="1"/>
+            <a:r>
+              <a:rPr lang="en-US" dirty="0"/>
+              <a:t>Second level</a:t>
+            </a:r>
+          </a:p>
+          <a:p>
+            <a:pPr lvl="2"/>
+            <a:r>
+              <a:rPr lang="en-US" dirty="0"/>
+              <a:t>Third level</a:t>
+            </a:r>
+          </a:p>
+          <a:p>
+            <a:pPr lvl="3"/>
+            <a:r>
+              <a:rPr lang="en-US" dirty="0"/>
+              <a:t>Fourth level</a:t>
+            </a:r>
+          </a:p>
+          <a:p>
+            <a:pPr lvl="4"/>
+            <a:r>
+              <a:rPr lang="en-US" dirty="0"/>
+              <a:t>Fifth level</a:t>
+            </a:r>
+            <a:endParaRPr lang="en-GB" dirty="0"/>
+          </a:p>
+        </p:txBody>
+      </p:sp>
+      <p:sp>
+        <p:nvSpPr>
+          <p:cNvPr id="9" name="Content Placeholder 8">
+            <a:extLst>
+              <a:ext uri="{FF2B5EF4-FFF2-40B4-BE49-F238E27FC236}">
+                <a16:creationId xmlns:a16="http://schemas.microsoft.com/office/drawing/2014/main" id="{58A1958C-541C-458F-9C86-5AE3035B69A4}"/>
+              </a:ext>
+            </a:extLst>
+          </p:cNvPr>
+          <p:cNvSpPr>
+            <a:spLocks noGrp="1"/>
+          </p:cNvSpPr>
+          <p:nvPr>
+            <p:ph sz="quarter" idx="16" hasCustomPrompt="1"/>
+          </p:nvPr>
+        </p:nvSpPr>
+        <p:spPr>
+          <a:xfrm>
+            <a:off x="5200649" y="1369643"/>
+            <a:ext cx="3314696" cy="3042700"/>
+          </a:xfrm>
+          <a:prstGeom prst="rect">
+            <a:avLst/>
+          </a:prstGeom>
+        </p:spPr>
+        <p:txBody>
+          <a:bodyPr lIns="0" tIns="0" rIns="0" bIns="0"/>
+          <a:lstStyle>
+            <a:lvl1pPr>
+              <a:defRPr/>
+            </a:lvl1pPr>
+          </a:lstStyle>
+          <a:p>
+            <a:pPr lvl="0"/>
+            <a:r>
+              <a:rPr lang="en-US" dirty="0" err="1"/>
+              <a:t>Klikk</a:t>
+            </a:r>
+            <a:r>
+              <a:rPr lang="en-US" dirty="0"/>
+              <a:t> for å </a:t>
+            </a:r>
+            <a:r>
+              <a:rPr lang="en-US" dirty="0" err="1"/>
+              <a:t>legge</a:t>
+            </a:r>
+            <a:r>
+              <a:rPr lang="en-US" dirty="0"/>
+              <a:t> </a:t>
+            </a:r>
+            <a:r>
+              <a:rPr lang="en-US" dirty="0" err="1"/>
+              <a:t>til</a:t>
+            </a:r>
+            <a:r>
+              <a:rPr lang="en-US" dirty="0"/>
+              <a:t> </a:t>
+            </a:r>
+            <a:r>
+              <a:rPr lang="en-US" dirty="0" err="1"/>
+              <a:t>tekst</a:t>
+            </a:r>
+            <a:endParaRPr lang="en-US" dirty="0"/>
+          </a:p>
+          <a:p>
+            <a:pPr lvl="1"/>
+            <a:r>
+              <a:rPr lang="en-US" dirty="0"/>
+              <a:t>Second level</a:t>
+            </a:r>
+          </a:p>
+          <a:p>
+            <a:pPr lvl="2"/>
+            <a:r>
+              <a:rPr lang="en-US" dirty="0"/>
+              <a:t>Third level</a:t>
+            </a:r>
+          </a:p>
+          <a:p>
+            <a:pPr lvl="3"/>
+            <a:r>
+              <a:rPr lang="en-US" dirty="0"/>
+              <a:t>Fourth level</a:t>
+            </a:r>
+          </a:p>
+          <a:p>
+            <a:pPr lvl="4"/>
+            <a:r>
+              <a:rPr lang="en-US" dirty="0"/>
+              <a:t>Fifth level</a:t>
+            </a:r>
+            <a:endParaRPr lang="en-GB" dirty="0"/>
           </a:p>
         </p:txBody>
       </p:sp>
     </p:spTree>
     <p:extLst>
       <p:ext uri="{BB962C8B-B14F-4D97-AF65-F5344CB8AC3E}">
-        <p14:creationId xmlns:p14="http://schemas.microsoft.com/office/powerpoint/2010/main" val="1400847308"/>
+        <p14:creationId xmlns:p14="http://schemas.microsoft.com/office/powerpoint/2010/main" val="69158623"/>
       </p:ext>
     </p:extLst>
   </p:cSld>
@@ -632,9 +1357,946 @@
 </p:sldLayout>
 </file>
 
-<file path=ppt/slideLayouts/slideLayout11.xml><?xml version="1.0" encoding="utf-8"?>
-<p:sldLayout xmlns:a="http://schemas.openxmlformats.org/drawingml/2006/main" xmlns:r="http://schemas.openxmlformats.org/officeDocument/2006/relationships" xmlns:p="http://schemas.openxmlformats.org/presentationml/2006/main" type="blank" preserve="1">
-  <p:cSld name="Tomt">
+<file path=ppt/slideLayouts/slideLayout12.xml><?xml version="1.0" encoding="utf-8"?>
+<p:sldLayout xmlns:a="http://schemas.openxmlformats.org/drawingml/2006/main" xmlns:r="http://schemas.openxmlformats.org/officeDocument/2006/relationships" xmlns:p="http://schemas.openxmlformats.org/presentationml/2006/main" showMasterSp="0" preserve="1" userDrawn="1">
+  <p:cSld name="Tittel, innhold og bilde (H)">
+    <p:spTree>
+      <p:nvGrpSpPr>
+        <p:cNvPr id="1" name=""/>
+        <p:cNvGrpSpPr/>
+        <p:nvPr/>
+      </p:nvGrpSpPr>
+      <p:grpSpPr>
+        <a:xfrm>
+          <a:off x="0" y="0"/>
+          <a:ext cx="0" cy="0"/>
+          <a:chOff x="0" y="0"/>
+          <a:chExt cx="0" cy="0"/>
+        </a:xfrm>
+      </p:grpSpPr>
+      <p:sp>
+        <p:nvSpPr>
+          <p:cNvPr id="4" name="Rectangle 3">
+            <a:extLst>
+              <a:ext uri="{FF2B5EF4-FFF2-40B4-BE49-F238E27FC236}">
+                <a16:creationId xmlns:a16="http://schemas.microsoft.com/office/drawing/2014/main" id="{F1E1C32F-6395-4279-A4F6-2DFACFC18416}"/>
+              </a:ext>
+            </a:extLst>
+          </p:cNvPr>
+          <p:cNvSpPr/>
+          <p:nvPr userDrawn="1"/>
+        </p:nvSpPr>
+        <p:spPr>
+          <a:xfrm>
+            <a:off x="1" y="0"/>
+            <a:ext cx="4572000" cy="5145088"/>
+          </a:xfrm>
+          <a:prstGeom prst="rect">
+            <a:avLst/>
+          </a:prstGeom>
+          <a:solidFill>
+            <a:schemeClr val="bg1">
+              <a:lumMod val="95000"/>
+            </a:schemeClr>
+          </a:solidFill>
+          <a:ln>
+            <a:noFill/>
+          </a:ln>
+        </p:spPr>
+        <p:style>
+          <a:lnRef idx="2">
+            <a:schemeClr val="accent1">
+              <a:shade val="50000"/>
+            </a:schemeClr>
+          </a:lnRef>
+          <a:fillRef idx="1">
+            <a:schemeClr val="accent1"/>
+          </a:fillRef>
+          <a:effectRef idx="0">
+            <a:schemeClr val="accent1"/>
+          </a:effectRef>
+          <a:fontRef idx="minor">
+            <a:schemeClr val="lt1"/>
+          </a:fontRef>
+        </p:style>
+        <p:txBody>
+          <a:bodyPr rtlCol="0" anchor="ctr"/>
+          <a:lstStyle/>
+          <a:p>
+            <a:pPr algn="ctr"/>
+            <a:endParaRPr lang="nb-NO" dirty="0"/>
+          </a:p>
+        </p:txBody>
+      </p:sp>
+      <p:sp>
+        <p:nvSpPr>
+          <p:cNvPr id="2" name="Tittel 1"/>
+          <p:cNvSpPr>
+            <a:spLocks noGrp="1"/>
+          </p:cNvSpPr>
+          <p:nvPr>
+            <p:ph type="title" hasCustomPrompt="1"/>
+          </p:nvPr>
+        </p:nvSpPr>
+        <p:spPr>
+          <a:xfrm>
+            <a:off x="628650" y="351954"/>
+            <a:ext cx="3316055" cy="828104"/>
+          </a:xfrm>
+        </p:spPr>
+        <p:txBody>
+          <a:bodyPr/>
+          <a:lstStyle>
+            <a:lvl1pPr>
+              <a:defRPr/>
+            </a:lvl1pPr>
+          </a:lstStyle>
+          <a:p>
+            <a:r>
+              <a:rPr lang="nb-NO" dirty="0"/>
+              <a:t>Tittel</a:t>
+            </a:r>
+          </a:p>
+        </p:txBody>
+      </p:sp>
+      <p:sp>
+        <p:nvSpPr>
+          <p:cNvPr id="3" name="Plassholder for innhold 2"/>
+          <p:cNvSpPr>
+            <a:spLocks noGrp="1"/>
+          </p:cNvSpPr>
+          <p:nvPr>
+            <p:ph idx="1" hasCustomPrompt="1"/>
+          </p:nvPr>
+        </p:nvSpPr>
+        <p:spPr>
+          <a:xfrm>
+            <a:off x="628650" y="1369643"/>
+            <a:ext cx="3316056" cy="3042700"/>
+          </a:xfrm>
+        </p:spPr>
+        <p:txBody>
+          <a:bodyPr/>
+          <a:lstStyle/>
+          <a:p>
+            <a:pPr lvl="0"/>
+            <a:r>
+              <a:rPr lang="nb-NO" dirty="0"/>
+              <a:t>Klikk for å legge til tekst</a:t>
+            </a:r>
+          </a:p>
+          <a:p>
+            <a:pPr lvl="1"/>
+            <a:r>
+              <a:rPr lang="nb-NO" dirty="0"/>
+              <a:t>Andre nivå</a:t>
+            </a:r>
+          </a:p>
+          <a:p>
+            <a:pPr lvl="2"/>
+            <a:r>
+              <a:rPr lang="nb-NO" dirty="0"/>
+              <a:t>Tredje nivå</a:t>
+            </a:r>
+          </a:p>
+          <a:p>
+            <a:pPr lvl="3"/>
+            <a:r>
+              <a:rPr lang="nb-NO" dirty="0"/>
+              <a:t>Fjerde nivå</a:t>
+            </a:r>
+          </a:p>
+          <a:p>
+            <a:pPr lvl="4"/>
+            <a:r>
+              <a:rPr lang="nb-NO" dirty="0"/>
+              <a:t>Femte nivå</a:t>
+            </a:r>
+          </a:p>
+        </p:txBody>
+      </p:sp>
+      <p:sp>
+        <p:nvSpPr>
+          <p:cNvPr id="5" name="Plassholder for bunntekst 4"/>
+          <p:cNvSpPr>
+            <a:spLocks noGrp="1"/>
+          </p:cNvSpPr>
+          <p:nvPr>
+            <p:ph type="ftr" sz="quarter" idx="11"/>
+          </p:nvPr>
+        </p:nvSpPr>
+        <p:spPr>
+          <a:xfrm>
+            <a:off x="1223963" y="4764987"/>
+            <a:ext cx="4891087" cy="138542"/>
+          </a:xfrm>
+          <a:prstGeom prst="rect">
+            <a:avLst/>
+          </a:prstGeom>
+        </p:spPr>
+        <p:txBody>
+          <a:bodyPr vert="horz" wrap="square" lIns="0" tIns="0" rIns="0" bIns="0" rtlCol="0" anchor="ctr">
+            <a:spAutoFit/>
+          </a:bodyPr>
+          <a:lstStyle>
+            <a:defPPr>
+              <a:defRPr lang="en-US"/>
+            </a:defPPr>
+            <a:lvl1pPr marL="0" algn="l" defTabSz="685800" rtl="0" eaLnBrk="1" latinLnBrk="0" hangingPunct="1">
+              <a:defRPr sz="900" kern="1200">
+                <a:solidFill>
+                  <a:schemeClr val="tx1"/>
+                </a:solidFill>
+                <a:latin typeface="+mn-lt"/>
+                <a:ea typeface="+mn-ea"/>
+                <a:cs typeface="+mn-cs"/>
+              </a:defRPr>
+            </a:lvl1pPr>
+            <a:lvl2pPr marL="342900" algn="l" defTabSz="685800" rtl="0" eaLnBrk="1" latinLnBrk="0" hangingPunct="1">
+              <a:defRPr sz="1350" kern="1200">
+                <a:solidFill>
+                  <a:schemeClr val="tx1"/>
+                </a:solidFill>
+                <a:latin typeface="+mn-lt"/>
+                <a:ea typeface="+mn-ea"/>
+                <a:cs typeface="+mn-cs"/>
+              </a:defRPr>
+            </a:lvl2pPr>
+            <a:lvl3pPr marL="685800" algn="l" defTabSz="685800" rtl="0" eaLnBrk="1" latinLnBrk="0" hangingPunct="1">
+              <a:defRPr sz="1350" kern="1200">
+                <a:solidFill>
+                  <a:schemeClr val="tx1"/>
+                </a:solidFill>
+                <a:latin typeface="+mn-lt"/>
+                <a:ea typeface="+mn-ea"/>
+                <a:cs typeface="+mn-cs"/>
+              </a:defRPr>
+            </a:lvl3pPr>
+            <a:lvl4pPr marL="1028700" algn="l" defTabSz="685800" rtl="0" eaLnBrk="1" latinLnBrk="0" hangingPunct="1">
+              <a:defRPr sz="1350" kern="1200">
+                <a:solidFill>
+                  <a:schemeClr val="tx1"/>
+                </a:solidFill>
+                <a:latin typeface="+mn-lt"/>
+                <a:ea typeface="+mn-ea"/>
+                <a:cs typeface="+mn-cs"/>
+              </a:defRPr>
+            </a:lvl4pPr>
+            <a:lvl5pPr marL="1371600" algn="l" defTabSz="685800" rtl="0" eaLnBrk="1" latinLnBrk="0" hangingPunct="1">
+              <a:defRPr sz="1350" kern="1200">
+                <a:solidFill>
+                  <a:schemeClr val="tx1"/>
+                </a:solidFill>
+                <a:latin typeface="+mn-lt"/>
+                <a:ea typeface="+mn-ea"/>
+                <a:cs typeface="+mn-cs"/>
+              </a:defRPr>
+            </a:lvl5pPr>
+            <a:lvl6pPr marL="1714500" algn="l" defTabSz="685800" rtl="0" eaLnBrk="1" latinLnBrk="0" hangingPunct="1">
+              <a:defRPr sz="1350" kern="1200">
+                <a:solidFill>
+                  <a:schemeClr val="tx1"/>
+                </a:solidFill>
+                <a:latin typeface="+mn-lt"/>
+                <a:ea typeface="+mn-ea"/>
+                <a:cs typeface="+mn-cs"/>
+              </a:defRPr>
+            </a:lvl6pPr>
+            <a:lvl7pPr marL="2057400" algn="l" defTabSz="685800" rtl="0" eaLnBrk="1" latinLnBrk="0" hangingPunct="1">
+              <a:defRPr sz="1350" kern="1200">
+                <a:solidFill>
+                  <a:schemeClr val="tx1"/>
+                </a:solidFill>
+                <a:latin typeface="+mn-lt"/>
+                <a:ea typeface="+mn-ea"/>
+                <a:cs typeface="+mn-cs"/>
+              </a:defRPr>
+            </a:lvl7pPr>
+            <a:lvl8pPr marL="2400300" algn="l" defTabSz="685800" rtl="0" eaLnBrk="1" latinLnBrk="0" hangingPunct="1">
+              <a:defRPr sz="1350" kern="1200">
+                <a:solidFill>
+                  <a:schemeClr val="tx1"/>
+                </a:solidFill>
+                <a:latin typeface="+mn-lt"/>
+                <a:ea typeface="+mn-ea"/>
+                <a:cs typeface="+mn-cs"/>
+              </a:defRPr>
+            </a:lvl8pPr>
+            <a:lvl9pPr marL="2743200" algn="l" defTabSz="685800" rtl="0" eaLnBrk="1" latinLnBrk="0" hangingPunct="1">
+              <a:defRPr sz="1350" kern="1200">
+                <a:solidFill>
+                  <a:schemeClr val="tx1"/>
+                </a:solidFill>
+                <a:latin typeface="+mn-lt"/>
+                <a:ea typeface="+mn-ea"/>
+                <a:cs typeface="+mn-cs"/>
+              </a:defRPr>
+            </a:lvl9pPr>
+          </a:lstStyle>
+          <a:p>
+            <a:endParaRPr lang="nb-NO" dirty="0"/>
+          </a:p>
+        </p:txBody>
+      </p:sp>
+      <p:sp>
+        <p:nvSpPr>
+          <p:cNvPr id="6" name="Plassholder for lysbildenummer 5"/>
+          <p:cNvSpPr>
+            <a:spLocks noGrp="1"/>
+          </p:cNvSpPr>
+          <p:nvPr>
+            <p:ph type="sldNum" sz="quarter" idx="12"/>
+          </p:nvPr>
+        </p:nvSpPr>
+        <p:spPr>
+          <a:xfrm>
+            <a:off x="6457950" y="4764987"/>
+            <a:ext cx="2057400" cy="138542"/>
+          </a:xfrm>
+          <a:prstGeom prst="rect">
+            <a:avLst/>
+          </a:prstGeom>
+        </p:spPr>
+        <p:txBody>
+          <a:bodyPr vert="horz" lIns="0" tIns="0" rIns="0" bIns="0" rtlCol="0" anchor="ctr">
+            <a:spAutoFit/>
+          </a:bodyPr>
+          <a:lstStyle>
+            <a:defPPr>
+              <a:defRPr lang="en-US"/>
+            </a:defPPr>
+            <a:lvl1pPr marL="0" algn="r" defTabSz="685800" rtl="0" eaLnBrk="1" latinLnBrk="0" hangingPunct="1">
+              <a:defRPr sz="900" kern="1200">
+                <a:solidFill>
+                  <a:schemeClr val="tx1"/>
+                </a:solidFill>
+                <a:latin typeface="+mn-lt"/>
+                <a:ea typeface="+mn-ea"/>
+                <a:cs typeface="+mn-cs"/>
+              </a:defRPr>
+            </a:lvl1pPr>
+            <a:lvl2pPr marL="342900" algn="l" defTabSz="685800" rtl="0" eaLnBrk="1" latinLnBrk="0" hangingPunct="1">
+              <a:defRPr sz="1350" kern="1200">
+                <a:solidFill>
+                  <a:schemeClr val="tx1"/>
+                </a:solidFill>
+                <a:latin typeface="+mn-lt"/>
+                <a:ea typeface="+mn-ea"/>
+                <a:cs typeface="+mn-cs"/>
+              </a:defRPr>
+            </a:lvl2pPr>
+            <a:lvl3pPr marL="685800" algn="l" defTabSz="685800" rtl="0" eaLnBrk="1" latinLnBrk="0" hangingPunct="1">
+              <a:defRPr sz="1350" kern="1200">
+                <a:solidFill>
+                  <a:schemeClr val="tx1"/>
+                </a:solidFill>
+                <a:latin typeface="+mn-lt"/>
+                <a:ea typeface="+mn-ea"/>
+                <a:cs typeface="+mn-cs"/>
+              </a:defRPr>
+            </a:lvl3pPr>
+            <a:lvl4pPr marL="1028700" algn="l" defTabSz="685800" rtl="0" eaLnBrk="1" latinLnBrk="0" hangingPunct="1">
+              <a:defRPr sz="1350" kern="1200">
+                <a:solidFill>
+                  <a:schemeClr val="tx1"/>
+                </a:solidFill>
+                <a:latin typeface="+mn-lt"/>
+                <a:ea typeface="+mn-ea"/>
+                <a:cs typeface="+mn-cs"/>
+              </a:defRPr>
+            </a:lvl4pPr>
+            <a:lvl5pPr marL="1371600" algn="l" defTabSz="685800" rtl="0" eaLnBrk="1" latinLnBrk="0" hangingPunct="1">
+              <a:defRPr sz="1350" kern="1200">
+                <a:solidFill>
+                  <a:schemeClr val="tx1"/>
+                </a:solidFill>
+                <a:latin typeface="+mn-lt"/>
+                <a:ea typeface="+mn-ea"/>
+                <a:cs typeface="+mn-cs"/>
+              </a:defRPr>
+            </a:lvl5pPr>
+            <a:lvl6pPr marL="1714500" algn="l" defTabSz="685800" rtl="0" eaLnBrk="1" latinLnBrk="0" hangingPunct="1">
+              <a:defRPr sz="1350" kern="1200">
+                <a:solidFill>
+                  <a:schemeClr val="tx1"/>
+                </a:solidFill>
+                <a:latin typeface="+mn-lt"/>
+                <a:ea typeface="+mn-ea"/>
+                <a:cs typeface="+mn-cs"/>
+              </a:defRPr>
+            </a:lvl6pPr>
+            <a:lvl7pPr marL="2057400" algn="l" defTabSz="685800" rtl="0" eaLnBrk="1" latinLnBrk="0" hangingPunct="1">
+              <a:defRPr sz="1350" kern="1200">
+                <a:solidFill>
+                  <a:schemeClr val="tx1"/>
+                </a:solidFill>
+                <a:latin typeface="+mn-lt"/>
+                <a:ea typeface="+mn-ea"/>
+                <a:cs typeface="+mn-cs"/>
+              </a:defRPr>
+            </a:lvl7pPr>
+            <a:lvl8pPr marL="2400300" algn="l" defTabSz="685800" rtl="0" eaLnBrk="1" latinLnBrk="0" hangingPunct="1">
+              <a:defRPr sz="1350" kern="1200">
+                <a:solidFill>
+                  <a:schemeClr val="tx1"/>
+                </a:solidFill>
+                <a:latin typeface="+mn-lt"/>
+                <a:ea typeface="+mn-ea"/>
+                <a:cs typeface="+mn-cs"/>
+              </a:defRPr>
+            </a:lvl8pPr>
+            <a:lvl9pPr marL="2743200" algn="l" defTabSz="685800" rtl="0" eaLnBrk="1" latinLnBrk="0" hangingPunct="1">
+              <a:defRPr sz="1350" kern="1200">
+                <a:solidFill>
+                  <a:schemeClr val="tx1"/>
+                </a:solidFill>
+                <a:latin typeface="+mn-lt"/>
+                <a:ea typeface="+mn-ea"/>
+                <a:cs typeface="+mn-cs"/>
+              </a:defRPr>
+            </a:lvl9pPr>
+          </a:lstStyle>
+          <a:p>
+            <a:fld id="{35E025E5-F4E9-4572-B8CF-5901727261FC}" type="slidenum">
+              <a:rPr lang="nb-NO" smtClean="0"/>
+              <a:pPr/>
+              <a:t>‹#›</a:t>
+            </a:fld>
+            <a:endParaRPr lang="nb-NO" dirty="0"/>
+          </a:p>
+        </p:txBody>
+      </p:sp>
+      <p:sp>
+        <p:nvSpPr>
+          <p:cNvPr id="7" name="Picture Placeholder 6">
+            <a:extLst>
+              <a:ext uri="{FF2B5EF4-FFF2-40B4-BE49-F238E27FC236}">
+                <a16:creationId xmlns:a16="http://schemas.microsoft.com/office/drawing/2014/main" id="{48218045-9B70-4777-A444-3E4233FF4C41}"/>
+              </a:ext>
+            </a:extLst>
+          </p:cNvPr>
+          <p:cNvSpPr>
+            <a:spLocks noGrp="1"/>
+          </p:cNvSpPr>
+          <p:nvPr>
+            <p:ph type="pic" sz="quarter" idx="15"/>
+          </p:nvPr>
+        </p:nvSpPr>
+        <p:spPr>
+          <a:xfrm>
+            <a:off x="4572000" y="0"/>
+            <a:ext cx="4571999" cy="5145087"/>
+          </a:xfrm>
+          <a:prstGeom prst="rect">
+            <a:avLst/>
+          </a:prstGeom>
+        </p:spPr>
+        <p:txBody>
+          <a:bodyPr lIns="0" tIns="0" rIns="0" bIns="0"/>
+          <a:lstStyle/>
+          <a:p>
+            <a:r>
+              <a:rPr lang="nb-NO"/>
+              <a:t>Klikk på ikonet for å legge til et bilde</a:t>
+            </a:r>
+            <a:endParaRPr lang="en-GB"/>
+          </a:p>
+        </p:txBody>
+      </p:sp>
+    </p:spTree>
+    <p:extLst>
+      <p:ext uri="{BB962C8B-B14F-4D97-AF65-F5344CB8AC3E}">
+        <p14:creationId xmlns:p14="http://schemas.microsoft.com/office/powerpoint/2010/main" val="2542824808"/>
+      </p:ext>
+    </p:extLst>
+  </p:cSld>
+  <p:clrMapOvr>
+    <a:masterClrMapping/>
+  </p:clrMapOvr>
+</p:sldLayout>
+</file>
+
+<file path=ppt/slideLayouts/slideLayout13.xml><?xml version="1.0" encoding="utf-8"?>
+<p:sldLayout xmlns:a="http://schemas.openxmlformats.org/drawingml/2006/main" xmlns:r="http://schemas.openxmlformats.org/officeDocument/2006/relationships" xmlns:p="http://schemas.openxmlformats.org/presentationml/2006/main" showMasterSp="0" preserve="1" userDrawn="1">
+  <p:cSld name="Tittel, innhold og bilde (V)">
+    <p:spTree>
+      <p:nvGrpSpPr>
+        <p:cNvPr id="1" name=""/>
+        <p:cNvGrpSpPr/>
+        <p:nvPr/>
+      </p:nvGrpSpPr>
+      <p:grpSpPr>
+        <a:xfrm>
+          <a:off x="0" y="0"/>
+          <a:ext cx="0" cy="0"/>
+          <a:chOff x="0" y="0"/>
+          <a:chExt cx="0" cy="0"/>
+        </a:xfrm>
+      </p:grpSpPr>
+      <p:sp>
+        <p:nvSpPr>
+          <p:cNvPr id="4" name="Rectangle 3">
+            <a:extLst>
+              <a:ext uri="{FF2B5EF4-FFF2-40B4-BE49-F238E27FC236}">
+                <a16:creationId xmlns:a16="http://schemas.microsoft.com/office/drawing/2014/main" id="{F1E1C32F-6395-4279-A4F6-2DFACFC18416}"/>
+              </a:ext>
+            </a:extLst>
+          </p:cNvPr>
+          <p:cNvSpPr/>
+          <p:nvPr userDrawn="1"/>
+        </p:nvSpPr>
+        <p:spPr>
+          <a:xfrm>
+            <a:off x="1" y="0"/>
+            <a:ext cx="4572000" cy="5145088"/>
+          </a:xfrm>
+          <a:prstGeom prst="rect">
+            <a:avLst/>
+          </a:prstGeom>
+          <a:solidFill>
+            <a:schemeClr val="bg1">
+              <a:lumMod val="95000"/>
+            </a:schemeClr>
+          </a:solidFill>
+          <a:ln>
+            <a:noFill/>
+          </a:ln>
+        </p:spPr>
+        <p:style>
+          <a:lnRef idx="2">
+            <a:schemeClr val="accent1">
+              <a:shade val="50000"/>
+            </a:schemeClr>
+          </a:lnRef>
+          <a:fillRef idx="1">
+            <a:schemeClr val="accent1"/>
+          </a:fillRef>
+          <a:effectRef idx="0">
+            <a:schemeClr val="accent1"/>
+          </a:effectRef>
+          <a:fontRef idx="minor">
+            <a:schemeClr val="lt1"/>
+          </a:fontRef>
+        </p:style>
+        <p:txBody>
+          <a:bodyPr rtlCol="0" anchor="ctr"/>
+          <a:lstStyle/>
+          <a:p>
+            <a:pPr algn="ctr"/>
+            <a:endParaRPr lang="nb-NO" dirty="0"/>
+          </a:p>
+        </p:txBody>
+      </p:sp>
+      <p:sp>
+        <p:nvSpPr>
+          <p:cNvPr id="5" name="Plassholder for bunntekst 4"/>
+          <p:cNvSpPr>
+            <a:spLocks noGrp="1"/>
+          </p:cNvSpPr>
+          <p:nvPr>
+            <p:ph type="ftr" sz="quarter" idx="11"/>
+          </p:nvPr>
+        </p:nvSpPr>
+        <p:spPr>
+          <a:xfrm>
+            <a:off x="1223963" y="4764987"/>
+            <a:ext cx="4891087" cy="138542"/>
+          </a:xfrm>
+          <a:prstGeom prst="rect">
+            <a:avLst/>
+          </a:prstGeom>
+        </p:spPr>
+        <p:txBody>
+          <a:bodyPr vert="horz" wrap="square" lIns="0" tIns="0" rIns="0" bIns="0" rtlCol="0" anchor="ctr">
+            <a:spAutoFit/>
+          </a:bodyPr>
+          <a:lstStyle>
+            <a:defPPr>
+              <a:defRPr lang="en-US"/>
+            </a:defPPr>
+            <a:lvl1pPr marL="0" algn="l" defTabSz="685800" rtl="0" eaLnBrk="1" latinLnBrk="0" hangingPunct="1">
+              <a:defRPr sz="900" kern="1200">
+                <a:solidFill>
+                  <a:schemeClr val="tx1"/>
+                </a:solidFill>
+                <a:latin typeface="+mn-lt"/>
+                <a:ea typeface="+mn-ea"/>
+                <a:cs typeface="+mn-cs"/>
+              </a:defRPr>
+            </a:lvl1pPr>
+            <a:lvl2pPr marL="342900" algn="l" defTabSz="685800" rtl="0" eaLnBrk="1" latinLnBrk="0" hangingPunct="1">
+              <a:defRPr sz="1350" kern="1200">
+                <a:solidFill>
+                  <a:schemeClr val="tx1"/>
+                </a:solidFill>
+                <a:latin typeface="+mn-lt"/>
+                <a:ea typeface="+mn-ea"/>
+                <a:cs typeface="+mn-cs"/>
+              </a:defRPr>
+            </a:lvl2pPr>
+            <a:lvl3pPr marL="685800" algn="l" defTabSz="685800" rtl="0" eaLnBrk="1" latinLnBrk="0" hangingPunct="1">
+              <a:defRPr sz="1350" kern="1200">
+                <a:solidFill>
+                  <a:schemeClr val="tx1"/>
+                </a:solidFill>
+                <a:latin typeface="+mn-lt"/>
+                <a:ea typeface="+mn-ea"/>
+                <a:cs typeface="+mn-cs"/>
+              </a:defRPr>
+            </a:lvl3pPr>
+            <a:lvl4pPr marL="1028700" algn="l" defTabSz="685800" rtl="0" eaLnBrk="1" latinLnBrk="0" hangingPunct="1">
+              <a:defRPr sz="1350" kern="1200">
+                <a:solidFill>
+                  <a:schemeClr val="tx1"/>
+                </a:solidFill>
+                <a:latin typeface="+mn-lt"/>
+                <a:ea typeface="+mn-ea"/>
+                <a:cs typeface="+mn-cs"/>
+              </a:defRPr>
+            </a:lvl4pPr>
+            <a:lvl5pPr marL="1371600" algn="l" defTabSz="685800" rtl="0" eaLnBrk="1" latinLnBrk="0" hangingPunct="1">
+              <a:defRPr sz="1350" kern="1200">
+                <a:solidFill>
+                  <a:schemeClr val="tx1"/>
+                </a:solidFill>
+                <a:latin typeface="+mn-lt"/>
+                <a:ea typeface="+mn-ea"/>
+                <a:cs typeface="+mn-cs"/>
+              </a:defRPr>
+            </a:lvl5pPr>
+            <a:lvl6pPr marL="1714500" algn="l" defTabSz="685800" rtl="0" eaLnBrk="1" latinLnBrk="0" hangingPunct="1">
+              <a:defRPr sz="1350" kern="1200">
+                <a:solidFill>
+                  <a:schemeClr val="tx1"/>
+                </a:solidFill>
+                <a:latin typeface="+mn-lt"/>
+                <a:ea typeface="+mn-ea"/>
+                <a:cs typeface="+mn-cs"/>
+              </a:defRPr>
+            </a:lvl6pPr>
+            <a:lvl7pPr marL="2057400" algn="l" defTabSz="685800" rtl="0" eaLnBrk="1" latinLnBrk="0" hangingPunct="1">
+              <a:defRPr sz="1350" kern="1200">
+                <a:solidFill>
+                  <a:schemeClr val="tx1"/>
+                </a:solidFill>
+                <a:latin typeface="+mn-lt"/>
+                <a:ea typeface="+mn-ea"/>
+                <a:cs typeface="+mn-cs"/>
+              </a:defRPr>
+            </a:lvl7pPr>
+            <a:lvl8pPr marL="2400300" algn="l" defTabSz="685800" rtl="0" eaLnBrk="1" latinLnBrk="0" hangingPunct="1">
+              <a:defRPr sz="1350" kern="1200">
+                <a:solidFill>
+                  <a:schemeClr val="tx1"/>
+                </a:solidFill>
+                <a:latin typeface="+mn-lt"/>
+                <a:ea typeface="+mn-ea"/>
+                <a:cs typeface="+mn-cs"/>
+              </a:defRPr>
+            </a:lvl8pPr>
+            <a:lvl9pPr marL="2743200" algn="l" defTabSz="685800" rtl="0" eaLnBrk="1" latinLnBrk="0" hangingPunct="1">
+              <a:defRPr sz="1350" kern="1200">
+                <a:solidFill>
+                  <a:schemeClr val="tx1"/>
+                </a:solidFill>
+                <a:latin typeface="+mn-lt"/>
+                <a:ea typeface="+mn-ea"/>
+                <a:cs typeface="+mn-cs"/>
+              </a:defRPr>
+            </a:lvl9pPr>
+          </a:lstStyle>
+          <a:p>
+            <a:endParaRPr lang="nb-NO" dirty="0"/>
+          </a:p>
+        </p:txBody>
+      </p:sp>
+      <p:sp>
+        <p:nvSpPr>
+          <p:cNvPr id="6" name="Plassholder for lysbildenummer 5"/>
+          <p:cNvSpPr>
+            <a:spLocks noGrp="1"/>
+          </p:cNvSpPr>
+          <p:nvPr>
+            <p:ph type="sldNum" sz="quarter" idx="12"/>
+          </p:nvPr>
+        </p:nvSpPr>
+        <p:spPr>
+          <a:xfrm>
+            <a:off x="6457950" y="4764987"/>
+            <a:ext cx="2057400" cy="138542"/>
+          </a:xfrm>
+          <a:prstGeom prst="rect">
+            <a:avLst/>
+          </a:prstGeom>
+        </p:spPr>
+        <p:txBody>
+          <a:bodyPr vert="horz" lIns="0" tIns="0" rIns="0" bIns="0" rtlCol="0" anchor="ctr">
+            <a:spAutoFit/>
+          </a:bodyPr>
+          <a:lstStyle>
+            <a:defPPr>
+              <a:defRPr lang="en-US"/>
+            </a:defPPr>
+            <a:lvl1pPr marL="0" algn="r" defTabSz="685800" rtl="0" eaLnBrk="1" latinLnBrk="0" hangingPunct="1">
+              <a:defRPr sz="900" kern="1200">
+                <a:solidFill>
+                  <a:schemeClr val="tx1"/>
+                </a:solidFill>
+                <a:latin typeface="+mn-lt"/>
+                <a:ea typeface="+mn-ea"/>
+                <a:cs typeface="+mn-cs"/>
+              </a:defRPr>
+            </a:lvl1pPr>
+            <a:lvl2pPr marL="342900" algn="l" defTabSz="685800" rtl="0" eaLnBrk="1" latinLnBrk="0" hangingPunct="1">
+              <a:defRPr sz="1350" kern="1200">
+                <a:solidFill>
+                  <a:schemeClr val="tx1"/>
+                </a:solidFill>
+                <a:latin typeface="+mn-lt"/>
+                <a:ea typeface="+mn-ea"/>
+                <a:cs typeface="+mn-cs"/>
+              </a:defRPr>
+            </a:lvl2pPr>
+            <a:lvl3pPr marL="685800" algn="l" defTabSz="685800" rtl="0" eaLnBrk="1" latinLnBrk="0" hangingPunct="1">
+              <a:defRPr sz="1350" kern="1200">
+                <a:solidFill>
+                  <a:schemeClr val="tx1"/>
+                </a:solidFill>
+                <a:latin typeface="+mn-lt"/>
+                <a:ea typeface="+mn-ea"/>
+                <a:cs typeface="+mn-cs"/>
+              </a:defRPr>
+            </a:lvl3pPr>
+            <a:lvl4pPr marL="1028700" algn="l" defTabSz="685800" rtl="0" eaLnBrk="1" latinLnBrk="0" hangingPunct="1">
+              <a:defRPr sz="1350" kern="1200">
+                <a:solidFill>
+                  <a:schemeClr val="tx1"/>
+                </a:solidFill>
+                <a:latin typeface="+mn-lt"/>
+                <a:ea typeface="+mn-ea"/>
+                <a:cs typeface="+mn-cs"/>
+              </a:defRPr>
+            </a:lvl4pPr>
+            <a:lvl5pPr marL="1371600" algn="l" defTabSz="685800" rtl="0" eaLnBrk="1" latinLnBrk="0" hangingPunct="1">
+              <a:defRPr sz="1350" kern="1200">
+                <a:solidFill>
+                  <a:schemeClr val="tx1"/>
+                </a:solidFill>
+                <a:latin typeface="+mn-lt"/>
+                <a:ea typeface="+mn-ea"/>
+                <a:cs typeface="+mn-cs"/>
+              </a:defRPr>
+            </a:lvl5pPr>
+            <a:lvl6pPr marL="1714500" algn="l" defTabSz="685800" rtl="0" eaLnBrk="1" latinLnBrk="0" hangingPunct="1">
+              <a:defRPr sz="1350" kern="1200">
+                <a:solidFill>
+                  <a:schemeClr val="tx1"/>
+                </a:solidFill>
+                <a:latin typeface="+mn-lt"/>
+                <a:ea typeface="+mn-ea"/>
+                <a:cs typeface="+mn-cs"/>
+              </a:defRPr>
+            </a:lvl6pPr>
+            <a:lvl7pPr marL="2057400" algn="l" defTabSz="685800" rtl="0" eaLnBrk="1" latinLnBrk="0" hangingPunct="1">
+              <a:defRPr sz="1350" kern="1200">
+                <a:solidFill>
+                  <a:schemeClr val="tx1"/>
+                </a:solidFill>
+                <a:latin typeface="+mn-lt"/>
+                <a:ea typeface="+mn-ea"/>
+                <a:cs typeface="+mn-cs"/>
+              </a:defRPr>
+            </a:lvl7pPr>
+            <a:lvl8pPr marL="2400300" algn="l" defTabSz="685800" rtl="0" eaLnBrk="1" latinLnBrk="0" hangingPunct="1">
+              <a:defRPr sz="1350" kern="1200">
+                <a:solidFill>
+                  <a:schemeClr val="tx1"/>
+                </a:solidFill>
+                <a:latin typeface="+mn-lt"/>
+                <a:ea typeface="+mn-ea"/>
+                <a:cs typeface="+mn-cs"/>
+              </a:defRPr>
+            </a:lvl8pPr>
+            <a:lvl9pPr marL="2743200" algn="l" defTabSz="685800" rtl="0" eaLnBrk="1" latinLnBrk="0" hangingPunct="1">
+              <a:defRPr sz="1350" kern="1200">
+                <a:solidFill>
+                  <a:schemeClr val="tx1"/>
+                </a:solidFill>
+                <a:latin typeface="+mn-lt"/>
+                <a:ea typeface="+mn-ea"/>
+                <a:cs typeface="+mn-cs"/>
+              </a:defRPr>
+            </a:lvl9pPr>
+          </a:lstStyle>
+          <a:p>
+            <a:fld id="{35E025E5-F4E9-4572-B8CF-5901727261FC}" type="slidenum">
+              <a:rPr lang="nb-NO" smtClean="0"/>
+              <a:pPr/>
+              <a:t>‹#›</a:t>
+            </a:fld>
+            <a:endParaRPr lang="nb-NO" dirty="0"/>
+          </a:p>
+        </p:txBody>
+      </p:sp>
+      <p:sp>
+        <p:nvSpPr>
+          <p:cNvPr id="8" name="Plassholder for innhold 2">
+            <a:extLst>
+              <a:ext uri="{FF2B5EF4-FFF2-40B4-BE49-F238E27FC236}">
+                <a16:creationId xmlns:a16="http://schemas.microsoft.com/office/drawing/2014/main" id="{3DDC1A92-163C-4D9F-982D-CDC6A6CB0788}"/>
+              </a:ext>
+            </a:extLst>
+          </p:cNvPr>
+          <p:cNvSpPr>
+            <a:spLocks noGrp="1"/>
+          </p:cNvSpPr>
+          <p:nvPr>
+            <p:ph idx="13" hasCustomPrompt="1"/>
+          </p:nvPr>
+        </p:nvSpPr>
+        <p:spPr>
+          <a:xfrm>
+            <a:off x="5200649" y="1369643"/>
+            <a:ext cx="3314696" cy="3042700"/>
+          </a:xfrm>
+        </p:spPr>
+        <p:txBody>
+          <a:bodyPr/>
+          <a:lstStyle/>
+          <a:p>
+            <a:pPr lvl="0"/>
+            <a:r>
+              <a:rPr lang="nb-NO" dirty="0"/>
+              <a:t>Klikk for å legge til tekst</a:t>
+            </a:r>
+          </a:p>
+          <a:p>
+            <a:pPr lvl="1"/>
+            <a:r>
+              <a:rPr lang="nb-NO" dirty="0"/>
+              <a:t>Andre nivå</a:t>
+            </a:r>
+          </a:p>
+          <a:p>
+            <a:pPr lvl="2"/>
+            <a:r>
+              <a:rPr lang="nb-NO" dirty="0"/>
+              <a:t>Tredje nivå</a:t>
+            </a:r>
+          </a:p>
+          <a:p>
+            <a:pPr lvl="3"/>
+            <a:r>
+              <a:rPr lang="nb-NO" dirty="0"/>
+              <a:t>Fjerde nivå</a:t>
+            </a:r>
+          </a:p>
+          <a:p>
+            <a:pPr lvl="4"/>
+            <a:r>
+              <a:rPr lang="nb-NO" dirty="0"/>
+              <a:t>Femte nivå</a:t>
+            </a:r>
+          </a:p>
+        </p:txBody>
+      </p:sp>
+      <p:sp>
+        <p:nvSpPr>
+          <p:cNvPr id="10" name="Text Placeholder 9">
+            <a:extLst>
+              <a:ext uri="{FF2B5EF4-FFF2-40B4-BE49-F238E27FC236}">
+                <a16:creationId xmlns:a16="http://schemas.microsoft.com/office/drawing/2014/main" id="{6D5337E2-4B06-4343-A7EC-B372A6E84A7B}"/>
+              </a:ext>
+            </a:extLst>
+          </p:cNvPr>
+          <p:cNvSpPr>
+            <a:spLocks noGrp="1"/>
+          </p:cNvSpPr>
+          <p:nvPr>
+            <p:ph type="body" sz="quarter" idx="14" hasCustomPrompt="1"/>
+          </p:nvPr>
+        </p:nvSpPr>
+        <p:spPr>
+          <a:xfrm>
+            <a:off x="5200648" y="351954"/>
+            <a:ext cx="3314697" cy="828104"/>
+          </a:xfrm>
+        </p:spPr>
+        <p:txBody>
+          <a:bodyPr anchor="ctr">
+            <a:normAutofit/>
+          </a:bodyPr>
+          <a:lstStyle>
+            <a:lvl1pPr marL="0" indent="0">
+              <a:spcBef>
+                <a:spcPts val="0"/>
+              </a:spcBef>
+              <a:buNone/>
+              <a:defRPr sz="2600"/>
+            </a:lvl1pPr>
+          </a:lstStyle>
+          <a:p>
+            <a:pPr lvl="0"/>
+            <a:r>
+              <a:rPr lang="nb-NO" dirty="0"/>
+              <a:t>Tittel</a:t>
+            </a:r>
+          </a:p>
+        </p:txBody>
+      </p:sp>
+      <p:sp>
+        <p:nvSpPr>
+          <p:cNvPr id="7" name="Picture Placeholder 6">
+            <a:extLst>
+              <a:ext uri="{FF2B5EF4-FFF2-40B4-BE49-F238E27FC236}">
+                <a16:creationId xmlns:a16="http://schemas.microsoft.com/office/drawing/2014/main" id="{DB52D3BE-B2BB-4638-9CFB-C9E00968464D}"/>
+              </a:ext>
+            </a:extLst>
+          </p:cNvPr>
+          <p:cNvSpPr>
+            <a:spLocks noGrp="1"/>
+          </p:cNvSpPr>
+          <p:nvPr>
+            <p:ph type="pic" sz="quarter" idx="15"/>
+          </p:nvPr>
+        </p:nvSpPr>
+        <p:spPr>
+          <a:xfrm>
+            <a:off x="0" y="0"/>
+            <a:ext cx="4572000" cy="5145087"/>
+          </a:xfrm>
+          <a:prstGeom prst="rect">
+            <a:avLst/>
+          </a:prstGeom>
+        </p:spPr>
+        <p:txBody>
+          <a:bodyPr lIns="0" tIns="0" rIns="0" bIns="0"/>
+          <a:lstStyle/>
+          <a:p>
+            <a:r>
+              <a:rPr lang="nb-NO"/>
+              <a:t>Klikk på ikonet for å legge til et bilde</a:t>
+            </a:r>
+            <a:endParaRPr lang="en-GB"/>
+          </a:p>
+        </p:txBody>
+      </p:sp>
+    </p:spTree>
+    <p:extLst>
+      <p:ext uri="{BB962C8B-B14F-4D97-AF65-F5344CB8AC3E}">
+        <p14:creationId xmlns:p14="http://schemas.microsoft.com/office/powerpoint/2010/main" val="3322148481"/>
+      </p:ext>
+    </p:extLst>
+  </p:cSld>
+  <p:clrMapOvr>
+    <a:masterClrMapping/>
+  </p:clrMapOvr>
+</p:sldLayout>
+</file>
+
+<file path=ppt/slideLayouts/slideLayout14.xml><?xml version="1.0" encoding="utf-8"?>
+<p:sldLayout xmlns:a="http://schemas.openxmlformats.org/drawingml/2006/main" xmlns:r="http://schemas.openxmlformats.org/officeDocument/2006/relationships" xmlns:p="http://schemas.openxmlformats.org/presentationml/2006/main" showMasterSp="0" preserve="1" userDrawn="1">
+  <p:cSld name="Tom uten logo">
     <p:spTree>
       <p:nvGrpSpPr>
         <p:cNvPr id="1" name=""/>
@@ -652,7 +2314,7 @@
     </p:spTree>
     <p:extLst>
       <p:ext uri="{BB962C8B-B14F-4D97-AF65-F5344CB8AC3E}">
-        <p14:creationId xmlns:p14="http://schemas.microsoft.com/office/powerpoint/2010/main" val="3975087911"/>
+        <p14:creationId xmlns:p14="http://schemas.microsoft.com/office/powerpoint/2010/main" val="3600093735"/>
       </p:ext>
     </p:extLst>
   </p:cSld>
@@ -662,17 +2324,9 @@
 </p:sldLayout>
 </file>
 
-<file path=ppt/slideLayouts/slideLayout12.xml><?xml version="1.0" encoding="utf-8"?>
+<file path=ppt/slideLayouts/slideLayout15.xml><?xml version="1.0" encoding="utf-8"?>
 <p:sldLayout xmlns:a="http://schemas.openxmlformats.org/drawingml/2006/main" xmlns:r="http://schemas.openxmlformats.org/officeDocument/2006/relationships" xmlns:p="http://schemas.openxmlformats.org/presentationml/2006/main" type="title" preserve="1">
   <p:cSld name="Tittellysbilde">
-    <p:bg>
-      <p:bgPr>
-        <a:solidFill>
-          <a:srgbClr val="702C80"/>
-        </a:solidFill>
-        <a:effectLst/>
-      </p:bgPr>
-    </p:bg>
     <p:spTree>
       <p:nvGrpSpPr>
         <p:cNvPr id="1" name=""/>
@@ -806,7 +2460,7 @@
     </p:spTree>
     <p:extLst>
       <p:ext uri="{BB962C8B-B14F-4D97-AF65-F5344CB8AC3E}">
-        <p14:creationId xmlns:p14="http://schemas.microsoft.com/office/powerpoint/2010/main" val="4088499008"/>
+        <p14:creationId xmlns:p14="http://schemas.microsoft.com/office/powerpoint/2010/main" val="3458639609"/>
       </p:ext>
     </p:extLst>
   </p:cSld>
@@ -816,17 +2470,9 @@
 </p:sldLayout>
 </file>
 
-<file path=ppt/slideLayouts/slideLayout13.xml><?xml version="1.0" encoding="utf-8"?>
+<file path=ppt/slideLayouts/slideLayout16.xml><?xml version="1.0" encoding="utf-8"?>
 <p:sldLayout xmlns:a="http://schemas.openxmlformats.org/drawingml/2006/main" xmlns:r="http://schemas.openxmlformats.org/officeDocument/2006/relationships" xmlns:p="http://schemas.openxmlformats.org/presentationml/2006/main" type="titleOnly" preserve="1">
   <p:cSld name="Bare tittel">
-    <p:bg>
-      <p:bgPr>
-        <a:solidFill>
-          <a:srgbClr val="702C80"/>
-        </a:solidFill>
-        <a:effectLst/>
-      </p:bgPr>
-    </p:bg>
     <p:spTree>
       <p:nvGrpSpPr>
         <p:cNvPr id="1" name=""/>
@@ -883,7 +2529,7 @@
     </p:spTree>
     <p:extLst>
       <p:ext uri="{BB962C8B-B14F-4D97-AF65-F5344CB8AC3E}">
-        <p14:creationId xmlns:p14="http://schemas.microsoft.com/office/powerpoint/2010/main" val="4176962811"/>
+        <p14:creationId xmlns:p14="http://schemas.microsoft.com/office/powerpoint/2010/main" val="1400847308"/>
       </p:ext>
     </p:extLst>
   </p:cSld>
@@ -893,17 +2539,9 @@
 </p:sldLayout>
 </file>
 
-<file path=ppt/slideLayouts/slideLayout14.xml><?xml version="1.0" encoding="utf-8"?>
+<file path=ppt/slideLayouts/slideLayout17.xml><?xml version="1.0" encoding="utf-8"?>
 <p:sldLayout xmlns:a="http://schemas.openxmlformats.org/drawingml/2006/main" xmlns:r="http://schemas.openxmlformats.org/officeDocument/2006/relationships" xmlns:p="http://schemas.openxmlformats.org/presentationml/2006/main" type="blank" preserve="1">
   <p:cSld name="Tomt">
-    <p:bg>
-      <p:bgPr>
-        <a:solidFill>
-          <a:srgbClr val="702C80"/>
-        </a:solidFill>
-        <a:effectLst/>
-      </p:bgPr>
-    </p:bg>
     <p:spTree>
       <p:nvGrpSpPr>
         <p:cNvPr id="1" name=""/>
@@ -921,7 +2559,7 @@
     </p:spTree>
     <p:extLst>
       <p:ext uri="{BB962C8B-B14F-4D97-AF65-F5344CB8AC3E}">
-        <p14:creationId xmlns:p14="http://schemas.microsoft.com/office/powerpoint/2010/main" val="4178359615"/>
+        <p14:creationId xmlns:p14="http://schemas.microsoft.com/office/powerpoint/2010/main" val="3975087911"/>
       </p:ext>
     </p:extLst>
   </p:cSld>
@@ -931,13 +2569,13 @@
 </p:sldLayout>
 </file>
 
-<file path=ppt/slideLayouts/slideLayout15.xml><?xml version="1.0" encoding="utf-8"?>
+<file path=ppt/slideLayouts/slideLayout18.xml><?xml version="1.0" encoding="utf-8"?>
 <p:sldLayout xmlns:a="http://schemas.openxmlformats.org/drawingml/2006/main" xmlns:r="http://schemas.openxmlformats.org/officeDocument/2006/relationships" xmlns:p="http://schemas.openxmlformats.org/presentationml/2006/main" type="title" preserve="1">
   <p:cSld name="Tittellysbilde">
     <p:bg>
       <p:bgPr>
         <a:solidFill>
-          <a:srgbClr val="164B81"/>
+          <a:srgbClr val="702C80"/>
         </a:solidFill>
         <a:effectLst/>
       </p:bgPr>
@@ -1075,7 +2713,7 @@
     </p:spTree>
     <p:extLst>
       <p:ext uri="{BB962C8B-B14F-4D97-AF65-F5344CB8AC3E}">
-        <p14:creationId xmlns:p14="http://schemas.microsoft.com/office/powerpoint/2010/main" val="3913283155"/>
+        <p14:creationId xmlns:p14="http://schemas.microsoft.com/office/powerpoint/2010/main" val="4088499008"/>
       </p:ext>
     </p:extLst>
   </p:cSld>
@@ -1085,13 +2723,13 @@
 </p:sldLayout>
 </file>
 
-<file path=ppt/slideLayouts/slideLayout16.xml><?xml version="1.0" encoding="utf-8"?>
+<file path=ppt/slideLayouts/slideLayout19.xml><?xml version="1.0" encoding="utf-8"?>
 <p:sldLayout xmlns:a="http://schemas.openxmlformats.org/drawingml/2006/main" xmlns:r="http://schemas.openxmlformats.org/officeDocument/2006/relationships" xmlns:p="http://schemas.openxmlformats.org/presentationml/2006/main" type="titleOnly" preserve="1">
   <p:cSld name="Bare tittel">
     <p:bg>
       <p:bgPr>
         <a:solidFill>
-          <a:srgbClr val="164B81"/>
+          <a:srgbClr val="702C80"/>
         </a:solidFill>
         <a:effectLst/>
       </p:bgPr>
@@ -1152,7 +2790,7 @@
     </p:spTree>
     <p:extLst>
       <p:ext uri="{BB962C8B-B14F-4D97-AF65-F5344CB8AC3E}">
-        <p14:creationId xmlns:p14="http://schemas.microsoft.com/office/powerpoint/2010/main" val="1869037381"/>
+        <p14:creationId xmlns:p14="http://schemas.microsoft.com/office/powerpoint/2010/main" val="4176962811"/>
       </p:ext>
     </p:extLst>
   </p:cSld>
@@ -1162,13 +2800,176 @@
 </p:sldLayout>
 </file>
 
-<file path=ppt/slideLayouts/slideLayout17.xml><?xml version="1.0" encoding="utf-8"?>
+<file path=ppt/slideLayouts/slideLayout2.xml><?xml version="1.0" encoding="utf-8"?>
+<p:sldLayout xmlns:a="http://schemas.openxmlformats.org/drawingml/2006/main" xmlns:r="http://schemas.openxmlformats.org/officeDocument/2006/relationships" xmlns:p="http://schemas.openxmlformats.org/presentationml/2006/main" preserve="1" userDrawn="1">
+  <p:cSld name="Bilde, tittel og rød strek">
+    <p:spTree>
+      <p:nvGrpSpPr>
+        <p:cNvPr id="1" name=""/>
+        <p:cNvGrpSpPr/>
+        <p:nvPr/>
+      </p:nvGrpSpPr>
+      <p:grpSpPr>
+        <a:xfrm>
+          <a:off x="0" y="0"/>
+          <a:ext cx="0" cy="0"/>
+          <a:chOff x="0" y="0"/>
+          <a:chExt cx="0" cy="0"/>
+        </a:xfrm>
+      </p:grpSpPr>
+      <p:sp>
+        <p:nvSpPr>
+          <p:cNvPr id="10" name="Picture Placeholder 9">
+            <a:extLst>
+              <a:ext uri="{FF2B5EF4-FFF2-40B4-BE49-F238E27FC236}">
+                <a16:creationId xmlns:a16="http://schemas.microsoft.com/office/drawing/2014/main" id="{EBB785D6-56F2-421B-9C6E-0CE161F6B873}"/>
+              </a:ext>
+            </a:extLst>
+          </p:cNvPr>
+          <p:cNvSpPr>
+            <a:spLocks noGrp="1"/>
+          </p:cNvSpPr>
+          <p:nvPr>
+            <p:ph type="pic" sz="quarter" idx="10"/>
+          </p:nvPr>
+        </p:nvSpPr>
+        <p:spPr>
+          <a:xfrm>
+            <a:off x="0" y="0"/>
+            <a:ext cx="9144000" cy="5145088"/>
+          </a:xfrm>
+          <a:solidFill>
+            <a:srgbClr val="F6F6F6"/>
+          </a:solidFill>
+        </p:spPr>
+        <p:txBody>
+          <a:bodyPr>
+            <a:normAutofit/>
+          </a:bodyPr>
+          <a:lstStyle>
+            <a:lvl1pPr marL="0" indent="0">
+              <a:buNone/>
+              <a:defRPr sz="1200"/>
+            </a:lvl1pPr>
+          </a:lstStyle>
+          <a:p>
+            <a:r>
+              <a:rPr lang="nb-NO"/>
+              <a:t>Klikk på ikonet for å legge til et bilde</a:t>
+            </a:r>
+            <a:endParaRPr lang="en-GB" dirty="0"/>
+          </a:p>
+        </p:txBody>
+      </p:sp>
+      <p:sp>
+        <p:nvSpPr>
+          <p:cNvPr id="17" name="Text Placeholder 16">
+            <a:extLst>
+              <a:ext uri="{FF2B5EF4-FFF2-40B4-BE49-F238E27FC236}">
+                <a16:creationId xmlns:a16="http://schemas.microsoft.com/office/drawing/2014/main" id="{E7A3D93F-B7C3-4F5A-B7D9-2F41E5150842}"/>
+              </a:ext>
+            </a:extLst>
+          </p:cNvPr>
+          <p:cNvSpPr>
+            <a:spLocks noGrp="1"/>
+          </p:cNvSpPr>
+          <p:nvPr>
+            <p:ph type="body" sz="quarter" idx="12"/>
+          </p:nvPr>
+        </p:nvSpPr>
+        <p:spPr>
+          <a:xfrm>
+            <a:off x="-1" y="4419599"/>
+            <a:ext cx="6234113" cy="409576"/>
+          </a:xfrm>
+          <a:blipFill>
+            <a:blip r:embed="rId2">
+              <a:extLst>
+                <a:ext uri="{96DAC541-7B7A-43D3-8B79-37D633B846F1}">
+                  <asvg:svgBlip xmlns:asvg="http://schemas.microsoft.com/office/drawing/2016/SVG/main" r:embed="rId3"/>
+                </a:ext>
+              </a:extLst>
+            </a:blip>
+            <a:stretch>
+              <a:fillRect/>
+            </a:stretch>
+          </a:blipFill>
+        </p:spPr>
+        <p:txBody>
+          <a:bodyPr anchor="ctr"/>
+          <a:lstStyle>
+            <a:lvl1pPr marL="0" indent="0" algn="ctr">
+              <a:buNone/>
+              <a:defRPr>
+                <a:solidFill>
+                  <a:schemeClr val="bg1"/>
+                </a:solidFill>
+              </a:defRPr>
+            </a:lvl1pPr>
+          </a:lstStyle>
+          <a:p>
+            <a:pPr lvl="0"/>
+            <a:r>
+              <a:rPr lang="nb-NO"/>
+              <a:t>Klikk for å redigere tekststiler i malen</a:t>
+            </a:r>
+          </a:p>
+        </p:txBody>
+      </p:sp>
+      <p:sp>
+        <p:nvSpPr>
+          <p:cNvPr id="5" name="Title 1">
+            <a:extLst>
+              <a:ext uri="{FF2B5EF4-FFF2-40B4-BE49-F238E27FC236}">
+                <a16:creationId xmlns:a16="http://schemas.microsoft.com/office/drawing/2014/main" id="{DBA346C4-9141-4DE3-B9EB-D70AEDA055A3}"/>
+              </a:ext>
+            </a:extLst>
+          </p:cNvPr>
+          <p:cNvSpPr>
+            <a:spLocks noGrp="1"/>
+          </p:cNvSpPr>
+          <p:nvPr>
+            <p:ph type="title"/>
+          </p:nvPr>
+        </p:nvSpPr>
+        <p:spPr>
+          <a:xfrm>
+            <a:off x="628650" y="351954"/>
+            <a:ext cx="7886700" cy="828104"/>
+          </a:xfrm>
+        </p:spPr>
+        <p:txBody>
+          <a:bodyPr/>
+          <a:lstStyle/>
+          <a:p>
+            <a:r>
+              <a:rPr lang="nb-NO"/>
+              <a:t>Klikk for å redigere tittelstil</a:t>
+            </a:r>
+            <a:endParaRPr lang="en-GB" dirty="0"/>
+          </a:p>
+        </p:txBody>
+      </p:sp>
+    </p:spTree>
+    <p:extLst>
+      <p:ext uri="{BB962C8B-B14F-4D97-AF65-F5344CB8AC3E}">
+        <p14:creationId xmlns:p14="http://schemas.microsoft.com/office/powerpoint/2010/main" val="1845730131"/>
+      </p:ext>
+    </p:extLst>
+  </p:cSld>
+  <p:clrMapOvr>
+    <a:masterClrMapping/>
+  </p:clrMapOvr>
+</p:sldLayout>
+</file>
+
+<file path=ppt/slideLayouts/slideLayout20.xml><?xml version="1.0" encoding="utf-8"?>
 <p:sldLayout xmlns:a="http://schemas.openxmlformats.org/drawingml/2006/main" xmlns:r="http://schemas.openxmlformats.org/officeDocument/2006/relationships" xmlns:p="http://schemas.openxmlformats.org/presentationml/2006/main" type="blank" preserve="1">
   <p:cSld name="Tomt">
     <p:bg>
       <p:bgPr>
         <a:solidFill>
-          <a:srgbClr val="164B81"/>
+          <a:srgbClr val="702C80"/>
         </a:solidFill>
         <a:effectLst/>
       </p:bgPr>
@@ -1190,7 +2991,7 @@
     </p:spTree>
     <p:extLst>
       <p:ext uri="{BB962C8B-B14F-4D97-AF65-F5344CB8AC3E}">
-        <p14:creationId xmlns:p14="http://schemas.microsoft.com/office/powerpoint/2010/main" val="619284442"/>
+        <p14:creationId xmlns:p14="http://schemas.microsoft.com/office/powerpoint/2010/main" val="4178359615"/>
       </p:ext>
     </p:extLst>
   </p:cSld>
@@ -1200,13 +3001,13 @@
 </p:sldLayout>
 </file>
 
-<file path=ppt/slideLayouts/slideLayout18.xml><?xml version="1.0" encoding="utf-8"?>
+<file path=ppt/slideLayouts/slideLayout21.xml><?xml version="1.0" encoding="utf-8"?>
 <p:sldLayout xmlns:a="http://schemas.openxmlformats.org/drawingml/2006/main" xmlns:r="http://schemas.openxmlformats.org/officeDocument/2006/relationships" xmlns:p="http://schemas.openxmlformats.org/presentationml/2006/main" type="title" preserve="1">
   <p:cSld name="Tittellysbilde">
     <p:bg>
       <p:bgPr>
         <a:solidFill>
-          <a:schemeClr val="accent6"/>
+          <a:srgbClr val="164B81"/>
         </a:solidFill>
         <a:effectLst/>
       </p:bgPr>
@@ -1344,7 +3145,7 @@
     </p:spTree>
     <p:extLst>
       <p:ext uri="{BB962C8B-B14F-4D97-AF65-F5344CB8AC3E}">
-        <p14:creationId xmlns:p14="http://schemas.microsoft.com/office/powerpoint/2010/main" val="3355586082"/>
+        <p14:creationId xmlns:p14="http://schemas.microsoft.com/office/powerpoint/2010/main" val="3913283155"/>
       </p:ext>
     </p:extLst>
   </p:cSld>
@@ -1354,13 +3155,13 @@
 </p:sldLayout>
 </file>
 
-<file path=ppt/slideLayouts/slideLayout19.xml><?xml version="1.0" encoding="utf-8"?>
+<file path=ppt/slideLayouts/slideLayout22.xml><?xml version="1.0" encoding="utf-8"?>
 <p:sldLayout xmlns:a="http://schemas.openxmlformats.org/drawingml/2006/main" xmlns:r="http://schemas.openxmlformats.org/officeDocument/2006/relationships" xmlns:p="http://schemas.openxmlformats.org/presentationml/2006/main" type="titleOnly" preserve="1">
   <p:cSld name="Bare tittel">
     <p:bg>
       <p:bgPr>
         <a:solidFill>
-          <a:schemeClr val="accent6"/>
+          <a:srgbClr val="164B81"/>
         </a:solidFill>
         <a:effectLst/>
       </p:bgPr>
@@ -1421,7 +3222,7 @@
     </p:spTree>
     <p:extLst>
       <p:ext uri="{BB962C8B-B14F-4D97-AF65-F5344CB8AC3E}">
-        <p14:creationId xmlns:p14="http://schemas.microsoft.com/office/powerpoint/2010/main" val="1495343945"/>
+        <p14:creationId xmlns:p14="http://schemas.microsoft.com/office/powerpoint/2010/main" val="1869037381"/>
       </p:ext>
     </p:extLst>
   </p:cSld>
@@ -1431,9 +3232,55 @@
 </p:sldLayout>
 </file>
 
-<file path=ppt/slideLayouts/slideLayout2.xml><?xml version="1.0" encoding="utf-8"?>
-<p:sldLayout xmlns:a="http://schemas.openxmlformats.org/drawingml/2006/main" xmlns:r="http://schemas.openxmlformats.org/officeDocument/2006/relationships" xmlns:p="http://schemas.openxmlformats.org/presentationml/2006/main" preserve="1" userDrawn="1">
-  <p:cSld name="Bilde, tittel og rød strek">
+<file path=ppt/slideLayouts/slideLayout23.xml><?xml version="1.0" encoding="utf-8"?>
+<p:sldLayout xmlns:a="http://schemas.openxmlformats.org/drawingml/2006/main" xmlns:r="http://schemas.openxmlformats.org/officeDocument/2006/relationships" xmlns:p="http://schemas.openxmlformats.org/presentationml/2006/main" type="blank" preserve="1">
+  <p:cSld name="Tomt">
+    <p:bg>
+      <p:bgPr>
+        <a:solidFill>
+          <a:srgbClr val="164B81"/>
+        </a:solidFill>
+        <a:effectLst/>
+      </p:bgPr>
+    </p:bg>
+    <p:spTree>
+      <p:nvGrpSpPr>
+        <p:cNvPr id="1" name=""/>
+        <p:cNvGrpSpPr/>
+        <p:nvPr/>
+      </p:nvGrpSpPr>
+      <p:grpSpPr>
+        <a:xfrm>
+          <a:off x="0" y="0"/>
+          <a:ext cx="0" cy="0"/>
+          <a:chOff x="0" y="0"/>
+          <a:chExt cx="0" cy="0"/>
+        </a:xfrm>
+      </p:grpSpPr>
+    </p:spTree>
+    <p:extLst>
+      <p:ext uri="{BB962C8B-B14F-4D97-AF65-F5344CB8AC3E}">
+        <p14:creationId xmlns:p14="http://schemas.microsoft.com/office/powerpoint/2010/main" val="619284442"/>
+      </p:ext>
+    </p:extLst>
+  </p:cSld>
+  <p:clrMapOvr>
+    <a:masterClrMapping/>
+  </p:clrMapOvr>
+</p:sldLayout>
+</file>
+
+<file path=ppt/slideLayouts/slideLayout24.xml><?xml version="1.0" encoding="utf-8"?>
+<p:sldLayout xmlns:a="http://schemas.openxmlformats.org/drawingml/2006/main" xmlns:r="http://schemas.openxmlformats.org/officeDocument/2006/relationships" xmlns:p="http://schemas.openxmlformats.org/presentationml/2006/main" type="title" preserve="1">
+  <p:cSld name="Tittellysbilde">
+    <p:bg>
+      <p:bgPr>
+        <a:solidFill>
+          <a:schemeClr val="accent5"/>
+        </a:solidFill>
+        <a:effectLst/>
+      </p:bgPr>
+    </p:bg>
     <p:spTree>
       <p:nvGrpSpPr>
         <p:cNvPr id="1" name=""/>
@@ -1450,10 +3297,10 @@
       </p:grpSpPr>
       <p:sp>
         <p:nvSpPr>
-          <p:cNvPr id="10" name="Picture Placeholder 9">
+          <p:cNvPr id="2" name="Tittel 1">
             <a:extLst>
               <a:ext uri="{FF2B5EF4-FFF2-40B4-BE49-F238E27FC236}">
-                <a16:creationId xmlns:a16="http://schemas.microsoft.com/office/drawing/2014/main" id="{EBB785D6-56F2-421B-9C6E-0CE161F6B873}"/>
+                <a16:creationId xmlns:a16="http://schemas.microsoft.com/office/drawing/2014/main" id="{8F904C79-3B8E-4749-94FE-A3369205B50E}"/>
               </a:ext>
             </a:extLst>
           </p:cNvPr>
@@ -1461,39 +3308,43 @@
             <a:spLocks noGrp="1"/>
           </p:cNvSpPr>
           <p:nvPr>
-            <p:ph type="pic" sz="quarter" idx="10"/>
+            <p:ph type="ctrTitle"/>
           </p:nvPr>
         </p:nvSpPr>
         <p:spPr>
           <a:xfrm>
-            <a:off x="0" y="0"/>
-            <a:ext cx="9144000" cy="5145088"/>
+            <a:off x="1143000" y="1411200"/>
+            <a:ext cx="6858000" cy="820800"/>
           </a:xfrm>
-          <a:solidFill>
-            <a:srgbClr val="F6F6F6"/>
-          </a:solidFill>
         </p:spPr>
         <p:txBody>
-          <a:bodyPr>
+          <a:bodyPr anchor="b">
             <a:normAutofit/>
           </a:bodyPr>
           <a:lstStyle>
-            <a:lvl1pPr marL="0" indent="0">
-              <a:buNone/>
-              <a:defRPr sz="1200"/>
+            <a:lvl1pPr algn="ctr">
+              <a:defRPr sz="2600" baseline="0">
+                <a:solidFill>
+                  <a:schemeClr val="bg1"/>
+                </a:solidFill>
+                <a:latin typeface="Arial" panose="020B0604020202020204" pitchFamily="34" charset="0"/>
+              </a:defRPr>
             </a:lvl1pPr>
           </a:lstStyle>
           <a:p>
-            <a:endParaRPr lang="en-GB" dirty="0"/>
+            <a:r>
+              <a:rPr lang="nb-NO" dirty="0"/>
+              <a:t>Klikk for å redigere tittelstil</a:t>
+            </a:r>
           </a:p>
         </p:txBody>
       </p:sp>
       <p:sp>
         <p:nvSpPr>
-          <p:cNvPr id="17" name="Text Placeholder 16">
+          <p:cNvPr id="3" name="Undertittel 2">
             <a:extLst>
               <a:ext uri="{FF2B5EF4-FFF2-40B4-BE49-F238E27FC236}">
-                <a16:creationId xmlns:a16="http://schemas.microsoft.com/office/drawing/2014/main" id="{E7A3D93F-B7C3-4F5A-B7D9-2F41E5150842}"/>
+                <a16:creationId xmlns:a16="http://schemas.microsoft.com/office/drawing/2014/main" id="{C9C3A4B2-C5BA-4DD3-A3AB-D1FB6CAF5402}"/>
               </a:ext>
             </a:extLst>
           </p:cNvPr>
@@ -1501,51 +3352,109 @@
             <a:spLocks noGrp="1"/>
           </p:cNvSpPr>
           <p:nvPr>
-            <p:ph type="body" sz="quarter" idx="12"/>
+            <p:ph type="subTitle" idx="1"/>
           </p:nvPr>
         </p:nvSpPr>
         <p:spPr>
           <a:xfrm>
-            <a:off x="-1" y="4419599"/>
-            <a:ext cx="6234113" cy="409576"/>
+            <a:off x="1143000" y="2502631"/>
+            <a:ext cx="6858000" cy="1243013"/>
           </a:xfrm>
-          <a:blipFill>
-            <a:blip r:embed="rId2">
-              <a:extLst>
-                <a:ext uri="{96DAC541-7B7A-43D3-8B79-37D633B846F1}">
-                  <asvg:svgBlip xmlns:asvg="http://schemas.microsoft.com/office/drawing/2016/SVG/main" r:embed="rId3"/>
-                </a:ext>
-              </a:extLst>
-            </a:blip>
-            <a:stretch>
-              <a:fillRect/>
-            </a:stretch>
-          </a:blipFill>
         </p:spPr>
         <p:txBody>
-          <a:bodyPr anchor="ctr"/>
+          <a:bodyPr>
+            <a:normAutofit/>
+          </a:bodyPr>
           <a:lstStyle>
             <a:lvl1pPr marL="0" indent="0" algn="ctr">
               <a:buNone/>
-              <a:defRPr>
-                <a:solidFill>
-                  <a:schemeClr val="bg1"/>
-                </a:solidFill>
-              </a:defRPr>
+              <a:defRPr sz="1700"/>
             </a:lvl1pPr>
+            <a:lvl2pPr marL="457200" indent="0" algn="ctr">
+              <a:buNone/>
+              <a:defRPr sz="2000"/>
+            </a:lvl2pPr>
+            <a:lvl3pPr marL="914400" indent="0" algn="ctr">
+              <a:buNone/>
+              <a:defRPr sz="1800"/>
+            </a:lvl3pPr>
+            <a:lvl4pPr marL="1371600" indent="0" algn="ctr">
+              <a:buNone/>
+              <a:defRPr sz="1600"/>
+            </a:lvl4pPr>
+            <a:lvl5pPr marL="1828800" indent="0" algn="ctr">
+              <a:buNone/>
+              <a:defRPr sz="1600"/>
+            </a:lvl5pPr>
+            <a:lvl6pPr marL="2286000" indent="0" algn="ctr">
+              <a:buNone/>
+              <a:defRPr sz="1600"/>
+            </a:lvl6pPr>
+            <a:lvl7pPr marL="2743200" indent="0" algn="ctr">
+              <a:buNone/>
+              <a:defRPr sz="1600"/>
+            </a:lvl7pPr>
+            <a:lvl8pPr marL="3200400" indent="0" algn="ctr">
+              <a:buNone/>
+              <a:defRPr sz="1600"/>
+            </a:lvl8pPr>
+            <a:lvl9pPr marL="3657600" indent="0" algn="ctr">
+              <a:buNone/>
+              <a:defRPr sz="1600"/>
+            </a:lvl9pPr>
           </a:lstStyle>
           <a:p>
-            <a:pPr lvl="0"/>
-            <a:endParaRPr lang="en-GB" dirty="0"/>
+            <a:r>
+              <a:rPr lang="nb-NO" dirty="0"/>
+              <a:t>Klikk for å redigere undertittelstil i malen</a:t>
+            </a:r>
           </a:p>
         </p:txBody>
       </p:sp>
+    </p:spTree>
+    <p:extLst>
+      <p:ext uri="{BB962C8B-B14F-4D97-AF65-F5344CB8AC3E}">
+        <p14:creationId xmlns:p14="http://schemas.microsoft.com/office/powerpoint/2010/main" val="3355586082"/>
+      </p:ext>
+    </p:extLst>
+  </p:cSld>
+  <p:clrMapOvr>
+    <a:masterClrMapping/>
+  </p:clrMapOvr>
+</p:sldLayout>
+</file>
+
+<file path=ppt/slideLayouts/slideLayout25.xml><?xml version="1.0" encoding="utf-8"?>
+<p:sldLayout xmlns:a="http://schemas.openxmlformats.org/drawingml/2006/main" xmlns:r="http://schemas.openxmlformats.org/officeDocument/2006/relationships" xmlns:p="http://schemas.openxmlformats.org/presentationml/2006/main" type="titleOnly" preserve="1">
+  <p:cSld name="Bare tittel">
+    <p:bg>
+      <p:bgPr>
+        <a:solidFill>
+          <a:schemeClr val="accent5"/>
+        </a:solidFill>
+        <a:effectLst/>
+      </p:bgPr>
+    </p:bg>
+    <p:spTree>
+      <p:nvGrpSpPr>
+        <p:cNvPr id="1" name=""/>
+        <p:cNvGrpSpPr/>
+        <p:nvPr/>
+      </p:nvGrpSpPr>
+      <p:grpSpPr>
+        <a:xfrm>
+          <a:off x="0" y="0"/>
+          <a:ext cx="0" cy="0"/>
+          <a:chOff x="0" y="0"/>
+          <a:chExt cx="0" cy="0"/>
+        </a:xfrm>
+      </p:grpSpPr>
       <p:sp>
         <p:nvSpPr>
-          <p:cNvPr id="5" name="Title 1">
+          <p:cNvPr id="2" name="Tittel 1">
             <a:extLst>
               <a:ext uri="{FF2B5EF4-FFF2-40B4-BE49-F238E27FC236}">
-                <a16:creationId xmlns:a16="http://schemas.microsoft.com/office/drawing/2014/main" id="{DBA346C4-9141-4DE3-B9EB-D70AEDA055A3}"/>
+                <a16:creationId xmlns:a16="http://schemas.microsoft.com/office/drawing/2014/main" id="{E0764C0C-83B7-4D1E-983A-72FBDF20A411}"/>
               </a:ext>
             </a:extLst>
           </p:cNvPr>
@@ -1558,26 +3467,31 @@
         </p:nvSpPr>
         <p:spPr>
           <a:xfrm>
-            <a:off x="628650" y="351954"/>
-            <a:ext cx="7886700" cy="828104"/>
+            <a:off x="794250" y="2074638"/>
+            <a:ext cx="7694550" cy="993775"/>
           </a:xfrm>
         </p:spPr>
         <p:txBody>
-          <a:bodyPr/>
-          <a:lstStyle/>
-          <a:p>
-            <a:r>
-              <a:rPr lang="en-US" dirty="0"/>
-              <a:t>Click to edit Master title style</a:t>
-            </a:r>
-            <a:endParaRPr lang="en-GB" dirty="0"/>
+          <a:bodyPr>
+            <a:normAutofit/>
+          </a:bodyPr>
+          <a:lstStyle>
+            <a:lvl1pPr algn="ctr">
+              <a:defRPr sz="2800"/>
+            </a:lvl1pPr>
+          </a:lstStyle>
+          <a:p>
+            <a:r>
+              <a:rPr lang="nb-NO" dirty="0"/>
+              <a:t>Klikk for å redigere tittelstil</a:t>
+            </a:r>
           </a:p>
         </p:txBody>
       </p:sp>
     </p:spTree>
     <p:extLst>
       <p:ext uri="{BB962C8B-B14F-4D97-AF65-F5344CB8AC3E}">
-        <p14:creationId xmlns:p14="http://schemas.microsoft.com/office/powerpoint/2010/main" val="1845730131"/>
+        <p14:creationId xmlns:p14="http://schemas.microsoft.com/office/powerpoint/2010/main" val="1495343945"/>
       </p:ext>
     </p:extLst>
   </p:cSld>
@@ -1587,13 +3501,13 @@
 </p:sldLayout>
 </file>
 
-<file path=ppt/slideLayouts/slideLayout20.xml><?xml version="1.0" encoding="utf-8"?>
+<file path=ppt/slideLayouts/slideLayout26.xml><?xml version="1.0" encoding="utf-8"?>
 <p:sldLayout xmlns:a="http://schemas.openxmlformats.org/drawingml/2006/main" xmlns:r="http://schemas.openxmlformats.org/officeDocument/2006/relationships" xmlns:p="http://schemas.openxmlformats.org/presentationml/2006/main" type="blank" preserve="1">
   <p:cSld name="Tomt">
     <p:bg>
       <p:bgPr>
         <a:solidFill>
-          <a:schemeClr val="accent6"/>
+          <a:schemeClr val="accent5"/>
         </a:solidFill>
         <a:effectLst/>
       </p:bgPr>
@@ -1616,6 +3530,251 @@
     <p:extLst>
       <p:ext uri="{BB962C8B-B14F-4D97-AF65-F5344CB8AC3E}">
         <p14:creationId xmlns:p14="http://schemas.microsoft.com/office/powerpoint/2010/main" val="1497428243"/>
+      </p:ext>
+    </p:extLst>
+  </p:cSld>
+  <p:clrMapOvr>
+    <a:masterClrMapping/>
+  </p:clrMapOvr>
+</p:sldLayout>
+</file>
+
+<file path=ppt/slideLayouts/slideLayout27.xml><?xml version="1.0" encoding="utf-8"?>
+<p:sldLayout xmlns:a="http://schemas.openxmlformats.org/drawingml/2006/main" xmlns:r="http://schemas.openxmlformats.org/officeDocument/2006/relationships" xmlns:p="http://schemas.openxmlformats.org/presentationml/2006/main" type="title" preserve="1">
+  <p:cSld name="Tittellysbilde">
+    <p:spTree>
+      <p:nvGrpSpPr>
+        <p:cNvPr id="1" name=""/>
+        <p:cNvGrpSpPr/>
+        <p:nvPr/>
+      </p:nvGrpSpPr>
+      <p:grpSpPr>
+        <a:xfrm>
+          <a:off x="0" y="0"/>
+          <a:ext cx="0" cy="0"/>
+          <a:chOff x="0" y="0"/>
+          <a:chExt cx="0" cy="0"/>
+        </a:xfrm>
+      </p:grpSpPr>
+      <p:sp>
+        <p:nvSpPr>
+          <p:cNvPr id="2" name="Tittel 1">
+            <a:extLst>
+              <a:ext uri="{FF2B5EF4-FFF2-40B4-BE49-F238E27FC236}">
+                <a16:creationId xmlns:a16="http://schemas.microsoft.com/office/drawing/2014/main" id="{8F904C79-3B8E-4749-94FE-A3369205B50E}"/>
+              </a:ext>
+            </a:extLst>
+          </p:cNvPr>
+          <p:cNvSpPr>
+            <a:spLocks noGrp="1"/>
+          </p:cNvSpPr>
+          <p:nvPr>
+            <p:ph type="ctrTitle"/>
+          </p:nvPr>
+        </p:nvSpPr>
+        <p:spPr>
+          <a:xfrm>
+            <a:off x="1143000" y="1411200"/>
+            <a:ext cx="6858000" cy="820800"/>
+          </a:xfrm>
+        </p:spPr>
+        <p:txBody>
+          <a:bodyPr anchor="b">
+            <a:normAutofit/>
+          </a:bodyPr>
+          <a:lstStyle>
+            <a:lvl1pPr algn="ctr">
+              <a:defRPr sz="2600" baseline="0">
+                <a:solidFill>
+                  <a:schemeClr val="lt1"/>
+                </a:solidFill>
+                <a:latin typeface="Arial" panose="020B0604020202020204" pitchFamily="34" charset="0"/>
+              </a:defRPr>
+            </a:lvl1pPr>
+          </a:lstStyle>
+          <a:p>
+            <a:r>
+              <a:rPr lang="nb-NO" dirty="0"/>
+              <a:t>Klikk for å redigere tittelstil</a:t>
+            </a:r>
+          </a:p>
+        </p:txBody>
+      </p:sp>
+      <p:sp>
+        <p:nvSpPr>
+          <p:cNvPr id="3" name="Undertittel 2">
+            <a:extLst>
+              <a:ext uri="{FF2B5EF4-FFF2-40B4-BE49-F238E27FC236}">
+                <a16:creationId xmlns:a16="http://schemas.microsoft.com/office/drawing/2014/main" id="{C9C3A4B2-C5BA-4DD3-A3AB-D1FB6CAF5402}"/>
+              </a:ext>
+            </a:extLst>
+          </p:cNvPr>
+          <p:cNvSpPr>
+            <a:spLocks noGrp="1"/>
+          </p:cNvSpPr>
+          <p:nvPr>
+            <p:ph type="subTitle" idx="1"/>
+          </p:nvPr>
+        </p:nvSpPr>
+        <p:spPr>
+          <a:xfrm>
+            <a:off x="1143000" y="2502631"/>
+            <a:ext cx="6858000" cy="1243013"/>
+          </a:xfrm>
+        </p:spPr>
+        <p:txBody>
+          <a:bodyPr>
+            <a:normAutofit/>
+          </a:bodyPr>
+          <a:lstStyle>
+            <a:lvl1pPr marL="0" indent="0" algn="ctr">
+              <a:buNone/>
+              <a:defRPr sz="1700"/>
+            </a:lvl1pPr>
+            <a:lvl2pPr marL="457200" indent="0" algn="ctr">
+              <a:buNone/>
+              <a:defRPr sz="2000"/>
+            </a:lvl2pPr>
+            <a:lvl3pPr marL="914400" indent="0" algn="ctr">
+              <a:buNone/>
+              <a:defRPr sz="1800"/>
+            </a:lvl3pPr>
+            <a:lvl4pPr marL="1371600" indent="0" algn="ctr">
+              <a:buNone/>
+              <a:defRPr sz="1600"/>
+            </a:lvl4pPr>
+            <a:lvl5pPr marL="1828800" indent="0" algn="ctr">
+              <a:buNone/>
+              <a:defRPr sz="1600"/>
+            </a:lvl5pPr>
+            <a:lvl6pPr marL="2286000" indent="0" algn="ctr">
+              <a:buNone/>
+              <a:defRPr sz="1600"/>
+            </a:lvl6pPr>
+            <a:lvl7pPr marL="2743200" indent="0" algn="ctr">
+              <a:buNone/>
+              <a:defRPr sz="1600"/>
+            </a:lvl7pPr>
+            <a:lvl8pPr marL="3200400" indent="0" algn="ctr">
+              <a:buNone/>
+              <a:defRPr sz="1600"/>
+            </a:lvl8pPr>
+            <a:lvl9pPr marL="3657600" indent="0" algn="ctr">
+              <a:buNone/>
+              <a:defRPr sz="1600"/>
+            </a:lvl9pPr>
+          </a:lstStyle>
+          <a:p>
+            <a:r>
+              <a:rPr lang="nb-NO" dirty="0"/>
+              <a:t>Klikk for å redigere undertittelstil i malen</a:t>
+            </a:r>
+          </a:p>
+        </p:txBody>
+      </p:sp>
+    </p:spTree>
+    <p:extLst>
+      <p:ext uri="{BB962C8B-B14F-4D97-AF65-F5344CB8AC3E}">
+        <p14:creationId xmlns:p14="http://schemas.microsoft.com/office/powerpoint/2010/main" val="225583105"/>
+      </p:ext>
+    </p:extLst>
+  </p:cSld>
+  <p:clrMapOvr>
+    <a:masterClrMapping/>
+  </p:clrMapOvr>
+</p:sldLayout>
+</file>
+
+<file path=ppt/slideLayouts/slideLayout28.xml><?xml version="1.0" encoding="utf-8"?>
+<p:sldLayout xmlns:a="http://schemas.openxmlformats.org/drawingml/2006/main" xmlns:r="http://schemas.openxmlformats.org/officeDocument/2006/relationships" xmlns:p="http://schemas.openxmlformats.org/presentationml/2006/main" type="titleOnly" preserve="1">
+  <p:cSld name="Bare tittel">
+    <p:spTree>
+      <p:nvGrpSpPr>
+        <p:cNvPr id="1" name=""/>
+        <p:cNvGrpSpPr/>
+        <p:nvPr/>
+      </p:nvGrpSpPr>
+      <p:grpSpPr>
+        <a:xfrm>
+          <a:off x="0" y="0"/>
+          <a:ext cx="0" cy="0"/>
+          <a:chOff x="0" y="0"/>
+          <a:chExt cx="0" cy="0"/>
+        </a:xfrm>
+      </p:grpSpPr>
+      <p:sp>
+        <p:nvSpPr>
+          <p:cNvPr id="2" name="Tittel 1">
+            <a:extLst>
+              <a:ext uri="{FF2B5EF4-FFF2-40B4-BE49-F238E27FC236}">
+                <a16:creationId xmlns:a16="http://schemas.microsoft.com/office/drawing/2014/main" id="{E0764C0C-83B7-4D1E-983A-72FBDF20A411}"/>
+              </a:ext>
+            </a:extLst>
+          </p:cNvPr>
+          <p:cNvSpPr>
+            <a:spLocks noGrp="1"/>
+          </p:cNvSpPr>
+          <p:nvPr>
+            <p:ph type="title"/>
+          </p:nvPr>
+        </p:nvSpPr>
+        <p:spPr>
+          <a:xfrm>
+            <a:off x="794250" y="2074638"/>
+            <a:ext cx="7694550" cy="993775"/>
+          </a:xfrm>
+        </p:spPr>
+        <p:txBody>
+          <a:bodyPr>
+            <a:normAutofit/>
+          </a:bodyPr>
+          <a:lstStyle>
+            <a:lvl1pPr algn="ctr">
+              <a:defRPr sz="2800"/>
+            </a:lvl1pPr>
+          </a:lstStyle>
+          <a:p>
+            <a:r>
+              <a:rPr lang="nb-NO" dirty="0"/>
+              <a:t>Klikk for å redigere tittelstil</a:t>
+            </a:r>
+          </a:p>
+        </p:txBody>
+      </p:sp>
+    </p:spTree>
+    <p:extLst>
+      <p:ext uri="{BB962C8B-B14F-4D97-AF65-F5344CB8AC3E}">
+        <p14:creationId xmlns:p14="http://schemas.microsoft.com/office/powerpoint/2010/main" val="1879206557"/>
+      </p:ext>
+    </p:extLst>
+  </p:cSld>
+  <p:clrMapOvr>
+    <a:masterClrMapping/>
+  </p:clrMapOvr>
+</p:sldLayout>
+</file>
+
+<file path=ppt/slideLayouts/slideLayout29.xml><?xml version="1.0" encoding="utf-8"?>
+<p:sldLayout xmlns:a="http://schemas.openxmlformats.org/drawingml/2006/main" xmlns:r="http://schemas.openxmlformats.org/officeDocument/2006/relationships" xmlns:p="http://schemas.openxmlformats.org/presentationml/2006/main" type="blank" preserve="1">
+  <p:cSld name="Tomt">
+    <p:spTree>
+      <p:nvGrpSpPr>
+        <p:cNvPr id="1" name=""/>
+        <p:cNvGrpSpPr/>
+        <p:nvPr/>
+      </p:nvGrpSpPr>
+      <p:grpSpPr>
+        <a:xfrm>
+          <a:off x="0" y="0"/>
+          <a:ext cx="0" cy="0"/>
+          <a:chOff x="0" y="0"/>
+          <a:chExt cx="0" cy="0"/>
+        </a:xfrm>
+      </p:grpSpPr>
+    </p:spTree>
+    <p:extLst>
+      <p:ext uri="{BB962C8B-B14F-4D97-AF65-F5344CB8AC3E}">
+        <p14:creationId xmlns:p14="http://schemas.microsoft.com/office/powerpoint/2010/main" val="2177141788"/>
       </p:ext>
     </p:extLst>
   </p:cSld>
@@ -1741,7 +3900,7 @@
         <p:spPr>
           <a:xfrm>
             <a:off x="1448475" y="0"/>
-            <a:ext cx="3192685" cy="5145088"/>
+            <a:ext cx="3007701" cy="5145088"/>
           </a:xfrm>
           <a:blipFill>
             <a:blip r:embed="rId3">
@@ -1768,7 +3927,10 @@
           </a:lstStyle>
           <a:p>
             <a:pPr lvl="0"/>
-            <a:endParaRPr lang="nb-NO" noProof="0" dirty="0"/>
+            <a:r>
+              <a:rPr lang="nb-NO" noProof="0"/>
+              <a:t>Klikk for å redigere tekststiler i malen</a:t>
+            </a:r>
           </a:p>
         </p:txBody>
       </p:sp>
@@ -1776,6 +3938,504 @@
     <p:extLst>
       <p:ext uri="{BB962C8B-B14F-4D97-AF65-F5344CB8AC3E}">
         <p14:creationId xmlns:p14="http://schemas.microsoft.com/office/powerpoint/2010/main" val="425695827"/>
+      </p:ext>
+    </p:extLst>
+  </p:cSld>
+  <p:clrMapOvr>
+    <a:masterClrMapping/>
+  </p:clrMapOvr>
+</p:sldLayout>
+</file>
+
+<file path=ppt/slideLayouts/slideLayout30.xml><?xml version="1.0" encoding="utf-8"?>
+<p:sldLayout xmlns:a="http://schemas.openxmlformats.org/drawingml/2006/main" xmlns:r="http://schemas.openxmlformats.org/officeDocument/2006/relationships" xmlns:p="http://schemas.openxmlformats.org/presentationml/2006/main" type="title" preserve="1">
+  <p:cSld name="Tittellysbilde">
+    <p:spTree>
+      <p:nvGrpSpPr>
+        <p:cNvPr id="1" name=""/>
+        <p:cNvGrpSpPr/>
+        <p:nvPr/>
+      </p:nvGrpSpPr>
+      <p:grpSpPr>
+        <a:xfrm>
+          <a:off x="0" y="0"/>
+          <a:ext cx="0" cy="0"/>
+          <a:chOff x="0" y="0"/>
+          <a:chExt cx="0" cy="0"/>
+        </a:xfrm>
+      </p:grpSpPr>
+      <p:sp>
+        <p:nvSpPr>
+          <p:cNvPr id="2" name="Tittel 1">
+            <a:extLst>
+              <a:ext uri="{FF2B5EF4-FFF2-40B4-BE49-F238E27FC236}">
+                <a16:creationId xmlns:a16="http://schemas.microsoft.com/office/drawing/2014/main" id="{8F904C79-3B8E-4749-94FE-A3369205B50E}"/>
+              </a:ext>
+            </a:extLst>
+          </p:cNvPr>
+          <p:cNvSpPr>
+            <a:spLocks noGrp="1"/>
+          </p:cNvSpPr>
+          <p:nvPr>
+            <p:ph type="ctrTitle"/>
+          </p:nvPr>
+        </p:nvSpPr>
+        <p:spPr>
+          <a:xfrm>
+            <a:off x="1143000" y="1411200"/>
+            <a:ext cx="6858000" cy="820800"/>
+          </a:xfrm>
+        </p:spPr>
+        <p:txBody>
+          <a:bodyPr anchor="b">
+            <a:normAutofit/>
+          </a:bodyPr>
+          <a:lstStyle>
+            <a:lvl1pPr algn="ctr">
+              <a:defRPr sz="2600" baseline="0">
+                <a:solidFill>
+                  <a:schemeClr val="bg1"/>
+                </a:solidFill>
+                <a:latin typeface="Arial" panose="020B0604020202020204" pitchFamily="34" charset="0"/>
+              </a:defRPr>
+            </a:lvl1pPr>
+          </a:lstStyle>
+          <a:p>
+            <a:r>
+              <a:rPr lang="nb-NO" dirty="0"/>
+              <a:t>Klikk for å redigere tittelstil</a:t>
+            </a:r>
+          </a:p>
+        </p:txBody>
+      </p:sp>
+      <p:sp>
+        <p:nvSpPr>
+          <p:cNvPr id="3" name="Undertittel 2">
+            <a:extLst>
+              <a:ext uri="{FF2B5EF4-FFF2-40B4-BE49-F238E27FC236}">
+                <a16:creationId xmlns:a16="http://schemas.microsoft.com/office/drawing/2014/main" id="{C9C3A4B2-C5BA-4DD3-A3AB-D1FB6CAF5402}"/>
+              </a:ext>
+            </a:extLst>
+          </p:cNvPr>
+          <p:cNvSpPr>
+            <a:spLocks noGrp="1"/>
+          </p:cNvSpPr>
+          <p:nvPr>
+            <p:ph type="subTitle" idx="1"/>
+          </p:nvPr>
+        </p:nvSpPr>
+        <p:spPr>
+          <a:xfrm>
+            <a:off x="1143000" y="2502631"/>
+            <a:ext cx="6858000" cy="1243013"/>
+          </a:xfrm>
+        </p:spPr>
+        <p:txBody>
+          <a:bodyPr>
+            <a:normAutofit/>
+          </a:bodyPr>
+          <a:lstStyle>
+            <a:lvl1pPr marL="0" indent="0" algn="ctr">
+              <a:buNone/>
+              <a:defRPr sz="1700">
+                <a:solidFill>
+                  <a:schemeClr val="bg1"/>
+                </a:solidFill>
+              </a:defRPr>
+            </a:lvl1pPr>
+            <a:lvl2pPr marL="457200" indent="0" algn="ctr">
+              <a:buNone/>
+              <a:defRPr sz="2000"/>
+            </a:lvl2pPr>
+            <a:lvl3pPr marL="914400" indent="0" algn="ctr">
+              <a:buNone/>
+              <a:defRPr sz="1800"/>
+            </a:lvl3pPr>
+            <a:lvl4pPr marL="1371600" indent="0" algn="ctr">
+              <a:buNone/>
+              <a:defRPr sz="1600"/>
+            </a:lvl4pPr>
+            <a:lvl5pPr marL="1828800" indent="0" algn="ctr">
+              <a:buNone/>
+              <a:defRPr sz="1600"/>
+            </a:lvl5pPr>
+            <a:lvl6pPr marL="2286000" indent="0" algn="ctr">
+              <a:buNone/>
+              <a:defRPr sz="1600"/>
+            </a:lvl6pPr>
+            <a:lvl7pPr marL="2743200" indent="0" algn="ctr">
+              <a:buNone/>
+              <a:defRPr sz="1600"/>
+            </a:lvl7pPr>
+            <a:lvl8pPr marL="3200400" indent="0" algn="ctr">
+              <a:buNone/>
+              <a:defRPr sz="1600"/>
+            </a:lvl8pPr>
+            <a:lvl9pPr marL="3657600" indent="0" algn="ctr">
+              <a:buNone/>
+              <a:defRPr sz="1600"/>
+            </a:lvl9pPr>
+          </a:lstStyle>
+          <a:p>
+            <a:r>
+              <a:rPr lang="nb-NO" dirty="0"/>
+              <a:t>Klikk for å redigere undertittelstil i malen</a:t>
+            </a:r>
+          </a:p>
+        </p:txBody>
+      </p:sp>
+    </p:spTree>
+    <p:extLst>
+      <p:ext uri="{BB962C8B-B14F-4D97-AF65-F5344CB8AC3E}">
+        <p14:creationId xmlns:p14="http://schemas.microsoft.com/office/powerpoint/2010/main" val="1150127310"/>
+      </p:ext>
+    </p:extLst>
+  </p:cSld>
+  <p:clrMapOvr>
+    <a:masterClrMapping/>
+  </p:clrMapOvr>
+</p:sldLayout>
+</file>
+
+<file path=ppt/slideLayouts/slideLayout31.xml><?xml version="1.0" encoding="utf-8"?>
+<p:sldLayout xmlns:a="http://schemas.openxmlformats.org/drawingml/2006/main" xmlns:r="http://schemas.openxmlformats.org/officeDocument/2006/relationships" xmlns:p="http://schemas.openxmlformats.org/presentationml/2006/main" type="titleOnly" preserve="1">
+  <p:cSld name="Bare tittel">
+    <p:spTree>
+      <p:nvGrpSpPr>
+        <p:cNvPr id="1" name=""/>
+        <p:cNvGrpSpPr/>
+        <p:nvPr/>
+      </p:nvGrpSpPr>
+      <p:grpSpPr>
+        <a:xfrm>
+          <a:off x="0" y="0"/>
+          <a:ext cx="0" cy="0"/>
+          <a:chOff x="0" y="0"/>
+          <a:chExt cx="0" cy="0"/>
+        </a:xfrm>
+      </p:grpSpPr>
+      <p:sp>
+        <p:nvSpPr>
+          <p:cNvPr id="2" name="Tittel 1">
+            <a:extLst>
+              <a:ext uri="{FF2B5EF4-FFF2-40B4-BE49-F238E27FC236}">
+                <a16:creationId xmlns:a16="http://schemas.microsoft.com/office/drawing/2014/main" id="{E0764C0C-83B7-4D1E-983A-72FBDF20A411}"/>
+              </a:ext>
+            </a:extLst>
+          </p:cNvPr>
+          <p:cNvSpPr>
+            <a:spLocks noGrp="1"/>
+          </p:cNvSpPr>
+          <p:nvPr>
+            <p:ph type="title"/>
+          </p:nvPr>
+        </p:nvSpPr>
+        <p:spPr>
+          <a:xfrm>
+            <a:off x="794250" y="2074638"/>
+            <a:ext cx="7694550" cy="993775"/>
+          </a:xfrm>
+        </p:spPr>
+        <p:txBody>
+          <a:bodyPr>
+            <a:normAutofit/>
+          </a:bodyPr>
+          <a:lstStyle>
+            <a:lvl1pPr algn="ctr">
+              <a:defRPr sz="2800"/>
+            </a:lvl1pPr>
+          </a:lstStyle>
+          <a:p>
+            <a:r>
+              <a:rPr lang="nb-NO" dirty="0"/>
+              <a:t>Klikk for å redigere tittelstil</a:t>
+            </a:r>
+          </a:p>
+        </p:txBody>
+      </p:sp>
+    </p:spTree>
+    <p:extLst>
+      <p:ext uri="{BB962C8B-B14F-4D97-AF65-F5344CB8AC3E}">
+        <p14:creationId xmlns:p14="http://schemas.microsoft.com/office/powerpoint/2010/main" val="2160571837"/>
+      </p:ext>
+    </p:extLst>
+  </p:cSld>
+  <p:clrMapOvr>
+    <a:masterClrMapping/>
+  </p:clrMapOvr>
+</p:sldLayout>
+</file>
+
+<file path=ppt/slideLayouts/slideLayout32.xml><?xml version="1.0" encoding="utf-8"?>
+<p:sldLayout xmlns:a="http://schemas.openxmlformats.org/drawingml/2006/main" xmlns:r="http://schemas.openxmlformats.org/officeDocument/2006/relationships" xmlns:p="http://schemas.openxmlformats.org/presentationml/2006/main" type="blank" preserve="1">
+  <p:cSld name="Tomt">
+    <p:spTree>
+      <p:nvGrpSpPr>
+        <p:cNvPr id="1" name=""/>
+        <p:cNvGrpSpPr/>
+        <p:nvPr/>
+      </p:nvGrpSpPr>
+      <p:grpSpPr>
+        <a:xfrm>
+          <a:off x="0" y="0"/>
+          <a:ext cx="0" cy="0"/>
+          <a:chOff x="0" y="0"/>
+          <a:chExt cx="0" cy="0"/>
+        </a:xfrm>
+      </p:grpSpPr>
+    </p:spTree>
+    <p:extLst>
+      <p:ext uri="{BB962C8B-B14F-4D97-AF65-F5344CB8AC3E}">
+        <p14:creationId xmlns:p14="http://schemas.microsoft.com/office/powerpoint/2010/main" val="2658448787"/>
+      </p:ext>
+    </p:extLst>
+  </p:cSld>
+  <p:clrMapOvr>
+    <a:masterClrMapping/>
+  </p:clrMapOvr>
+</p:sldLayout>
+</file>
+
+<file path=ppt/slideLayouts/slideLayout33.xml><?xml version="1.0" encoding="utf-8"?>
+<p:sldLayout xmlns:a="http://schemas.openxmlformats.org/drawingml/2006/main" xmlns:r="http://schemas.openxmlformats.org/officeDocument/2006/relationships" xmlns:p="http://schemas.openxmlformats.org/presentationml/2006/main" type="title" preserve="1">
+  <p:cSld name="Tittellysbilde">
+    <p:spTree>
+      <p:nvGrpSpPr>
+        <p:cNvPr id="1" name=""/>
+        <p:cNvGrpSpPr/>
+        <p:nvPr/>
+      </p:nvGrpSpPr>
+      <p:grpSpPr>
+        <a:xfrm>
+          <a:off x="0" y="0"/>
+          <a:ext cx="0" cy="0"/>
+          <a:chOff x="0" y="0"/>
+          <a:chExt cx="0" cy="0"/>
+        </a:xfrm>
+      </p:grpSpPr>
+      <p:sp>
+        <p:nvSpPr>
+          <p:cNvPr id="2" name="Tittel 1">
+            <a:extLst>
+              <a:ext uri="{FF2B5EF4-FFF2-40B4-BE49-F238E27FC236}">
+                <a16:creationId xmlns:a16="http://schemas.microsoft.com/office/drawing/2014/main" id="{8F904C79-3B8E-4749-94FE-A3369205B50E}"/>
+              </a:ext>
+            </a:extLst>
+          </p:cNvPr>
+          <p:cNvSpPr>
+            <a:spLocks noGrp="1"/>
+          </p:cNvSpPr>
+          <p:nvPr>
+            <p:ph type="ctrTitle"/>
+          </p:nvPr>
+        </p:nvSpPr>
+        <p:spPr>
+          <a:xfrm>
+            <a:off x="1143000" y="1411200"/>
+            <a:ext cx="6858000" cy="820800"/>
+          </a:xfrm>
+        </p:spPr>
+        <p:txBody>
+          <a:bodyPr anchor="b">
+            <a:normAutofit/>
+          </a:bodyPr>
+          <a:lstStyle>
+            <a:lvl1pPr algn="ctr">
+              <a:defRPr sz="2600" baseline="0">
+                <a:solidFill>
+                  <a:schemeClr val="bg1"/>
+                </a:solidFill>
+                <a:latin typeface="Arial" panose="020B0604020202020204" pitchFamily="34" charset="0"/>
+              </a:defRPr>
+            </a:lvl1pPr>
+          </a:lstStyle>
+          <a:p>
+            <a:r>
+              <a:rPr lang="nb-NO" dirty="0"/>
+              <a:t>Klikk for å redigere tittelstil</a:t>
+            </a:r>
+          </a:p>
+        </p:txBody>
+      </p:sp>
+      <p:sp>
+        <p:nvSpPr>
+          <p:cNvPr id="3" name="Undertittel 2">
+            <a:extLst>
+              <a:ext uri="{FF2B5EF4-FFF2-40B4-BE49-F238E27FC236}">
+                <a16:creationId xmlns:a16="http://schemas.microsoft.com/office/drawing/2014/main" id="{C9C3A4B2-C5BA-4DD3-A3AB-D1FB6CAF5402}"/>
+              </a:ext>
+            </a:extLst>
+          </p:cNvPr>
+          <p:cNvSpPr>
+            <a:spLocks noGrp="1"/>
+          </p:cNvSpPr>
+          <p:nvPr>
+            <p:ph type="subTitle" idx="1"/>
+          </p:nvPr>
+        </p:nvSpPr>
+        <p:spPr>
+          <a:xfrm>
+            <a:off x="1143000" y="2502631"/>
+            <a:ext cx="6858000" cy="1243013"/>
+          </a:xfrm>
+        </p:spPr>
+        <p:txBody>
+          <a:bodyPr>
+            <a:normAutofit/>
+          </a:bodyPr>
+          <a:lstStyle>
+            <a:lvl1pPr marL="0" indent="0" algn="ctr">
+              <a:buNone/>
+              <a:defRPr sz="1700">
+                <a:solidFill>
+                  <a:schemeClr val="bg1"/>
+                </a:solidFill>
+              </a:defRPr>
+            </a:lvl1pPr>
+            <a:lvl2pPr marL="457200" indent="0" algn="ctr">
+              <a:buNone/>
+              <a:defRPr sz="2000"/>
+            </a:lvl2pPr>
+            <a:lvl3pPr marL="914400" indent="0" algn="ctr">
+              <a:buNone/>
+              <a:defRPr sz="1800"/>
+            </a:lvl3pPr>
+            <a:lvl4pPr marL="1371600" indent="0" algn="ctr">
+              <a:buNone/>
+              <a:defRPr sz="1600"/>
+            </a:lvl4pPr>
+            <a:lvl5pPr marL="1828800" indent="0" algn="ctr">
+              <a:buNone/>
+              <a:defRPr sz="1600"/>
+            </a:lvl5pPr>
+            <a:lvl6pPr marL="2286000" indent="0" algn="ctr">
+              <a:buNone/>
+              <a:defRPr sz="1600"/>
+            </a:lvl6pPr>
+            <a:lvl7pPr marL="2743200" indent="0" algn="ctr">
+              <a:buNone/>
+              <a:defRPr sz="1600"/>
+            </a:lvl7pPr>
+            <a:lvl8pPr marL="3200400" indent="0" algn="ctr">
+              <a:buNone/>
+              <a:defRPr sz="1600"/>
+            </a:lvl8pPr>
+            <a:lvl9pPr marL="3657600" indent="0" algn="ctr">
+              <a:buNone/>
+              <a:defRPr sz="1600"/>
+            </a:lvl9pPr>
+          </a:lstStyle>
+          <a:p>
+            <a:r>
+              <a:rPr lang="nb-NO" dirty="0"/>
+              <a:t>Klikk for å redigere undertittelstil i malen</a:t>
+            </a:r>
+          </a:p>
+        </p:txBody>
+      </p:sp>
+    </p:spTree>
+    <p:extLst>
+      <p:ext uri="{BB962C8B-B14F-4D97-AF65-F5344CB8AC3E}">
+        <p14:creationId xmlns:p14="http://schemas.microsoft.com/office/powerpoint/2010/main" val="2976414258"/>
+      </p:ext>
+    </p:extLst>
+  </p:cSld>
+  <p:clrMapOvr>
+    <a:masterClrMapping/>
+  </p:clrMapOvr>
+</p:sldLayout>
+</file>
+
+<file path=ppt/slideLayouts/slideLayout34.xml><?xml version="1.0" encoding="utf-8"?>
+<p:sldLayout xmlns:a="http://schemas.openxmlformats.org/drawingml/2006/main" xmlns:r="http://schemas.openxmlformats.org/officeDocument/2006/relationships" xmlns:p="http://schemas.openxmlformats.org/presentationml/2006/main" type="titleOnly" preserve="1">
+  <p:cSld name="Bare tittel">
+    <p:spTree>
+      <p:nvGrpSpPr>
+        <p:cNvPr id="1" name=""/>
+        <p:cNvGrpSpPr/>
+        <p:nvPr/>
+      </p:nvGrpSpPr>
+      <p:grpSpPr>
+        <a:xfrm>
+          <a:off x="0" y="0"/>
+          <a:ext cx="0" cy="0"/>
+          <a:chOff x="0" y="0"/>
+          <a:chExt cx="0" cy="0"/>
+        </a:xfrm>
+      </p:grpSpPr>
+      <p:sp>
+        <p:nvSpPr>
+          <p:cNvPr id="2" name="Tittel 1">
+            <a:extLst>
+              <a:ext uri="{FF2B5EF4-FFF2-40B4-BE49-F238E27FC236}">
+                <a16:creationId xmlns:a16="http://schemas.microsoft.com/office/drawing/2014/main" id="{E0764C0C-83B7-4D1E-983A-72FBDF20A411}"/>
+              </a:ext>
+            </a:extLst>
+          </p:cNvPr>
+          <p:cNvSpPr>
+            <a:spLocks noGrp="1"/>
+          </p:cNvSpPr>
+          <p:nvPr>
+            <p:ph type="title"/>
+          </p:nvPr>
+        </p:nvSpPr>
+        <p:spPr>
+          <a:xfrm>
+            <a:off x="794250" y="2074638"/>
+            <a:ext cx="7694550" cy="993775"/>
+          </a:xfrm>
+        </p:spPr>
+        <p:txBody>
+          <a:bodyPr>
+            <a:normAutofit/>
+          </a:bodyPr>
+          <a:lstStyle>
+            <a:lvl1pPr algn="ctr">
+              <a:defRPr sz="2800"/>
+            </a:lvl1pPr>
+          </a:lstStyle>
+          <a:p>
+            <a:r>
+              <a:rPr lang="nb-NO" dirty="0"/>
+              <a:t>Klikk for å redigere tittelstil</a:t>
+            </a:r>
+          </a:p>
+        </p:txBody>
+      </p:sp>
+    </p:spTree>
+    <p:extLst>
+      <p:ext uri="{BB962C8B-B14F-4D97-AF65-F5344CB8AC3E}">
+        <p14:creationId xmlns:p14="http://schemas.microsoft.com/office/powerpoint/2010/main" val="4099126888"/>
+      </p:ext>
+    </p:extLst>
+  </p:cSld>
+  <p:clrMapOvr>
+    <a:masterClrMapping/>
+  </p:clrMapOvr>
+</p:sldLayout>
+</file>
+
+<file path=ppt/slideLayouts/slideLayout35.xml><?xml version="1.0" encoding="utf-8"?>
+<p:sldLayout xmlns:a="http://schemas.openxmlformats.org/drawingml/2006/main" xmlns:r="http://schemas.openxmlformats.org/officeDocument/2006/relationships" xmlns:p="http://schemas.openxmlformats.org/presentationml/2006/main" type="blank" preserve="1">
+  <p:cSld name="Tomt">
+    <p:spTree>
+      <p:nvGrpSpPr>
+        <p:cNvPr id="1" name=""/>
+        <p:cNvGrpSpPr/>
+        <p:nvPr/>
+      </p:nvGrpSpPr>
+      <p:grpSpPr>
+        <a:xfrm>
+          <a:off x="0" y="0"/>
+          <a:ext cx="0" cy="0"/>
+          <a:chOff x="0" y="0"/>
+          <a:chExt cx="0" cy="0"/>
+        </a:xfrm>
+      </p:grpSpPr>
+    </p:spTree>
+    <p:extLst>
+      <p:ext uri="{BB962C8B-B14F-4D97-AF65-F5344CB8AC3E}">
+        <p14:creationId xmlns:p14="http://schemas.microsoft.com/office/powerpoint/2010/main" val="2769874202"/>
       </p:ext>
     </p:extLst>
   </p:cSld>
@@ -1829,9 +4489,10 @@
           </a:lstStyle>
           <a:p>
             <a:r>
-              <a:rPr lang="nb-NO" dirty="0"/>
+              <a:rPr lang="nb-NO"/>
               <a:t>Klikk for å redigere tittelstil</a:t>
             </a:r>
+            <a:endParaRPr lang="nb-NO" dirty="0"/>
           </a:p>
         </p:txBody>
       </p:sp>
@@ -1895,9 +4556,10 @@
           </a:lstStyle>
           <a:p>
             <a:r>
-              <a:rPr lang="nb-NO" dirty="0"/>
+              <a:rPr lang="nb-NO"/>
               <a:t>Klikk for å redigere undertittelstil i malen</a:t>
             </a:r>
+            <a:endParaRPr lang="nb-NO" dirty="0"/>
           </a:p>
         </p:txBody>
       </p:sp>
@@ -2695,6 +5357,459 @@
 </file>
 
 <file path=ppt/slideLayouts/slideLayout7.xml><?xml version="1.0" encoding="utf-8"?>
+<p:sldLayout xmlns:a="http://schemas.openxmlformats.org/drawingml/2006/main" xmlns:r="http://schemas.openxmlformats.org/officeDocument/2006/relationships" xmlns:p="http://schemas.openxmlformats.org/presentationml/2006/main" preserve="1" userDrawn="1">
+  <p:cSld name="1_To innholdsdeler">
+    <p:spTree>
+      <p:nvGrpSpPr>
+        <p:cNvPr id="1" name=""/>
+        <p:cNvGrpSpPr/>
+        <p:nvPr/>
+      </p:nvGrpSpPr>
+      <p:grpSpPr>
+        <a:xfrm>
+          <a:off x="0" y="0"/>
+          <a:ext cx="0" cy="0"/>
+          <a:chOff x="0" y="0"/>
+          <a:chExt cx="0" cy="0"/>
+        </a:xfrm>
+      </p:grpSpPr>
+      <p:sp>
+        <p:nvSpPr>
+          <p:cNvPr id="6" name="Rectangle 5">
+            <a:extLst>
+              <a:ext uri="{FF2B5EF4-FFF2-40B4-BE49-F238E27FC236}">
+                <a16:creationId xmlns:a16="http://schemas.microsoft.com/office/drawing/2014/main" id="{DBBE6C54-188E-49B2-B779-1F259EA7A2AA}"/>
+              </a:ext>
+            </a:extLst>
+          </p:cNvPr>
+          <p:cNvSpPr/>
+          <p:nvPr userDrawn="1"/>
+        </p:nvSpPr>
+        <p:spPr>
+          <a:xfrm>
+            <a:off x="4571999" y="0"/>
+            <a:ext cx="4572000" cy="5145088"/>
+          </a:xfrm>
+          <a:prstGeom prst="rect">
+            <a:avLst/>
+          </a:prstGeom>
+          <a:solidFill>
+            <a:schemeClr val="bg1">
+              <a:lumMod val="95000"/>
+            </a:schemeClr>
+          </a:solidFill>
+          <a:ln>
+            <a:noFill/>
+          </a:ln>
+        </p:spPr>
+        <p:style>
+          <a:lnRef idx="2">
+            <a:schemeClr val="accent1">
+              <a:shade val="50000"/>
+            </a:schemeClr>
+          </a:lnRef>
+          <a:fillRef idx="1">
+            <a:schemeClr val="accent1"/>
+          </a:fillRef>
+          <a:effectRef idx="0">
+            <a:schemeClr val="accent1"/>
+          </a:effectRef>
+          <a:fontRef idx="minor">
+            <a:schemeClr val="lt1"/>
+          </a:fontRef>
+        </p:style>
+        <p:txBody>
+          <a:bodyPr rtlCol="0" anchor="ctr"/>
+          <a:lstStyle/>
+          <a:p>
+            <a:pPr algn="ctr"/>
+            <a:endParaRPr lang="nb-NO" dirty="0"/>
+          </a:p>
+        </p:txBody>
+      </p:sp>
+      <p:sp>
+        <p:nvSpPr>
+          <p:cNvPr id="7" name="Picture Placeholder 6">
+            <a:extLst>
+              <a:ext uri="{FF2B5EF4-FFF2-40B4-BE49-F238E27FC236}">
+                <a16:creationId xmlns:a16="http://schemas.microsoft.com/office/drawing/2014/main" id="{DCCD7BCD-4558-4E4F-AF85-9F7F45734DCA}"/>
+              </a:ext>
+            </a:extLst>
+          </p:cNvPr>
+          <p:cNvSpPr>
+            <a:spLocks noGrp="1"/>
+          </p:cNvSpPr>
+          <p:nvPr>
+            <p:ph type="pic" sz="quarter" idx="15"/>
+          </p:nvPr>
+        </p:nvSpPr>
+        <p:spPr>
+          <a:xfrm>
+            <a:off x="4572000" y="0"/>
+            <a:ext cx="4572000" cy="5145087"/>
+          </a:xfrm>
+          <a:prstGeom prst="rect">
+            <a:avLst/>
+          </a:prstGeom>
+        </p:spPr>
+        <p:txBody>
+          <a:bodyPr lIns="0" tIns="0" rIns="0" bIns="0"/>
+          <a:lstStyle/>
+          <a:p>
+            <a:r>
+              <a:rPr lang="nb-NO"/>
+              <a:t>Klikk på ikonet for å legge til et bilde</a:t>
+            </a:r>
+            <a:endParaRPr lang="en-GB"/>
+          </a:p>
+        </p:txBody>
+      </p:sp>
+      <p:sp>
+        <p:nvSpPr>
+          <p:cNvPr id="8" name="Tittel 1">
+            <a:extLst>
+              <a:ext uri="{FF2B5EF4-FFF2-40B4-BE49-F238E27FC236}">
+                <a16:creationId xmlns:a16="http://schemas.microsoft.com/office/drawing/2014/main" id="{20FB2839-A104-415A-A243-68AA26266F96}"/>
+              </a:ext>
+            </a:extLst>
+          </p:cNvPr>
+          <p:cNvSpPr>
+            <a:spLocks noGrp="1"/>
+          </p:cNvSpPr>
+          <p:nvPr>
+            <p:ph type="title" hasCustomPrompt="1"/>
+          </p:nvPr>
+        </p:nvSpPr>
+        <p:spPr>
+          <a:xfrm>
+            <a:off x="933450" y="351954"/>
+            <a:ext cx="3316055" cy="828104"/>
+          </a:xfrm>
+        </p:spPr>
+        <p:txBody>
+          <a:bodyPr/>
+          <a:lstStyle>
+            <a:lvl1pPr>
+              <a:defRPr/>
+            </a:lvl1pPr>
+          </a:lstStyle>
+          <a:p>
+            <a:r>
+              <a:rPr lang="nb-NO" dirty="0"/>
+              <a:t>Tittel</a:t>
+            </a:r>
+          </a:p>
+        </p:txBody>
+      </p:sp>
+      <p:sp>
+        <p:nvSpPr>
+          <p:cNvPr id="11" name="Plassholder for innhold 2">
+            <a:extLst>
+              <a:ext uri="{FF2B5EF4-FFF2-40B4-BE49-F238E27FC236}">
+                <a16:creationId xmlns:a16="http://schemas.microsoft.com/office/drawing/2014/main" id="{DA77852D-7CF9-4730-8DDF-E3DEC5DA2C9A}"/>
+              </a:ext>
+            </a:extLst>
+          </p:cNvPr>
+          <p:cNvSpPr>
+            <a:spLocks noGrp="1"/>
+          </p:cNvSpPr>
+          <p:nvPr>
+            <p:ph idx="1" hasCustomPrompt="1"/>
+          </p:nvPr>
+        </p:nvSpPr>
+        <p:spPr>
+          <a:xfrm>
+            <a:off x="933450" y="1369643"/>
+            <a:ext cx="3316056" cy="3042700"/>
+          </a:xfrm>
+        </p:spPr>
+        <p:txBody>
+          <a:bodyPr/>
+          <a:lstStyle/>
+          <a:p>
+            <a:pPr lvl="0"/>
+            <a:r>
+              <a:rPr lang="nb-NO" dirty="0"/>
+              <a:t>Klikk for å legge til tekst</a:t>
+            </a:r>
+          </a:p>
+          <a:p>
+            <a:pPr lvl="1"/>
+            <a:r>
+              <a:rPr lang="nb-NO" dirty="0"/>
+              <a:t>Andre nivå</a:t>
+            </a:r>
+          </a:p>
+          <a:p>
+            <a:pPr lvl="2"/>
+            <a:r>
+              <a:rPr lang="nb-NO" dirty="0"/>
+              <a:t>Tredje nivå</a:t>
+            </a:r>
+          </a:p>
+          <a:p>
+            <a:pPr lvl="3"/>
+            <a:r>
+              <a:rPr lang="nb-NO" dirty="0"/>
+              <a:t>Fjerde nivå</a:t>
+            </a:r>
+          </a:p>
+          <a:p>
+            <a:pPr lvl="4"/>
+            <a:r>
+              <a:rPr lang="nb-NO" dirty="0"/>
+              <a:t>Femte nivå</a:t>
+            </a:r>
+          </a:p>
+        </p:txBody>
+      </p:sp>
+    </p:spTree>
+    <p:extLst>
+      <p:ext uri="{BB962C8B-B14F-4D97-AF65-F5344CB8AC3E}">
+        <p14:creationId xmlns:p14="http://schemas.microsoft.com/office/powerpoint/2010/main" val="2476091267"/>
+      </p:ext>
+    </p:extLst>
+  </p:cSld>
+  <p:clrMapOvr>
+    <a:masterClrMapping/>
+  </p:clrMapOvr>
+  <p:transition spd="slow" advClick="0" advTm="10000">
+    <p:fade/>
+  </p:transition>
+</p:sldLayout>
+</file>
+
+<file path=ppt/slideLayouts/slideLayout8.xml><?xml version="1.0" encoding="utf-8"?>
+<p:sldLayout xmlns:a="http://schemas.openxmlformats.org/drawingml/2006/main" xmlns:r="http://schemas.openxmlformats.org/officeDocument/2006/relationships" xmlns:p="http://schemas.openxmlformats.org/presentationml/2006/main" preserve="1" userDrawn="1">
+  <p:cSld name="2_To innholdsdeler">
+    <p:spTree>
+      <p:nvGrpSpPr>
+        <p:cNvPr id="1" name=""/>
+        <p:cNvGrpSpPr/>
+        <p:nvPr/>
+      </p:nvGrpSpPr>
+      <p:grpSpPr>
+        <a:xfrm>
+          <a:off x="0" y="0"/>
+          <a:ext cx="0" cy="0"/>
+          <a:chOff x="0" y="0"/>
+          <a:chExt cx="0" cy="0"/>
+        </a:xfrm>
+      </p:grpSpPr>
+      <p:sp>
+        <p:nvSpPr>
+          <p:cNvPr id="9" name="Rectangle 8">
+            <a:extLst>
+              <a:ext uri="{FF2B5EF4-FFF2-40B4-BE49-F238E27FC236}">
+                <a16:creationId xmlns:a16="http://schemas.microsoft.com/office/drawing/2014/main" id="{CC75EB4B-CD70-4F1F-B7D7-2CF6CC8B0ACD}"/>
+              </a:ext>
+            </a:extLst>
+          </p:cNvPr>
+          <p:cNvSpPr/>
+          <p:nvPr userDrawn="1"/>
+        </p:nvSpPr>
+        <p:spPr>
+          <a:xfrm>
+            <a:off x="1" y="0"/>
+            <a:ext cx="4572000" cy="5145088"/>
+          </a:xfrm>
+          <a:prstGeom prst="rect">
+            <a:avLst/>
+          </a:prstGeom>
+          <a:solidFill>
+            <a:schemeClr val="bg1">
+              <a:lumMod val="95000"/>
+            </a:schemeClr>
+          </a:solidFill>
+          <a:ln>
+            <a:noFill/>
+          </a:ln>
+        </p:spPr>
+        <p:style>
+          <a:lnRef idx="2">
+            <a:schemeClr val="accent1">
+              <a:shade val="50000"/>
+            </a:schemeClr>
+          </a:lnRef>
+          <a:fillRef idx="1">
+            <a:schemeClr val="accent1"/>
+          </a:fillRef>
+          <a:effectRef idx="0">
+            <a:schemeClr val="accent1"/>
+          </a:effectRef>
+          <a:fontRef idx="minor">
+            <a:schemeClr val="lt1"/>
+          </a:fontRef>
+        </p:style>
+        <p:txBody>
+          <a:bodyPr rtlCol="0" anchor="ctr"/>
+          <a:lstStyle/>
+          <a:p>
+            <a:pPr algn="ctr"/>
+            <a:endParaRPr lang="nb-NO" dirty="0"/>
+          </a:p>
+        </p:txBody>
+      </p:sp>
+      <p:sp>
+        <p:nvSpPr>
+          <p:cNvPr id="10" name="Plassholder for innhold 2">
+            <a:extLst>
+              <a:ext uri="{FF2B5EF4-FFF2-40B4-BE49-F238E27FC236}">
+                <a16:creationId xmlns:a16="http://schemas.microsoft.com/office/drawing/2014/main" id="{FA39C375-65F3-480F-8B61-DE2E899E6DE2}"/>
+              </a:ext>
+            </a:extLst>
+          </p:cNvPr>
+          <p:cNvSpPr>
+            <a:spLocks noGrp="1"/>
+          </p:cNvSpPr>
+          <p:nvPr>
+            <p:ph idx="13" hasCustomPrompt="1"/>
+          </p:nvPr>
+        </p:nvSpPr>
+        <p:spPr>
+          <a:xfrm>
+            <a:off x="4880609" y="1369643"/>
+            <a:ext cx="3314696" cy="3042700"/>
+          </a:xfrm>
+        </p:spPr>
+        <p:txBody>
+          <a:bodyPr/>
+          <a:lstStyle/>
+          <a:p>
+            <a:pPr lvl="0"/>
+            <a:r>
+              <a:rPr lang="nb-NO" dirty="0"/>
+              <a:t>Klikk for å legge til tekst</a:t>
+            </a:r>
+          </a:p>
+          <a:p>
+            <a:pPr lvl="1"/>
+            <a:r>
+              <a:rPr lang="nb-NO" dirty="0"/>
+              <a:t>Andre nivå</a:t>
+            </a:r>
+          </a:p>
+          <a:p>
+            <a:pPr lvl="2"/>
+            <a:r>
+              <a:rPr lang="nb-NO" dirty="0"/>
+              <a:t>Tredje nivå</a:t>
+            </a:r>
+          </a:p>
+          <a:p>
+            <a:pPr lvl="3"/>
+            <a:r>
+              <a:rPr lang="nb-NO" dirty="0"/>
+              <a:t>Fjerde nivå</a:t>
+            </a:r>
+          </a:p>
+          <a:p>
+            <a:pPr lvl="4"/>
+            <a:r>
+              <a:rPr lang="nb-NO" dirty="0"/>
+              <a:t>Femte nivå</a:t>
+            </a:r>
+          </a:p>
+        </p:txBody>
+      </p:sp>
+      <p:sp>
+        <p:nvSpPr>
+          <p:cNvPr id="12" name="Text Placeholder 9">
+            <a:extLst>
+              <a:ext uri="{FF2B5EF4-FFF2-40B4-BE49-F238E27FC236}">
+                <a16:creationId xmlns:a16="http://schemas.microsoft.com/office/drawing/2014/main" id="{8F2D4C84-3B8A-4561-9E4D-FEF791A18F26}"/>
+              </a:ext>
+            </a:extLst>
+          </p:cNvPr>
+          <p:cNvSpPr>
+            <a:spLocks noGrp="1"/>
+          </p:cNvSpPr>
+          <p:nvPr>
+            <p:ph type="body" sz="quarter" idx="14" hasCustomPrompt="1"/>
+          </p:nvPr>
+        </p:nvSpPr>
+        <p:spPr>
+          <a:xfrm>
+            <a:off x="4880608" y="351954"/>
+            <a:ext cx="3314697" cy="828104"/>
+          </a:xfrm>
+        </p:spPr>
+        <p:txBody>
+          <a:bodyPr anchor="ctr">
+            <a:normAutofit/>
+          </a:bodyPr>
+          <a:lstStyle>
+            <a:lvl1pPr marL="0" indent="0">
+              <a:spcBef>
+                <a:spcPts val="0"/>
+              </a:spcBef>
+              <a:buNone/>
+              <a:defRPr sz="2600"/>
+            </a:lvl1pPr>
+          </a:lstStyle>
+          <a:p>
+            <a:pPr lvl="0"/>
+            <a:r>
+              <a:rPr lang="nb-NO" dirty="0"/>
+              <a:t>Tittel</a:t>
+            </a:r>
+          </a:p>
+        </p:txBody>
+      </p:sp>
+      <p:sp>
+        <p:nvSpPr>
+          <p:cNvPr id="13" name="Picture Placeholder 6">
+            <a:extLst>
+              <a:ext uri="{FF2B5EF4-FFF2-40B4-BE49-F238E27FC236}">
+                <a16:creationId xmlns:a16="http://schemas.microsoft.com/office/drawing/2014/main" id="{5306B548-8333-4266-B91F-2986C061F3A9}"/>
+              </a:ext>
+            </a:extLst>
+          </p:cNvPr>
+          <p:cNvSpPr>
+            <a:spLocks noGrp="1"/>
+          </p:cNvSpPr>
+          <p:nvPr>
+            <p:ph type="pic" sz="quarter" idx="15"/>
+          </p:nvPr>
+        </p:nvSpPr>
+        <p:spPr>
+          <a:xfrm>
+            <a:off x="-1" y="0"/>
+            <a:ext cx="4571999" cy="5145087"/>
+          </a:xfrm>
+          <a:prstGeom prst="rect">
+            <a:avLst/>
+          </a:prstGeom>
+        </p:spPr>
+        <p:txBody>
+          <a:bodyPr lIns="0" tIns="0" rIns="0" bIns="0"/>
+          <a:lstStyle/>
+          <a:p>
+            <a:r>
+              <a:rPr lang="nb-NO"/>
+              <a:t>Klikk på ikonet for å legge til et bilde</a:t>
+            </a:r>
+            <a:endParaRPr lang="en-GB"/>
+          </a:p>
+        </p:txBody>
+      </p:sp>
+    </p:spTree>
+    <p:extLst>
+      <p:ext uri="{BB962C8B-B14F-4D97-AF65-F5344CB8AC3E}">
+        <p14:creationId xmlns:p14="http://schemas.microsoft.com/office/powerpoint/2010/main" val="3954929435"/>
+      </p:ext>
+    </p:extLst>
+  </p:cSld>
+  <p:clrMapOvr>
+    <a:masterClrMapping/>
+  </p:clrMapOvr>
+  <p:transition spd="slow" advClick="0" advTm="10000">
+    <p:fade/>
+  </p:transition>
+</p:sldLayout>
+</file>
+
+<file path=ppt/slideLayouts/slideLayout9.xml><?xml version="1.0" encoding="utf-8"?>
 <p:sldLayout xmlns:a="http://schemas.openxmlformats.org/drawingml/2006/main" xmlns:r="http://schemas.openxmlformats.org/officeDocument/2006/relationships" xmlns:p="http://schemas.openxmlformats.org/presentationml/2006/main" type="titleOnly" preserve="1">
   <p:cSld name="Bare tittel">
     <p:spTree>
@@ -2916,352 +6031,6 @@
 </p:sldLayout>
 </file>
 
-<file path=ppt/slideLayouts/slideLayout8.xml><?xml version="1.0" encoding="utf-8"?>
-<p:sldLayout xmlns:a="http://schemas.openxmlformats.org/drawingml/2006/main" xmlns:r="http://schemas.openxmlformats.org/officeDocument/2006/relationships" xmlns:p="http://schemas.openxmlformats.org/presentationml/2006/main" type="blank" preserve="1">
-  <p:cSld name="Tomt">
-    <p:spTree>
-      <p:nvGrpSpPr>
-        <p:cNvPr id="1" name=""/>
-        <p:cNvGrpSpPr/>
-        <p:nvPr/>
-      </p:nvGrpSpPr>
-      <p:grpSpPr>
-        <a:xfrm>
-          <a:off x="0" y="0"/>
-          <a:ext cx="0" cy="0"/>
-          <a:chOff x="0" y="0"/>
-          <a:chExt cx="0" cy="0"/>
-        </a:xfrm>
-      </p:grpSpPr>
-      <p:sp>
-        <p:nvSpPr>
-          <p:cNvPr id="7" name="Plassholder for bunntekst 3"/>
-          <p:cNvSpPr>
-            <a:spLocks noGrp="1"/>
-          </p:cNvSpPr>
-          <p:nvPr>
-            <p:ph type="ftr" sz="quarter" idx="3"/>
-          </p:nvPr>
-        </p:nvSpPr>
-        <p:spPr>
-          <a:xfrm>
-            <a:off x="-1024107" y="4889255"/>
-            <a:ext cx="992579" cy="230832"/>
-          </a:xfrm>
-          <a:prstGeom prst="rect">
-            <a:avLst/>
-          </a:prstGeom>
-        </p:spPr>
-        <p:txBody>
-          <a:bodyPr vert="horz" wrap="none" lIns="0" tIns="0" rIns="0" bIns="0" rtlCol="0" anchor="ctr">
-            <a:noAutofit/>
-          </a:bodyPr>
-          <a:lstStyle>
-            <a:lvl1pPr algn="r">
-              <a:defRPr sz="1000">
-                <a:solidFill>
-                  <a:schemeClr val="tx1"/>
-                </a:solidFill>
-              </a:defRPr>
-            </a:lvl1pPr>
-          </a:lstStyle>
-          <a:p>
-            <a:r>
-              <a:rPr lang="nb-NO" dirty="0"/>
-              <a:t>Rullende tekst settes inn via "Sett inn -&gt; Topptekst og bunntekst«. Bruk hvit tekst</a:t>
-            </a:r>
-          </a:p>
-        </p:txBody>
-      </p:sp>
-    </p:spTree>
-    <p:extLst>
-      <p:ext uri="{BB962C8B-B14F-4D97-AF65-F5344CB8AC3E}">
-        <p14:creationId xmlns:p14="http://schemas.microsoft.com/office/powerpoint/2010/main" val="6859923"/>
-      </p:ext>
-    </p:extLst>
-  </p:cSld>
-  <p:clrMapOvr>
-    <a:masterClrMapping/>
-  </p:clrMapOvr>
-  <p:transition spd="slow" advClick="0" advTm="10000">
-    <p:fade/>
-  </p:transition>
-  <p:timing>
-    <p:tnLst>
-      <p:par>
-        <p:cTn id="1" dur="indefinite" restart="never" nodeType="tmRoot">
-          <p:childTnLst>
-            <p:seq concurrent="1" nextAc="seek">
-              <p:cTn id="2" dur="indefinite" nodeType="mainSeq">
-                <p:childTnLst>
-                  <p:par>
-                    <p:cTn id="3" fill="hold">
-                      <p:stCondLst>
-                        <p:cond delay="indefinite"/>
-                        <p:cond evt="onBegin" delay="0">
-                          <p:tn val="2"/>
-                        </p:cond>
-                      </p:stCondLst>
-                      <p:childTnLst>
-                        <p:par>
-                          <p:cTn id="4" fill="hold">
-                            <p:stCondLst>
-                              <p:cond delay="0"/>
-                            </p:stCondLst>
-                            <p:childTnLst>
-                              <p:par>
-                                <p:cTn id="5" presetID="2" presetClass="entr" presetSubtype="2" repeatCount="indefinite" fill="hold" grpId="0" nodeType="afterEffect">
-                                  <p:stCondLst>
-                                    <p:cond delay="0"/>
-                                  </p:stCondLst>
-                                  <p:childTnLst>
-                                    <p:set>
-                                      <p:cBhvr>
-                                        <p:cTn id="6" dur="1" fill="hold">
-                                          <p:stCondLst>
-                                            <p:cond delay="0"/>
-                                          </p:stCondLst>
-                                        </p:cTn>
-                                        <p:tgtEl>
-                                          <p:spTgt spid="7"/>
-                                        </p:tgtEl>
-                                        <p:attrNameLst>
-                                          <p:attrName>style.visibility</p:attrName>
-                                        </p:attrNameLst>
-                                      </p:cBhvr>
-                                      <p:to>
-                                        <p:strVal val="visible"/>
-                                      </p:to>
-                                    </p:set>
-                                    <p:anim calcmode="lin" valueType="num">
-                                      <p:cBhvr additive="base">
-                                        <p:cTn id="7" dur="10000" fill="hold"/>
-                                        <p:tgtEl>
-                                          <p:spTgt spid="7"/>
-                                        </p:tgtEl>
-                                        <p:attrNameLst>
-                                          <p:attrName>ppt_x</p:attrName>
-                                        </p:attrNameLst>
-                                      </p:cBhvr>
-                                      <p:tavLst>
-                                        <p:tav tm="0">
-                                          <p:val>
-                                            <p:strVal val="1+#ppt_w/2"/>
-                                          </p:val>
-                                        </p:tav>
-                                        <p:tav tm="100000">
-                                          <p:val>
-                                            <p:strVal val="#ppt_x"/>
-                                          </p:val>
-                                        </p:tav>
-                                      </p:tavLst>
-                                    </p:anim>
-                                    <p:anim calcmode="lin" valueType="num">
-                                      <p:cBhvr additive="base">
-                                        <p:cTn id="8" dur="10000" fill="hold"/>
-                                        <p:tgtEl>
-                                          <p:spTgt spid="7"/>
-                                        </p:tgtEl>
-                                        <p:attrNameLst>
-                                          <p:attrName>ppt_y</p:attrName>
-                                        </p:attrNameLst>
-                                      </p:cBhvr>
-                                      <p:tavLst>
-                                        <p:tav tm="0">
-                                          <p:val>
-                                            <p:strVal val="#ppt_y"/>
-                                          </p:val>
-                                        </p:tav>
-                                        <p:tav tm="100000">
-                                          <p:val>
-                                            <p:strVal val="#ppt_y"/>
-                                          </p:val>
-                                        </p:tav>
-                                      </p:tavLst>
-                                    </p:anim>
-                                  </p:childTnLst>
-                                </p:cTn>
-                              </p:par>
-                            </p:childTnLst>
-                          </p:cTn>
-                        </p:par>
-                      </p:childTnLst>
-                    </p:cTn>
-                  </p:par>
-                </p:childTnLst>
-              </p:cTn>
-              <p:prevCondLst>
-                <p:cond evt="onPrev" delay="0">
-                  <p:tgtEl>
-                    <p:sldTgt/>
-                  </p:tgtEl>
-                </p:cond>
-              </p:prevCondLst>
-              <p:nextCondLst>
-                <p:cond evt="onNext" delay="0">
-                  <p:tgtEl>
-                    <p:sldTgt/>
-                  </p:tgtEl>
-                </p:cond>
-              </p:nextCondLst>
-            </p:seq>
-          </p:childTnLst>
-        </p:cTn>
-      </p:par>
-    </p:tnLst>
-    <p:bldLst>
-      <p:bldP spid="7" grpId="0"/>
-    </p:bldLst>
-  </p:timing>
-</p:sldLayout>
-</file>
-
-<file path=ppt/slideLayouts/slideLayout9.xml><?xml version="1.0" encoding="utf-8"?>
-<p:sldLayout xmlns:a="http://schemas.openxmlformats.org/drawingml/2006/main" xmlns:r="http://schemas.openxmlformats.org/officeDocument/2006/relationships" xmlns:p="http://schemas.openxmlformats.org/presentationml/2006/main" type="title" preserve="1">
-  <p:cSld name="Tittellysbilde">
-    <p:spTree>
-      <p:nvGrpSpPr>
-        <p:cNvPr id="1" name=""/>
-        <p:cNvGrpSpPr/>
-        <p:nvPr/>
-      </p:nvGrpSpPr>
-      <p:grpSpPr>
-        <a:xfrm>
-          <a:off x="0" y="0"/>
-          <a:ext cx="0" cy="0"/>
-          <a:chOff x="0" y="0"/>
-          <a:chExt cx="0" cy="0"/>
-        </a:xfrm>
-      </p:grpSpPr>
-      <p:sp>
-        <p:nvSpPr>
-          <p:cNvPr id="2" name="Tittel 1">
-            <a:extLst>
-              <a:ext uri="{FF2B5EF4-FFF2-40B4-BE49-F238E27FC236}">
-                <a16:creationId xmlns:a16="http://schemas.microsoft.com/office/drawing/2014/main" id="{8F904C79-3B8E-4749-94FE-A3369205B50E}"/>
-              </a:ext>
-            </a:extLst>
-          </p:cNvPr>
-          <p:cNvSpPr>
-            <a:spLocks noGrp="1"/>
-          </p:cNvSpPr>
-          <p:nvPr>
-            <p:ph type="ctrTitle"/>
-          </p:nvPr>
-        </p:nvSpPr>
-        <p:spPr>
-          <a:xfrm>
-            <a:off x="1143000" y="1411200"/>
-            <a:ext cx="6858000" cy="820800"/>
-          </a:xfrm>
-        </p:spPr>
-        <p:txBody>
-          <a:bodyPr anchor="b">
-            <a:normAutofit/>
-          </a:bodyPr>
-          <a:lstStyle>
-            <a:lvl1pPr algn="ctr">
-              <a:defRPr sz="2600" baseline="0">
-                <a:solidFill>
-                  <a:schemeClr val="bg1"/>
-                </a:solidFill>
-                <a:latin typeface="Arial" panose="020B0604020202020204" pitchFamily="34" charset="0"/>
-              </a:defRPr>
-            </a:lvl1pPr>
-          </a:lstStyle>
-          <a:p>
-            <a:r>
-              <a:rPr lang="nb-NO" dirty="0"/>
-              <a:t>Klikk for å redigere tittelstil</a:t>
-            </a:r>
-          </a:p>
-        </p:txBody>
-      </p:sp>
-      <p:sp>
-        <p:nvSpPr>
-          <p:cNvPr id="3" name="Undertittel 2">
-            <a:extLst>
-              <a:ext uri="{FF2B5EF4-FFF2-40B4-BE49-F238E27FC236}">
-                <a16:creationId xmlns:a16="http://schemas.microsoft.com/office/drawing/2014/main" id="{C9C3A4B2-C5BA-4DD3-A3AB-D1FB6CAF5402}"/>
-              </a:ext>
-            </a:extLst>
-          </p:cNvPr>
-          <p:cNvSpPr>
-            <a:spLocks noGrp="1"/>
-          </p:cNvSpPr>
-          <p:nvPr>
-            <p:ph type="subTitle" idx="1"/>
-          </p:nvPr>
-        </p:nvSpPr>
-        <p:spPr>
-          <a:xfrm>
-            <a:off x="1143000" y="2502631"/>
-            <a:ext cx="6858000" cy="1243013"/>
-          </a:xfrm>
-        </p:spPr>
-        <p:txBody>
-          <a:bodyPr>
-            <a:normAutofit/>
-          </a:bodyPr>
-          <a:lstStyle>
-            <a:lvl1pPr marL="0" indent="0" algn="ctr">
-              <a:buNone/>
-              <a:defRPr sz="1700"/>
-            </a:lvl1pPr>
-            <a:lvl2pPr marL="457200" indent="0" algn="ctr">
-              <a:buNone/>
-              <a:defRPr sz="2000"/>
-            </a:lvl2pPr>
-            <a:lvl3pPr marL="914400" indent="0" algn="ctr">
-              <a:buNone/>
-              <a:defRPr sz="1800"/>
-            </a:lvl3pPr>
-            <a:lvl4pPr marL="1371600" indent="0" algn="ctr">
-              <a:buNone/>
-              <a:defRPr sz="1600"/>
-            </a:lvl4pPr>
-            <a:lvl5pPr marL="1828800" indent="0" algn="ctr">
-              <a:buNone/>
-              <a:defRPr sz="1600"/>
-            </a:lvl5pPr>
-            <a:lvl6pPr marL="2286000" indent="0" algn="ctr">
-              <a:buNone/>
-              <a:defRPr sz="1600"/>
-            </a:lvl6pPr>
-            <a:lvl7pPr marL="2743200" indent="0" algn="ctr">
-              <a:buNone/>
-              <a:defRPr sz="1600"/>
-            </a:lvl7pPr>
-            <a:lvl8pPr marL="3200400" indent="0" algn="ctr">
-              <a:buNone/>
-              <a:defRPr sz="1600"/>
-            </a:lvl8pPr>
-            <a:lvl9pPr marL="3657600" indent="0" algn="ctr">
-              <a:buNone/>
-              <a:defRPr sz="1600"/>
-            </a:lvl9pPr>
-          </a:lstStyle>
-          <a:p>
-            <a:r>
-              <a:rPr lang="nb-NO" dirty="0"/>
-              <a:t>Klikk for å redigere undertittelstil i malen</a:t>
-            </a:r>
-          </a:p>
-        </p:txBody>
-      </p:sp>
-    </p:spTree>
-    <p:extLst>
-      <p:ext uri="{BB962C8B-B14F-4D97-AF65-F5344CB8AC3E}">
-        <p14:creationId xmlns:p14="http://schemas.microsoft.com/office/powerpoint/2010/main" val="3458639609"/>
-      </p:ext>
-    </p:extLst>
-  </p:cSld>
-  <p:clrMapOvr>
-    <a:masterClrMapping/>
-  </p:clrMapOvr>
-</p:sldLayout>
-</file>
-
 <file path=ppt/slideMasters/slideMaster1.xml><?xml version="1.0" encoding="utf-8"?>
 <p:sldMaster xmlns:a="http://schemas.openxmlformats.org/drawingml/2006/main" xmlns:r="http://schemas.openxmlformats.org/officeDocument/2006/relationships" xmlns:p="http://schemas.openxmlformats.org/presentationml/2006/main">
   <p:cSld>
@@ -3442,7 +6211,7 @@
           <p:nvPr userDrawn="1"/>
         </p:nvPicPr>
         <p:blipFill>
-          <a:blip r:embed="rId10" cstate="print">
+          <a:blip r:embed="rId16" cstate="print">
             <a:extLst>
               <a:ext uri="{28A0092B-C50C-407E-A947-70E740481C1C}">
                 <a14:useLocalDpi xmlns:a14="http://schemas.microsoft.com/office/drawing/2010/main" val="0"/>
@@ -3478,8 +6247,14 @@
     <p:sldLayoutId id="2147483649" r:id="rId4"/>
     <p:sldLayoutId id="2147483650" r:id="rId5"/>
     <p:sldLayoutId id="2147483652" r:id="rId6"/>
-    <p:sldLayoutId id="2147483654" r:id="rId7"/>
-    <p:sldLayoutId id="2147483655" r:id="rId8"/>
+    <p:sldLayoutId id="2147483719" r:id="rId7"/>
+    <p:sldLayoutId id="2147483720" r:id="rId8"/>
+    <p:sldLayoutId id="2147483654" r:id="rId9"/>
+    <p:sldLayoutId id="2147483655" r:id="rId10"/>
+    <p:sldLayoutId id="2147483728" r:id="rId11"/>
+    <p:sldLayoutId id="2147483725" r:id="rId12"/>
+    <p:sldLayoutId id="2147483726" r:id="rId13"/>
+    <p:sldLayoutId id="2147483727" r:id="rId14"/>
   </p:sldLayoutIdLst>
   <p:hf sldNum="0" hdr="0" dt="0"/>
   <p:txStyles>
@@ -5049,7 +7824,7 @@
     <p:bg>
       <p:bgPr>
         <a:solidFill>
-          <a:schemeClr val="accent6"/>
+          <a:schemeClr val="accent5"/>
         </a:solidFill>
         <a:effectLst/>
       </p:bgPr>
@@ -5185,6 +7960,1281 @@
     <p:sldLayoutId id="2147483714" r:id="rId1"/>
     <p:sldLayoutId id="2147483715" r:id="rId2"/>
     <p:sldLayoutId id="2147483716" r:id="rId3"/>
+  </p:sldLayoutIdLst>
+  <p:txStyles>
+    <p:titleStyle>
+      <a:lvl1pPr algn="l" defTabSz="914400" rtl="0" eaLnBrk="1" latinLnBrk="0" hangingPunct="1">
+        <a:lnSpc>
+          <a:spcPct val="90000"/>
+        </a:lnSpc>
+        <a:spcBef>
+          <a:spcPct val="0"/>
+        </a:spcBef>
+        <a:buNone/>
+        <a:defRPr sz="4400" kern="1200" baseline="0">
+          <a:solidFill>
+            <a:schemeClr val="bg1"/>
+          </a:solidFill>
+          <a:latin typeface="Arial" panose="020B0604020202020204" pitchFamily="34" charset="0"/>
+          <a:ea typeface="+mj-ea"/>
+          <a:cs typeface="+mj-cs"/>
+        </a:defRPr>
+      </a:lvl1pPr>
+    </p:titleStyle>
+    <p:bodyStyle>
+      <a:lvl1pPr marL="228600" indent="-228600" algn="l" defTabSz="914400" rtl="0" eaLnBrk="1" latinLnBrk="0" hangingPunct="1">
+        <a:lnSpc>
+          <a:spcPct val="90000"/>
+        </a:lnSpc>
+        <a:spcBef>
+          <a:spcPts val="1000"/>
+        </a:spcBef>
+        <a:buFont typeface="Arial" panose="020B0604020202020204" pitchFamily="34" charset="0"/>
+        <a:buChar char="•"/>
+        <a:defRPr sz="2800" kern="1200" baseline="0">
+          <a:solidFill>
+            <a:schemeClr val="bg1"/>
+          </a:solidFill>
+          <a:latin typeface="Arial" panose="020B0604020202020204" pitchFamily="34" charset="0"/>
+          <a:ea typeface="+mn-ea"/>
+          <a:cs typeface="+mn-cs"/>
+        </a:defRPr>
+      </a:lvl1pPr>
+      <a:lvl2pPr marL="685800" indent="-228600" algn="l" defTabSz="914400" rtl="0" eaLnBrk="1" latinLnBrk="0" hangingPunct="1">
+        <a:lnSpc>
+          <a:spcPct val="90000"/>
+        </a:lnSpc>
+        <a:spcBef>
+          <a:spcPts val="500"/>
+        </a:spcBef>
+        <a:buFont typeface="Arial" panose="020B0604020202020204" pitchFamily="34" charset="0"/>
+        <a:buChar char="•"/>
+        <a:defRPr sz="2400" kern="1200" baseline="0">
+          <a:solidFill>
+            <a:schemeClr val="bg1"/>
+          </a:solidFill>
+          <a:latin typeface="Arial" panose="020B0604020202020204" pitchFamily="34" charset="0"/>
+          <a:ea typeface="+mn-ea"/>
+          <a:cs typeface="+mn-cs"/>
+        </a:defRPr>
+      </a:lvl2pPr>
+      <a:lvl3pPr marL="1143000" indent="-228600" algn="l" defTabSz="914400" rtl="0" eaLnBrk="1" latinLnBrk="0" hangingPunct="1">
+        <a:lnSpc>
+          <a:spcPct val="90000"/>
+        </a:lnSpc>
+        <a:spcBef>
+          <a:spcPts val="500"/>
+        </a:spcBef>
+        <a:buFont typeface="Arial" panose="020B0604020202020204" pitchFamily="34" charset="0"/>
+        <a:buChar char="•"/>
+        <a:defRPr sz="2000" kern="1200" baseline="0">
+          <a:solidFill>
+            <a:schemeClr val="bg1"/>
+          </a:solidFill>
+          <a:latin typeface="Arial" panose="020B0604020202020204" pitchFamily="34" charset="0"/>
+          <a:ea typeface="+mn-ea"/>
+          <a:cs typeface="+mn-cs"/>
+        </a:defRPr>
+      </a:lvl3pPr>
+      <a:lvl4pPr marL="1600200" indent="-228600" algn="l" defTabSz="914400" rtl="0" eaLnBrk="1" latinLnBrk="0" hangingPunct="1">
+        <a:lnSpc>
+          <a:spcPct val="90000"/>
+        </a:lnSpc>
+        <a:spcBef>
+          <a:spcPts val="500"/>
+        </a:spcBef>
+        <a:buFont typeface="Arial" panose="020B0604020202020204" pitchFamily="34" charset="0"/>
+        <a:buChar char="•"/>
+        <a:defRPr sz="1800" kern="1200" baseline="0">
+          <a:solidFill>
+            <a:schemeClr val="bg1"/>
+          </a:solidFill>
+          <a:latin typeface="Arial" panose="020B0604020202020204" pitchFamily="34" charset="0"/>
+          <a:ea typeface="+mn-ea"/>
+          <a:cs typeface="+mn-cs"/>
+        </a:defRPr>
+      </a:lvl4pPr>
+      <a:lvl5pPr marL="2057400" indent="-228600" algn="l" defTabSz="914400" rtl="0" eaLnBrk="1" latinLnBrk="0" hangingPunct="1">
+        <a:lnSpc>
+          <a:spcPct val="90000"/>
+        </a:lnSpc>
+        <a:spcBef>
+          <a:spcPts val="500"/>
+        </a:spcBef>
+        <a:buFont typeface="Arial" panose="020B0604020202020204" pitchFamily="34" charset="0"/>
+        <a:buChar char="•"/>
+        <a:defRPr sz="1800" kern="1200" baseline="0">
+          <a:solidFill>
+            <a:schemeClr val="bg1"/>
+          </a:solidFill>
+          <a:latin typeface="Arial" panose="020B0604020202020204" pitchFamily="34" charset="0"/>
+          <a:ea typeface="+mn-ea"/>
+          <a:cs typeface="+mn-cs"/>
+        </a:defRPr>
+      </a:lvl5pPr>
+      <a:lvl6pPr marL="2514600" indent="-228600" algn="l" defTabSz="914400" rtl="0" eaLnBrk="1" latinLnBrk="0" hangingPunct="1">
+        <a:lnSpc>
+          <a:spcPct val="90000"/>
+        </a:lnSpc>
+        <a:spcBef>
+          <a:spcPts val="500"/>
+        </a:spcBef>
+        <a:buFont typeface="Arial" panose="020B0604020202020204" pitchFamily="34" charset="0"/>
+        <a:buChar char="•"/>
+        <a:defRPr sz="1800" kern="1200">
+          <a:solidFill>
+            <a:schemeClr val="tx1"/>
+          </a:solidFill>
+          <a:latin typeface="+mn-lt"/>
+          <a:ea typeface="+mn-ea"/>
+          <a:cs typeface="+mn-cs"/>
+        </a:defRPr>
+      </a:lvl6pPr>
+      <a:lvl7pPr marL="2971800" indent="-228600" algn="l" defTabSz="914400" rtl="0" eaLnBrk="1" latinLnBrk="0" hangingPunct="1">
+        <a:lnSpc>
+          <a:spcPct val="90000"/>
+        </a:lnSpc>
+        <a:spcBef>
+          <a:spcPts val="500"/>
+        </a:spcBef>
+        <a:buFont typeface="Arial" panose="020B0604020202020204" pitchFamily="34" charset="0"/>
+        <a:buChar char="•"/>
+        <a:defRPr sz="1800" kern="1200">
+          <a:solidFill>
+            <a:schemeClr val="tx1"/>
+          </a:solidFill>
+          <a:latin typeface="+mn-lt"/>
+          <a:ea typeface="+mn-ea"/>
+          <a:cs typeface="+mn-cs"/>
+        </a:defRPr>
+      </a:lvl7pPr>
+      <a:lvl8pPr marL="3429000" indent="-228600" algn="l" defTabSz="914400" rtl="0" eaLnBrk="1" latinLnBrk="0" hangingPunct="1">
+        <a:lnSpc>
+          <a:spcPct val="90000"/>
+        </a:lnSpc>
+        <a:spcBef>
+          <a:spcPts val="500"/>
+        </a:spcBef>
+        <a:buFont typeface="Arial" panose="020B0604020202020204" pitchFamily="34" charset="0"/>
+        <a:buChar char="•"/>
+        <a:defRPr sz="1800" kern="1200">
+          <a:solidFill>
+            <a:schemeClr val="tx1"/>
+          </a:solidFill>
+          <a:latin typeface="+mn-lt"/>
+          <a:ea typeface="+mn-ea"/>
+          <a:cs typeface="+mn-cs"/>
+        </a:defRPr>
+      </a:lvl8pPr>
+      <a:lvl9pPr marL="3886200" indent="-228600" algn="l" defTabSz="914400" rtl="0" eaLnBrk="1" latinLnBrk="0" hangingPunct="1">
+        <a:lnSpc>
+          <a:spcPct val="90000"/>
+        </a:lnSpc>
+        <a:spcBef>
+          <a:spcPts val="500"/>
+        </a:spcBef>
+        <a:buFont typeface="Arial" panose="020B0604020202020204" pitchFamily="34" charset="0"/>
+        <a:buChar char="•"/>
+        <a:defRPr sz="1800" kern="1200">
+          <a:solidFill>
+            <a:schemeClr val="tx1"/>
+          </a:solidFill>
+          <a:latin typeface="+mn-lt"/>
+          <a:ea typeface="+mn-ea"/>
+          <a:cs typeface="+mn-cs"/>
+        </a:defRPr>
+      </a:lvl9pPr>
+    </p:bodyStyle>
+    <p:otherStyle>
+      <a:defPPr>
+        <a:defRPr lang="nb-NO"/>
+      </a:defPPr>
+      <a:lvl1pPr marL="0" algn="l" defTabSz="914400" rtl="0" eaLnBrk="1" latinLnBrk="0" hangingPunct="1">
+        <a:defRPr sz="1800" kern="1200">
+          <a:solidFill>
+            <a:schemeClr val="tx1"/>
+          </a:solidFill>
+          <a:latin typeface="+mn-lt"/>
+          <a:ea typeface="+mn-ea"/>
+          <a:cs typeface="+mn-cs"/>
+        </a:defRPr>
+      </a:lvl1pPr>
+      <a:lvl2pPr marL="457200" algn="l" defTabSz="914400" rtl="0" eaLnBrk="1" latinLnBrk="0" hangingPunct="1">
+        <a:defRPr sz="1800" kern="1200">
+          <a:solidFill>
+            <a:schemeClr val="tx1"/>
+          </a:solidFill>
+          <a:latin typeface="+mn-lt"/>
+          <a:ea typeface="+mn-ea"/>
+          <a:cs typeface="+mn-cs"/>
+        </a:defRPr>
+      </a:lvl2pPr>
+      <a:lvl3pPr marL="914400" algn="l" defTabSz="914400" rtl="0" eaLnBrk="1" latinLnBrk="0" hangingPunct="1">
+        <a:defRPr sz="1800" kern="1200">
+          <a:solidFill>
+            <a:schemeClr val="tx1"/>
+          </a:solidFill>
+          <a:latin typeface="+mn-lt"/>
+          <a:ea typeface="+mn-ea"/>
+          <a:cs typeface="+mn-cs"/>
+        </a:defRPr>
+      </a:lvl3pPr>
+      <a:lvl4pPr marL="1371600" algn="l" defTabSz="914400" rtl="0" eaLnBrk="1" latinLnBrk="0" hangingPunct="1">
+        <a:defRPr sz="1800" kern="1200">
+          <a:solidFill>
+            <a:schemeClr val="tx1"/>
+          </a:solidFill>
+          <a:latin typeface="+mn-lt"/>
+          <a:ea typeface="+mn-ea"/>
+          <a:cs typeface="+mn-cs"/>
+        </a:defRPr>
+      </a:lvl4pPr>
+      <a:lvl5pPr marL="1828800" algn="l" defTabSz="914400" rtl="0" eaLnBrk="1" latinLnBrk="0" hangingPunct="1">
+        <a:defRPr sz="1800" kern="1200">
+          <a:solidFill>
+            <a:schemeClr val="tx1"/>
+          </a:solidFill>
+          <a:latin typeface="+mn-lt"/>
+          <a:ea typeface="+mn-ea"/>
+          <a:cs typeface="+mn-cs"/>
+        </a:defRPr>
+      </a:lvl5pPr>
+      <a:lvl6pPr marL="2286000" algn="l" defTabSz="914400" rtl="0" eaLnBrk="1" latinLnBrk="0" hangingPunct="1">
+        <a:defRPr sz="1800" kern="1200">
+          <a:solidFill>
+            <a:schemeClr val="tx1"/>
+          </a:solidFill>
+          <a:latin typeface="+mn-lt"/>
+          <a:ea typeface="+mn-ea"/>
+          <a:cs typeface="+mn-cs"/>
+        </a:defRPr>
+      </a:lvl6pPr>
+      <a:lvl7pPr marL="2743200" algn="l" defTabSz="914400" rtl="0" eaLnBrk="1" latinLnBrk="0" hangingPunct="1">
+        <a:defRPr sz="1800" kern="1200">
+          <a:solidFill>
+            <a:schemeClr val="tx1"/>
+          </a:solidFill>
+          <a:latin typeface="+mn-lt"/>
+          <a:ea typeface="+mn-ea"/>
+          <a:cs typeface="+mn-cs"/>
+        </a:defRPr>
+      </a:lvl7pPr>
+      <a:lvl8pPr marL="3200400" algn="l" defTabSz="914400" rtl="0" eaLnBrk="1" latinLnBrk="0" hangingPunct="1">
+        <a:defRPr sz="1800" kern="1200">
+          <a:solidFill>
+            <a:schemeClr val="tx1"/>
+          </a:solidFill>
+          <a:latin typeface="+mn-lt"/>
+          <a:ea typeface="+mn-ea"/>
+          <a:cs typeface="+mn-cs"/>
+        </a:defRPr>
+      </a:lvl8pPr>
+      <a:lvl9pPr marL="3657600" algn="l" defTabSz="914400" rtl="0" eaLnBrk="1" latinLnBrk="0" hangingPunct="1">
+        <a:defRPr sz="1800" kern="1200">
+          <a:solidFill>
+            <a:schemeClr val="tx1"/>
+          </a:solidFill>
+          <a:latin typeface="+mn-lt"/>
+          <a:ea typeface="+mn-ea"/>
+          <a:cs typeface="+mn-cs"/>
+        </a:defRPr>
+      </a:lvl9pPr>
+    </p:otherStyle>
+  </p:txStyles>
+</p:sldMaster>
+</file>
+
+<file path=ppt/slideMasters/slideMaster6.xml><?xml version="1.0" encoding="utf-8"?>
+<p:sldMaster xmlns:a="http://schemas.openxmlformats.org/drawingml/2006/main" xmlns:r="http://schemas.openxmlformats.org/officeDocument/2006/relationships" xmlns:p="http://schemas.openxmlformats.org/presentationml/2006/main" preserve="1">
+  <p:cSld>
+    <p:bg>
+      <p:bgRef idx="1001">
+        <a:schemeClr val="bg1"/>
+      </p:bgRef>
+    </p:bg>
+    <p:spTree>
+      <p:nvGrpSpPr>
+        <p:cNvPr id="1" name=""/>
+        <p:cNvGrpSpPr/>
+        <p:nvPr/>
+      </p:nvGrpSpPr>
+      <p:grpSpPr>
+        <a:xfrm>
+          <a:off x="0" y="0"/>
+          <a:ext cx="0" cy="0"/>
+          <a:chOff x="0" y="0"/>
+          <a:chExt cx="0" cy="0"/>
+        </a:xfrm>
+      </p:grpSpPr>
+      <p:sp>
+        <p:nvSpPr>
+          <p:cNvPr id="2" name="Plassholder for tittel 1">
+            <a:extLst>
+              <a:ext uri="{FF2B5EF4-FFF2-40B4-BE49-F238E27FC236}">
+                <a16:creationId xmlns:a16="http://schemas.microsoft.com/office/drawing/2014/main" id="{2E8C0A73-398D-4A3C-B82D-9772283DB328}"/>
+              </a:ext>
+            </a:extLst>
+          </p:cNvPr>
+          <p:cNvSpPr>
+            <a:spLocks noGrp="1"/>
+          </p:cNvSpPr>
+          <p:nvPr>
+            <p:ph type="title"/>
+          </p:nvPr>
+        </p:nvSpPr>
+        <p:spPr>
+          <a:xfrm>
+            <a:off x="628650" y="274638"/>
+            <a:ext cx="7886700" cy="993775"/>
+          </a:xfrm>
+          <a:prstGeom prst="rect">
+            <a:avLst/>
+          </a:prstGeom>
+        </p:spPr>
+        <p:txBody>
+          <a:bodyPr vert="horz" lIns="91440" tIns="45720" rIns="91440" bIns="45720" rtlCol="0" anchor="ctr">
+            <a:normAutofit/>
+          </a:bodyPr>
+          <a:lstStyle/>
+          <a:p>
+            <a:r>
+              <a:rPr lang="nb-NO" dirty="0"/>
+              <a:t>Klikk for å redigere tittelstil</a:t>
+            </a:r>
+          </a:p>
+        </p:txBody>
+      </p:sp>
+      <p:sp>
+        <p:nvSpPr>
+          <p:cNvPr id="3" name="Plassholder for tekst 2">
+            <a:extLst>
+              <a:ext uri="{FF2B5EF4-FFF2-40B4-BE49-F238E27FC236}">
+                <a16:creationId xmlns:a16="http://schemas.microsoft.com/office/drawing/2014/main" id="{91E1A558-B24E-41B8-B3D2-F5CBAFF2783C}"/>
+              </a:ext>
+            </a:extLst>
+          </p:cNvPr>
+          <p:cNvSpPr>
+            <a:spLocks noGrp="1"/>
+          </p:cNvSpPr>
+          <p:nvPr>
+            <p:ph type="body" idx="1"/>
+          </p:nvPr>
+        </p:nvSpPr>
+        <p:spPr>
+          <a:xfrm>
+            <a:off x="628650" y="1370013"/>
+            <a:ext cx="7886700" cy="3263900"/>
+          </a:xfrm>
+          <a:prstGeom prst="rect">
+            <a:avLst/>
+          </a:prstGeom>
+        </p:spPr>
+        <p:txBody>
+          <a:bodyPr vert="horz" lIns="91440" tIns="45720" rIns="91440" bIns="45720" rtlCol="0">
+            <a:normAutofit/>
+          </a:bodyPr>
+          <a:lstStyle/>
+          <a:p>
+            <a:pPr lvl="0"/>
+            <a:r>
+              <a:rPr lang="nb-NO" dirty="0"/>
+              <a:t>Klikk for å redigere tekststiler i malen</a:t>
+            </a:r>
+          </a:p>
+          <a:p>
+            <a:pPr lvl="1"/>
+            <a:r>
+              <a:rPr lang="nb-NO" dirty="0"/>
+              <a:t>Andre nivå</a:t>
+            </a:r>
+          </a:p>
+          <a:p>
+            <a:pPr lvl="2"/>
+            <a:r>
+              <a:rPr lang="nb-NO" dirty="0"/>
+              <a:t>Tredje nivå</a:t>
+            </a:r>
+          </a:p>
+          <a:p>
+            <a:pPr lvl="3"/>
+            <a:r>
+              <a:rPr lang="nb-NO" dirty="0"/>
+              <a:t>Fjerde nivå</a:t>
+            </a:r>
+          </a:p>
+          <a:p>
+            <a:pPr lvl="4"/>
+            <a:r>
+              <a:rPr lang="nb-NO" dirty="0"/>
+              <a:t>Femte nivå</a:t>
+            </a:r>
+          </a:p>
+        </p:txBody>
+      </p:sp>
+    </p:spTree>
+    <p:extLst>
+      <p:ext uri="{BB962C8B-B14F-4D97-AF65-F5344CB8AC3E}">
+        <p14:creationId xmlns:p14="http://schemas.microsoft.com/office/powerpoint/2010/main" val="2803368603"/>
+      </p:ext>
+    </p:extLst>
+  </p:cSld>
+  <p:clrMap bg1="dk1" tx1="lt1" bg2="dk2" tx2="lt2" accent1="accent1" accent2="accent2" accent3="accent3" accent4="accent4" accent5="accent5" accent6="accent6" hlink="hlink" folHlink="folHlink"/>
+  <p:sldLayoutIdLst>
+    <p:sldLayoutId id="2147483722" r:id="rId1"/>
+    <p:sldLayoutId id="2147483723" r:id="rId2"/>
+    <p:sldLayoutId id="2147483724" r:id="rId3"/>
+  </p:sldLayoutIdLst>
+  <p:txStyles>
+    <p:titleStyle>
+      <a:lvl1pPr algn="l" defTabSz="914400" rtl="0" eaLnBrk="1" latinLnBrk="0" hangingPunct="1">
+        <a:lnSpc>
+          <a:spcPct val="90000"/>
+        </a:lnSpc>
+        <a:spcBef>
+          <a:spcPct val="0"/>
+        </a:spcBef>
+        <a:buNone/>
+        <a:defRPr sz="4400" kern="1200" baseline="0">
+          <a:solidFill>
+            <a:schemeClr val="lt1"/>
+          </a:solidFill>
+          <a:latin typeface="Arial" panose="020B0604020202020204" pitchFamily="34" charset="0"/>
+          <a:ea typeface="+mj-ea"/>
+          <a:cs typeface="+mj-cs"/>
+        </a:defRPr>
+      </a:lvl1pPr>
+    </p:titleStyle>
+    <p:bodyStyle>
+      <a:lvl1pPr marL="228600" indent="-228600" algn="l" defTabSz="914400" rtl="0" eaLnBrk="1" latinLnBrk="0" hangingPunct="1">
+        <a:lnSpc>
+          <a:spcPct val="90000"/>
+        </a:lnSpc>
+        <a:spcBef>
+          <a:spcPts val="1000"/>
+        </a:spcBef>
+        <a:buFont typeface="Arial" panose="020B0604020202020204" pitchFamily="34" charset="0"/>
+        <a:buChar char="•"/>
+        <a:defRPr sz="2800" kern="1200" baseline="0">
+          <a:solidFill>
+            <a:schemeClr val="lt1"/>
+          </a:solidFill>
+          <a:latin typeface="Arial" panose="020B0604020202020204" pitchFamily="34" charset="0"/>
+          <a:ea typeface="+mn-ea"/>
+          <a:cs typeface="+mn-cs"/>
+        </a:defRPr>
+      </a:lvl1pPr>
+      <a:lvl2pPr marL="685800" indent="-228600" algn="l" defTabSz="914400" rtl="0" eaLnBrk="1" latinLnBrk="0" hangingPunct="1">
+        <a:lnSpc>
+          <a:spcPct val="90000"/>
+        </a:lnSpc>
+        <a:spcBef>
+          <a:spcPts val="500"/>
+        </a:spcBef>
+        <a:buFont typeface="Arial" panose="020B0604020202020204" pitchFamily="34" charset="0"/>
+        <a:buChar char="•"/>
+        <a:defRPr sz="2400" kern="1200" baseline="0">
+          <a:solidFill>
+            <a:schemeClr val="lt1"/>
+          </a:solidFill>
+          <a:latin typeface="Arial" panose="020B0604020202020204" pitchFamily="34" charset="0"/>
+          <a:ea typeface="+mn-ea"/>
+          <a:cs typeface="+mn-cs"/>
+        </a:defRPr>
+      </a:lvl2pPr>
+      <a:lvl3pPr marL="1143000" indent="-228600" algn="l" defTabSz="914400" rtl="0" eaLnBrk="1" latinLnBrk="0" hangingPunct="1">
+        <a:lnSpc>
+          <a:spcPct val="90000"/>
+        </a:lnSpc>
+        <a:spcBef>
+          <a:spcPts val="500"/>
+        </a:spcBef>
+        <a:buFont typeface="Arial" panose="020B0604020202020204" pitchFamily="34" charset="0"/>
+        <a:buChar char="•"/>
+        <a:defRPr sz="2000" kern="1200" baseline="0">
+          <a:solidFill>
+            <a:schemeClr val="lt1"/>
+          </a:solidFill>
+          <a:latin typeface="Arial" panose="020B0604020202020204" pitchFamily="34" charset="0"/>
+          <a:ea typeface="+mn-ea"/>
+          <a:cs typeface="+mn-cs"/>
+        </a:defRPr>
+      </a:lvl3pPr>
+      <a:lvl4pPr marL="1600200" indent="-228600" algn="l" defTabSz="914400" rtl="0" eaLnBrk="1" latinLnBrk="0" hangingPunct="1">
+        <a:lnSpc>
+          <a:spcPct val="90000"/>
+        </a:lnSpc>
+        <a:spcBef>
+          <a:spcPts val="500"/>
+        </a:spcBef>
+        <a:buFont typeface="Arial" panose="020B0604020202020204" pitchFamily="34" charset="0"/>
+        <a:buChar char="•"/>
+        <a:defRPr sz="1800" kern="1200" baseline="0">
+          <a:solidFill>
+            <a:schemeClr val="lt1"/>
+          </a:solidFill>
+          <a:latin typeface="Arial" panose="020B0604020202020204" pitchFamily="34" charset="0"/>
+          <a:ea typeface="+mn-ea"/>
+          <a:cs typeface="+mn-cs"/>
+        </a:defRPr>
+      </a:lvl4pPr>
+      <a:lvl5pPr marL="2057400" indent="-228600" algn="l" defTabSz="914400" rtl="0" eaLnBrk="1" latinLnBrk="0" hangingPunct="1">
+        <a:lnSpc>
+          <a:spcPct val="90000"/>
+        </a:lnSpc>
+        <a:spcBef>
+          <a:spcPts val="500"/>
+        </a:spcBef>
+        <a:buFont typeface="Arial" panose="020B0604020202020204" pitchFamily="34" charset="0"/>
+        <a:buChar char="•"/>
+        <a:defRPr sz="1800" kern="1200" baseline="0">
+          <a:solidFill>
+            <a:schemeClr val="lt1"/>
+          </a:solidFill>
+          <a:latin typeface="Arial" panose="020B0604020202020204" pitchFamily="34" charset="0"/>
+          <a:ea typeface="+mn-ea"/>
+          <a:cs typeface="+mn-cs"/>
+        </a:defRPr>
+      </a:lvl5pPr>
+      <a:lvl6pPr marL="2514600" indent="-228600" algn="l" defTabSz="914400" rtl="0" eaLnBrk="1" latinLnBrk="0" hangingPunct="1">
+        <a:lnSpc>
+          <a:spcPct val="90000"/>
+        </a:lnSpc>
+        <a:spcBef>
+          <a:spcPts val="500"/>
+        </a:spcBef>
+        <a:buFont typeface="Arial" panose="020B0604020202020204" pitchFamily="34" charset="0"/>
+        <a:buChar char="•"/>
+        <a:defRPr sz="1800" kern="1200">
+          <a:solidFill>
+            <a:schemeClr val="tx1"/>
+          </a:solidFill>
+          <a:latin typeface="+mn-lt"/>
+          <a:ea typeface="+mn-ea"/>
+          <a:cs typeface="+mn-cs"/>
+        </a:defRPr>
+      </a:lvl6pPr>
+      <a:lvl7pPr marL="2971800" indent="-228600" algn="l" defTabSz="914400" rtl="0" eaLnBrk="1" latinLnBrk="0" hangingPunct="1">
+        <a:lnSpc>
+          <a:spcPct val="90000"/>
+        </a:lnSpc>
+        <a:spcBef>
+          <a:spcPts val="500"/>
+        </a:spcBef>
+        <a:buFont typeface="Arial" panose="020B0604020202020204" pitchFamily="34" charset="0"/>
+        <a:buChar char="•"/>
+        <a:defRPr sz="1800" kern="1200">
+          <a:solidFill>
+            <a:schemeClr val="tx1"/>
+          </a:solidFill>
+          <a:latin typeface="+mn-lt"/>
+          <a:ea typeface="+mn-ea"/>
+          <a:cs typeface="+mn-cs"/>
+        </a:defRPr>
+      </a:lvl7pPr>
+      <a:lvl8pPr marL="3429000" indent="-228600" algn="l" defTabSz="914400" rtl="0" eaLnBrk="1" latinLnBrk="0" hangingPunct="1">
+        <a:lnSpc>
+          <a:spcPct val="90000"/>
+        </a:lnSpc>
+        <a:spcBef>
+          <a:spcPts val="500"/>
+        </a:spcBef>
+        <a:buFont typeface="Arial" panose="020B0604020202020204" pitchFamily="34" charset="0"/>
+        <a:buChar char="•"/>
+        <a:defRPr sz="1800" kern="1200">
+          <a:solidFill>
+            <a:schemeClr val="tx1"/>
+          </a:solidFill>
+          <a:latin typeface="+mn-lt"/>
+          <a:ea typeface="+mn-ea"/>
+          <a:cs typeface="+mn-cs"/>
+        </a:defRPr>
+      </a:lvl8pPr>
+      <a:lvl9pPr marL="3886200" indent="-228600" algn="l" defTabSz="914400" rtl="0" eaLnBrk="1" latinLnBrk="0" hangingPunct="1">
+        <a:lnSpc>
+          <a:spcPct val="90000"/>
+        </a:lnSpc>
+        <a:spcBef>
+          <a:spcPts val="500"/>
+        </a:spcBef>
+        <a:buFont typeface="Arial" panose="020B0604020202020204" pitchFamily="34" charset="0"/>
+        <a:buChar char="•"/>
+        <a:defRPr sz="1800" kern="1200">
+          <a:solidFill>
+            <a:schemeClr val="tx1"/>
+          </a:solidFill>
+          <a:latin typeface="+mn-lt"/>
+          <a:ea typeface="+mn-ea"/>
+          <a:cs typeface="+mn-cs"/>
+        </a:defRPr>
+      </a:lvl9pPr>
+    </p:bodyStyle>
+    <p:otherStyle>
+      <a:defPPr>
+        <a:defRPr lang="nb-NO"/>
+      </a:defPPr>
+      <a:lvl1pPr marL="0" algn="l" defTabSz="914400" rtl="0" eaLnBrk="1" latinLnBrk="0" hangingPunct="1">
+        <a:defRPr sz="1800" kern="1200">
+          <a:solidFill>
+            <a:schemeClr val="tx1"/>
+          </a:solidFill>
+          <a:latin typeface="+mn-lt"/>
+          <a:ea typeface="+mn-ea"/>
+          <a:cs typeface="+mn-cs"/>
+        </a:defRPr>
+      </a:lvl1pPr>
+      <a:lvl2pPr marL="457200" algn="l" defTabSz="914400" rtl="0" eaLnBrk="1" latinLnBrk="0" hangingPunct="1">
+        <a:defRPr sz="1800" kern="1200">
+          <a:solidFill>
+            <a:schemeClr val="tx1"/>
+          </a:solidFill>
+          <a:latin typeface="+mn-lt"/>
+          <a:ea typeface="+mn-ea"/>
+          <a:cs typeface="+mn-cs"/>
+        </a:defRPr>
+      </a:lvl2pPr>
+      <a:lvl3pPr marL="914400" algn="l" defTabSz="914400" rtl="0" eaLnBrk="1" latinLnBrk="0" hangingPunct="1">
+        <a:defRPr sz="1800" kern="1200">
+          <a:solidFill>
+            <a:schemeClr val="tx1"/>
+          </a:solidFill>
+          <a:latin typeface="+mn-lt"/>
+          <a:ea typeface="+mn-ea"/>
+          <a:cs typeface="+mn-cs"/>
+        </a:defRPr>
+      </a:lvl3pPr>
+      <a:lvl4pPr marL="1371600" algn="l" defTabSz="914400" rtl="0" eaLnBrk="1" latinLnBrk="0" hangingPunct="1">
+        <a:defRPr sz="1800" kern="1200">
+          <a:solidFill>
+            <a:schemeClr val="tx1"/>
+          </a:solidFill>
+          <a:latin typeface="+mn-lt"/>
+          <a:ea typeface="+mn-ea"/>
+          <a:cs typeface="+mn-cs"/>
+        </a:defRPr>
+      </a:lvl4pPr>
+      <a:lvl5pPr marL="1828800" algn="l" defTabSz="914400" rtl="0" eaLnBrk="1" latinLnBrk="0" hangingPunct="1">
+        <a:defRPr sz="1800" kern="1200">
+          <a:solidFill>
+            <a:schemeClr val="tx1"/>
+          </a:solidFill>
+          <a:latin typeface="+mn-lt"/>
+          <a:ea typeface="+mn-ea"/>
+          <a:cs typeface="+mn-cs"/>
+        </a:defRPr>
+      </a:lvl5pPr>
+      <a:lvl6pPr marL="2286000" algn="l" defTabSz="914400" rtl="0" eaLnBrk="1" latinLnBrk="0" hangingPunct="1">
+        <a:defRPr sz="1800" kern="1200">
+          <a:solidFill>
+            <a:schemeClr val="tx1"/>
+          </a:solidFill>
+          <a:latin typeface="+mn-lt"/>
+          <a:ea typeface="+mn-ea"/>
+          <a:cs typeface="+mn-cs"/>
+        </a:defRPr>
+      </a:lvl6pPr>
+      <a:lvl7pPr marL="2743200" algn="l" defTabSz="914400" rtl="0" eaLnBrk="1" latinLnBrk="0" hangingPunct="1">
+        <a:defRPr sz="1800" kern="1200">
+          <a:solidFill>
+            <a:schemeClr val="tx1"/>
+          </a:solidFill>
+          <a:latin typeface="+mn-lt"/>
+          <a:ea typeface="+mn-ea"/>
+          <a:cs typeface="+mn-cs"/>
+        </a:defRPr>
+      </a:lvl7pPr>
+      <a:lvl8pPr marL="3200400" algn="l" defTabSz="914400" rtl="0" eaLnBrk="1" latinLnBrk="0" hangingPunct="1">
+        <a:defRPr sz="1800" kern="1200">
+          <a:solidFill>
+            <a:schemeClr val="tx1"/>
+          </a:solidFill>
+          <a:latin typeface="+mn-lt"/>
+          <a:ea typeface="+mn-ea"/>
+          <a:cs typeface="+mn-cs"/>
+        </a:defRPr>
+      </a:lvl8pPr>
+      <a:lvl9pPr marL="3657600" algn="l" defTabSz="914400" rtl="0" eaLnBrk="1" latinLnBrk="0" hangingPunct="1">
+        <a:defRPr sz="1800" kern="1200">
+          <a:solidFill>
+            <a:schemeClr val="tx1"/>
+          </a:solidFill>
+          <a:latin typeface="+mn-lt"/>
+          <a:ea typeface="+mn-ea"/>
+          <a:cs typeface="+mn-cs"/>
+        </a:defRPr>
+      </a:lvl9pPr>
+    </p:otherStyle>
+  </p:txStyles>
+</p:sldMaster>
+</file>
+
+<file path=ppt/slideMasters/slideMaster7.xml><?xml version="1.0" encoding="utf-8"?>
+<p:sldMaster xmlns:a="http://schemas.openxmlformats.org/drawingml/2006/main" xmlns:r="http://schemas.openxmlformats.org/officeDocument/2006/relationships" xmlns:p="http://schemas.openxmlformats.org/presentationml/2006/main" preserve="1">
+  <p:cSld>
+    <p:bg>
+      <p:bgPr>
+        <a:solidFill>
+          <a:srgbClr val="F2F2F2"/>
+        </a:solidFill>
+        <a:effectLst/>
+      </p:bgPr>
+    </p:bg>
+    <p:spTree>
+      <p:nvGrpSpPr>
+        <p:cNvPr id="1" name=""/>
+        <p:cNvGrpSpPr/>
+        <p:nvPr/>
+      </p:nvGrpSpPr>
+      <p:grpSpPr>
+        <a:xfrm>
+          <a:off x="0" y="0"/>
+          <a:ext cx="0" cy="0"/>
+          <a:chOff x="0" y="0"/>
+          <a:chExt cx="0" cy="0"/>
+        </a:xfrm>
+      </p:grpSpPr>
+      <p:sp>
+        <p:nvSpPr>
+          <p:cNvPr id="2" name="Plassholder for tittel 1">
+            <a:extLst>
+              <a:ext uri="{FF2B5EF4-FFF2-40B4-BE49-F238E27FC236}">
+                <a16:creationId xmlns:a16="http://schemas.microsoft.com/office/drawing/2014/main" id="{2E8C0A73-398D-4A3C-B82D-9772283DB328}"/>
+              </a:ext>
+            </a:extLst>
+          </p:cNvPr>
+          <p:cNvSpPr>
+            <a:spLocks noGrp="1"/>
+          </p:cNvSpPr>
+          <p:nvPr>
+            <p:ph type="title"/>
+          </p:nvPr>
+        </p:nvSpPr>
+        <p:spPr>
+          <a:xfrm>
+            <a:off x="628650" y="274638"/>
+            <a:ext cx="7886700" cy="993775"/>
+          </a:xfrm>
+          <a:prstGeom prst="rect">
+            <a:avLst/>
+          </a:prstGeom>
+        </p:spPr>
+        <p:txBody>
+          <a:bodyPr vert="horz" lIns="91440" tIns="45720" rIns="91440" bIns="45720" rtlCol="0" anchor="ctr">
+            <a:normAutofit/>
+          </a:bodyPr>
+          <a:lstStyle/>
+          <a:p>
+            <a:r>
+              <a:rPr lang="nb-NO" dirty="0"/>
+              <a:t>Klikk for å redigere tittelstil</a:t>
+            </a:r>
+          </a:p>
+        </p:txBody>
+      </p:sp>
+      <p:sp>
+        <p:nvSpPr>
+          <p:cNvPr id="3" name="Plassholder for tekst 2">
+            <a:extLst>
+              <a:ext uri="{FF2B5EF4-FFF2-40B4-BE49-F238E27FC236}">
+                <a16:creationId xmlns:a16="http://schemas.microsoft.com/office/drawing/2014/main" id="{91E1A558-B24E-41B8-B3D2-F5CBAFF2783C}"/>
+              </a:ext>
+            </a:extLst>
+          </p:cNvPr>
+          <p:cNvSpPr>
+            <a:spLocks noGrp="1"/>
+          </p:cNvSpPr>
+          <p:nvPr>
+            <p:ph type="body" idx="1"/>
+          </p:nvPr>
+        </p:nvSpPr>
+        <p:spPr>
+          <a:xfrm>
+            <a:off x="628650" y="1370013"/>
+            <a:ext cx="7886700" cy="3263900"/>
+          </a:xfrm>
+          <a:prstGeom prst="rect">
+            <a:avLst/>
+          </a:prstGeom>
+        </p:spPr>
+        <p:txBody>
+          <a:bodyPr vert="horz" lIns="91440" tIns="45720" rIns="91440" bIns="45720" rtlCol="0">
+            <a:normAutofit/>
+          </a:bodyPr>
+          <a:lstStyle/>
+          <a:p>
+            <a:pPr lvl="0"/>
+            <a:r>
+              <a:rPr lang="nb-NO" dirty="0"/>
+              <a:t>Klikk for å redigere tekststiler i malen</a:t>
+            </a:r>
+          </a:p>
+          <a:p>
+            <a:pPr lvl="1"/>
+            <a:r>
+              <a:rPr lang="nb-NO" dirty="0"/>
+              <a:t>Andre nivå</a:t>
+            </a:r>
+          </a:p>
+          <a:p>
+            <a:pPr lvl="2"/>
+            <a:r>
+              <a:rPr lang="nb-NO" dirty="0"/>
+              <a:t>Tredje nivå</a:t>
+            </a:r>
+          </a:p>
+          <a:p>
+            <a:pPr lvl="3"/>
+            <a:r>
+              <a:rPr lang="nb-NO" dirty="0"/>
+              <a:t>Fjerde nivå</a:t>
+            </a:r>
+          </a:p>
+          <a:p>
+            <a:pPr lvl="4"/>
+            <a:r>
+              <a:rPr lang="nb-NO" dirty="0"/>
+              <a:t>Femte nivå</a:t>
+            </a:r>
+          </a:p>
+        </p:txBody>
+      </p:sp>
+    </p:spTree>
+    <p:extLst>
+      <p:ext uri="{BB962C8B-B14F-4D97-AF65-F5344CB8AC3E}">
+        <p14:creationId xmlns:p14="http://schemas.microsoft.com/office/powerpoint/2010/main" val="3604001064"/>
+      </p:ext>
+    </p:extLst>
+  </p:cSld>
+  <p:clrMap bg1="dk1" tx1="lt1" bg2="dk2" tx2="lt2" accent1="accent1" accent2="accent2" accent3="accent3" accent4="accent4" accent5="accent5" accent6="accent6" hlink="hlink" folHlink="folHlink"/>
+  <p:sldLayoutIdLst>
+    <p:sldLayoutId id="2147483730" r:id="rId1"/>
+    <p:sldLayoutId id="2147483731" r:id="rId2"/>
+    <p:sldLayoutId id="2147483732" r:id="rId3"/>
+  </p:sldLayoutIdLst>
+  <p:txStyles>
+    <p:titleStyle>
+      <a:lvl1pPr algn="l" defTabSz="914400" rtl="0" eaLnBrk="1" latinLnBrk="0" hangingPunct="1">
+        <a:lnSpc>
+          <a:spcPct val="90000"/>
+        </a:lnSpc>
+        <a:spcBef>
+          <a:spcPct val="0"/>
+        </a:spcBef>
+        <a:buNone/>
+        <a:defRPr sz="4400" kern="1200" baseline="0">
+          <a:solidFill>
+            <a:schemeClr val="bg1"/>
+          </a:solidFill>
+          <a:latin typeface="Arial" panose="020B0604020202020204" pitchFamily="34" charset="0"/>
+          <a:ea typeface="+mj-ea"/>
+          <a:cs typeface="+mj-cs"/>
+        </a:defRPr>
+      </a:lvl1pPr>
+    </p:titleStyle>
+    <p:bodyStyle>
+      <a:lvl1pPr marL="228600" indent="-228600" algn="l" defTabSz="914400" rtl="0" eaLnBrk="1" latinLnBrk="0" hangingPunct="1">
+        <a:lnSpc>
+          <a:spcPct val="90000"/>
+        </a:lnSpc>
+        <a:spcBef>
+          <a:spcPts val="1000"/>
+        </a:spcBef>
+        <a:buFont typeface="Arial" panose="020B0604020202020204" pitchFamily="34" charset="0"/>
+        <a:buChar char="•"/>
+        <a:defRPr sz="2800" kern="1200" baseline="0">
+          <a:solidFill>
+            <a:schemeClr val="bg1"/>
+          </a:solidFill>
+          <a:latin typeface="Arial" panose="020B0604020202020204" pitchFamily="34" charset="0"/>
+          <a:ea typeface="+mn-ea"/>
+          <a:cs typeface="+mn-cs"/>
+        </a:defRPr>
+      </a:lvl1pPr>
+      <a:lvl2pPr marL="685800" indent="-228600" algn="l" defTabSz="914400" rtl="0" eaLnBrk="1" latinLnBrk="0" hangingPunct="1">
+        <a:lnSpc>
+          <a:spcPct val="90000"/>
+        </a:lnSpc>
+        <a:spcBef>
+          <a:spcPts val="500"/>
+        </a:spcBef>
+        <a:buFont typeface="Arial" panose="020B0604020202020204" pitchFamily="34" charset="0"/>
+        <a:buChar char="•"/>
+        <a:defRPr sz="2400" kern="1200" baseline="0">
+          <a:solidFill>
+            <a:schemeClr val="bg1"/>
+          </a:solidFill>
+          <a:latin typeface="Arial" panose="020B0604020202020204" pitchFamily="34" charset="0"/>
+          <a:ea typeface="+mn-ea"/>
+          <a:cs typeface="+mn-cs"/>
+        </a:defRPr>
+      </a:lvl2pPr>
+      <a:lvl3pPr marL="1143000" indent="-228600" algn="l" defTabSz="914400" rtl="0" eaLnBrk="1" latinLnBrk="0" hangingPunct="1">
+        <a:lnSpc>
+          <a:spcPct val="90000"/>
+        </a:lnSpc>
+        <a:spcBef>
+          <a:spcPts val="500"/>
+        </a:spcBef>
+        <a:buFont typeface="Arial" panose="020B0604020202020204" pitchFamily="34" charset="0"/>
+        <a:buChar char="•"/>
+        <a:defRPr sz="2000" kern="1200" baseline="0">
+          <a:solidFill>
+            <a:schemeClr val="bg1"/>
+          </a:solidFill>
+          <a:latin typeface="Arial" panose="020B0604020202020204" pitchFamily="34" charset="0"/>
+          <a:ea typeface="+mn-ea"/>
+          <a:cs typeface="+mn-cs"/>
+        </a:defRPr>
+      </a:lvl3pPr>
+      <a:lvl4pPr marL="1600200" indent="-228600" algn="l" defTabSz="914400" rtl="0" eaLnBrk="1" latinLnBrk="0" hangingPunct="1">
+        <a:lnSpc>
+          <a:spcPct val="90000"/>
+        </a:lnSpc>
+        <a:spcBef>
+          <a:spcPts val="500"/>
+        </a:spcBef>
+        <a:buFont typeface="Arial" panose="020B0604020202020204" pitchFamily="34" charset="0"/>
+        <a:buChar char="•"/>
+        <a:defRPr sz="1800" kern="1200" baseline="0">
+          <a:solidFill>
+            <a:schemeClr val="bg1"/>
+          </a:solidFill>
+          <a:latin typeface="Arial" panose="020B0604020202020204" pitchFamily="34" charset="0"/>
+          <a:ea typeface="+mn-ea"/>
+          <a:cs typeface="+mn-cs"/>
+        </a:defRPr>
+      </a:lvl4pPr>
+      <a:lvl5pPr marL="2057400" indent="-228600" algn="l" defTabSz="914400" rtl="0" eaLnBrk="1" latinLnBrk="0" hangingPunct="1">
+        <a:lnSpc>
+          <a:spcPct val="90000"/>
+        </a:lnSpc>
+        <a:spcBef>
+          <a:spcPts val="500"/>
+        </a:spcBef>
+        <a:buFont typeface="Arial" panose="020B0604020202020204" pitchFamily="34" charset="0"/>
+        <a:buChar char="•"/>
+        <a:defRPr sz="1800" kern="1200" baseline="0">
+          <a:solidFill>
+            <a:schemeClr val="bg1"/>
+          </a:solidFill>
+          <a:latin typeface="Arial" panose="020B0604020202020204" pitchFamily="34" charset="0"/>
+          <a:ea typeface="+mn-ea"/>
+          <a:cs typeface="+mn-cs"/>
+        </a:defRPr>
+      </a:lvl5pPr>
+      <a:lvl6pPr marL="2514600" indent="-228600" algn="l" defTabSz="914400" rtl="0" eaLnBrk="1" latinLnBrk="0" hangingPunct="1">
+        <a:lnSpc>
+          <a:spcPct val="90000"/>
+        </a:lnSpc>
+        <a:spcBef>
+          <a:spcPts val="500"/>
+        </a:spcBef>
+        <a:buFont typeface="Arial" panose="020B0604020202020204" pitchFamily="34" charset="0"/>
+        <a:buChar char="•"/>
+        <a:defRPr sz="1800" kern="1200">
+          <a:solidFill>
+            <a:schemeClr val="tx1"/>
+          </a:solidFill>
+          <a:latin typeface="+mn-lt"/>
+          <a:ea typeface="+mn-ea"/>
+          <a:cs typeface="+mn-cs"/>
+        </a:defRPr>
+      </a:lvl6pPr>
+      <a:lvl7pPr marL="2971800" indent="-228600" algn="l" defTabSz="914400" rtl="0" eaLnBrk="1" latinLnBrk="0" hangingPunct="1">
+        <a:lnSpc>
+          <a:spcPct val="90000"/>
+        </a:lnSpc>
+        <a:spcBef>
+          <a:spcPts val="500"/>
+        </a:spcBef>
+        <a:buFont typeface="Arial" panose="020B0604020202020204" pitchFamily="34" charset="0"/>
+        <a:buChar char="•"/>
+        <a:defRPr sz="1800" kern="1200">
+          <a:solidFill>
+            <a:schemeClr val="tx1"/>
+          </a:solidFill>
+          <a:latin typeface="+mn-lt"/>
+          <a:ea typeface="+mn-ea"/>
+          <a:cs typeface="+mn-cs"/>
+        </a:defRPr>
+      </a:lvl7pPr>
+      <a:lvl8pPr marL="3429000" indent="-228600" algn="l" defTabSz="914400" rtl="0" eaLnBrk="1" latinLnBrk="0" hangingPunct="1">
+        <a:lnSpc>
+          <a:spcPct val="90000"/>
+        </a:lnSpc>
+        <a:spcBef>
+          <a:spcPts val="500"/>
+        </a:spcBef>
+        <a:buFont typeface="Arial" panose="020B0604020202020204" pitchFamily="34" charset="0"/>
+        <a:buChar char="•"/>
+        <a:defRPr sz="1800" kern="1200">
+          <a:solidFill>
+            <a:schemeClr val="tx1"/>
+          </a:solidFill>
+          <a:latin typeface="+mn-lt"/>
+          <a:ea typeface="+mn-ea"/>
+          <a:cs typeface="+mn-cs"/>
+        </a:defRPr>
+      </a:lvl8pPr>
+      <a:lvl9pPr marL="3886200" indent="-228600" algn="l" defTabSz="914400" rtl="0" eaLnBrk="1" latinLnBrk="0" hangingPunct="1">
+        <a:lnSpc>
+          <a:spcPct val="90000"/>
+        </a:lnSpc>
+        <a:spcBef>
+          <a:spcPts val="500"/>
+        </a:spcBef>
+        <a:buFont typeface="Arial" panose="020B0604020202020204" pitchFamily="34" charset="0"/>
+        <a:buChar char="•"/>
+        <a:defRPr sz="1800" kern="1200">
+          <a:solidFill>
+            <a:schemeClr val="tx1"/>
+          </a:solidFill>
+          <a:latin typeface="+mn-lt"/>
+          <a:ea typeface="+mn-ea"/>
+          <a:cs typeface="+mn-cs"/>
+        </a:defRPr>
+      </a:lvl9pPr>
+    </p:bodyStyle>
+    <p:otherStyle>
+      <a:defPPr>
+        <a:defRPr lang="nb-NO"/>
+      </a:defPPr>
+      <a:lvl1pPr marL="0" algn="l" defTabSz="914400" rtl="0" eaLnBrk="1" latinLnBrk="0" hangingPunct="1">
+        <a:defRPr sz="1800" kern="1200">
+          <a:solidFill>
+            <a:schemeClr val="tx1"/>
+          </a:solidFill>
+          <a:latin typeface="+mn-lt"/>
+          <a:ea typeface="+mn-ea"/>
+          <a:cs typeface="+mn-cs"/>
+        </a:defRPr>
+      </a:lvl1pPr>
+      <a:lvl2pPr marL="457200" algn="l" defTabSz="914400" rtl="0" eaLnBrk="1" latinLnBrk="0" hangingPunct="1">
+        <a:defRPr sz="1800" kern="1200">
+          <a:solidFill>
+            <a:schemeClr val="tx1"/>
+          </a:solidFill>
+          <a:latin typeface="+mn-lt"/>
+          <a:ea typeface="+mn-ea"/>
+          <a:cs typeface="+mn-cs"/>
+        </a:defRPr>
+      </a:lvl2pPr>
+      <a:lvl3pPr marL="914400" algn="l" defTabSz="914400" rtl="0" eaLnBrk="1" latinLnBrk="0" hangingPunct="1">
+        <a:defRPr sz="1800" kern="1200">
+          <a:solidFill>
+            <a:schemeClr val="tx1"/>
+          </a:solidFill>
+          <a:latin typeface="+mn-lt"/>
+          <a:ea typeface="+mn-ea"/>
+          <a:cs typeface="+mn-cs"/>
+        </a:defRPr>
+      </a:lvl3pPr>
+      <a:lvl4pPr marL="1371600" algn="l" defTabSz="914400" rtl="0" eaLnBrk="1" latinLnBrk="0" hangingPunct="1">
+        <a:defRPr sz="1800" kern="1200">
+          <a:solidFill>
+            <a:schemeClr val="tx1"/>
+          </a:solidFill>
+          <a:latin typeface="+mn-lt"/>
+          <a:ea typeface="+mn-ea"/>
+          <a:cs typeface="+mn-cs"/>
+        </a:defRPr>
+      </a:lvl4pPr>
+      <a:lvl5pPr marL="1828800" algn="l" defTabSz="914400" rtl="0" eaLnBrk="1" latinLnBrk="0" hangingPunct="1">
+        <a:defRPr sz="1800" kern="1200">
+          <a:solidFill>
+            <a:schemeClr val="tx1"/>
+          </a:solidFill>
+          <a:latin typeface="+mn-lt"/>
+          <a:ea typeface="+mn-ea"/>
+          <a:cs typeface="+mn-cs"/>
+        </a:defRPr>
+      </a:lvl5pPr>
+      <a:lvl6pPr marL="2286000" algn="l" defTabSz="914400" rtl="0" eaLnBrk="1" latinLnBrk="0" hangingPunct="1">
+        <a:defRPr sz="1800" kern="1200">
+          <a:solidFill>
+            <a:schemeClr val="tx1"/>
+          </a:solidFill>
+          <a:latin typeface="+mn-lt"/>
+          <a:ea typeface="+mn-ea"/>
+          <a:cs typeface="+mn-cs"/>
+        </a:defRPr>
+      </a:lvl6pPr>
+      <a:lvl7pPr marL="2743200" algn="l" defTabSz="914400" rtl="0" eaLnBrk="1" latinLnBrk="0" hangingPunct="1">
+        <a:defRPr sz="1800" kern="1200">
+          <a:solidFill>
+            <a:schemeClr val="tx1"/>
+          </a:solidFill>
+          <a:latin typeface="+mn-lt"/>
+          <a:ea typeface="+mn-ea"/>
+          <a:cs typeface="+mn-cs"/>
+        </a:defRPr>
+      </a:lvl7pPr>
+      <a:lvl8pPr marL="3200400" algn="l" defTabSz="914400" rtl="0" eaLnBrk="1" latinLnBrk="0" hangingPunct="1">
+        <a:defRPr sz="1800" kern="1200">
+          <a:solidFill>
+            <a:schemeClr val="tx1"/>
+          </a:solidFill>
+          <a:latin typeface="+mn-lt"/>
+          <a:ea typeface="+mn-ea"/>
+          <a:cs typeface="+mn-cs"/>
+        </a:defRPr>
+      </a:lvl8pPr>
+      <a:lvl9pPr marL="3657600" algn="l" defTabSz="914400" rtl="0" eaLnBrk="1" latinLnBrk="0" hangingPunct="1">
+        <a:defRPr sz="1800" kern="1200">
+          <a:solidFill>
+            <a:schemeClr val="tx1"/>
+          </a:solidFill>
+          <a:latin typeface="+mn-lt"/>
+          <a:ea typeface="+mn-ea"/>
+          <a:cs typeface="+mn-cs"/>
+        </a:defRPr>
+      </a:lvl9pPr>
+    </p:otherStyle>
+  </p:txStyles>
+</p:sldMaster>
+</file>
+
+<file path=ppt/slideMasters/slideMaster8.xml><?xml version="1.0" encoding="utf-8"?>
+<p:sldMaster xmlns:a="http://schemas.openxmlformats.org/drawingml/2006/main" xmlns:r="http://schemas.openxmlformats.org/officeDocument/2006/relationships" xmlns:p="http://schemas.openxmlformats.org/presentationml/2006/main" preserve="1">
+  <p:cSld>
+    <p:bg>
+      <p:bgPr>
+        <a:solidFill>
+          <a:schemeClr val="tx1"/>
+        </a:solidFill>
+        <a:effectLst/>
+      </p:bgPr>
+    </p:bg>
+    <p:spTree>
+      <p:nvGrpSpPr>
+        <p:cNvPr id="1" name=""/>
+        <p:cNvGrpSpPr/>
+        <p:nvPr/>
+      </p:nvGrpSpPr>
+      <p:grpSpPr>
+        <a:xfrm>
+          <a:off x="0" y="0"/>
+          <a:ext cx="0" cy="0"/>
+          <a:chOff x="0" y="0"/>
+          <a:chExt cx="0" cy="0"/>
+        </a:xfrm>
+      </p:grpSpPr>
+      <p:sp>
+        <p:nvSpPr>
+          <p:cNvPr id="2" name="Plassholder for tittel 1">
+            <a:extLst>
+              <a:ext uri="{FF2B5EF4-FFF2-40B4-BE49-F238E27FC236}">
+                <a16:creationId xmlns:a16="http://schemas.microsoft.com/office/drawing/2014/main" id="{2E8C0A73-398D-4A3C-B82D-9772283DB328}"/>
+              </a:ext>
+            </a:extLst>
+          </p:cNvPr>
+          <p:cNvSpPr>
+            <a:spLocks noGrp="1"/>
+          </p:cNvSpPr>
+          <p:nvPr>
+            <p:ph type="title"/>
+          </p:nvPr>
+        </p:nvSpPr>
+        <p:spPr>
+          <a:xfrm>
+            <a:off x="628650" y="274638"/>
+            <a:ext cx="7886700" cy="993775"/>
+          </a:xfrm>
+          <a:prstGeom prst="rect">
+            <a:avLst/>
+          </a:prstGeom>
+        </p:spPr>
+        <p:txBody>
+          <a:bodyPr vert="horz" lIns="91440" tIns="45720" rIns="91440" bIns="45720" rtlCol="0" anchor="ctr">
+            <a:normAutofit/>
+          </a:bodyPr>
+          <a:lstStyle/>
+          <a:p>
+            <a:r>
+              <a:rPr lang="nb-NO" dirty="0"/>
+              <a:t>Klikk for å redigere tittelstil</a:t>
+            </a:r>
+          </a:p>
+        </p:txBody>
+      </p:sp>
+      <p:sp>
+        <p:nvSpPr>
+          <p:cNvPr id="3" name="Plassholder for tekst 2">
+            <a:extLst>
+              <a:ext uri="{FF2B5EF4-FFF2-40B4-BE49-F238E27FC236}">
+                <a16:creationId xmlns:a16="http://schemas.microsoft.com/office/drawing/2014/main" id="{91E1A558-B24E-41B8-B3D2-F5CBAFF2783C}"/>
+              </a:ext>
+            </a:extLst>
+          </p:cNvPr>
+          <p:cNvSpPr>
+            <a:spLocks noGrp="1"/>
+          </p:cNvSpPr>
+          <p:nvPr>
+            <p:ph type="body" idx="1"/>
+          </p:nvPr>
+        </p:nvSpPr>
+        <p:spPr>
+          <a:xfrm>
+            <a:off x="628650" y="1370013"/>
+            <a:ext cx="7886700" cy="3263900"/>
+          </a:xfrm>
+          <a:prstGeom prst="rect">
+            <a:avLst/>
+          </a:prstGeom>
+        </p:spPr>
+        <p:txBody>
+          <a:bodyPr vert="horz" lIns="91440" tIns="45720" rIns="91440" bIns="45720" rtlCol="0">
+            <a:normAutofit/>
+          </a:bodyPr>
+          <a:lstStyle/>
+          <a:p>
+            <a:pPr lvl="0"/>
+            <a:r>
+              <a:rPr lang="nb-NO" dirty="0"/>
+              <a:t>Klikk for å redigere tekststiler i malen</a:t>
+            </a:r>
+          </a:p>
+          <a:p>
+            <a:pPr lvl="1"/>
+            <a:r>
+              <a:rPr lang="nb-NO" dirty="0"/>
+              <a:t>Andre nivå</a:t>
+            </a:r>
+          </a:p>
+          <a:p>
+            <a:pPr lvl="2"/>
+            <a:r>
+              <a:rPr lang="nb-NO" dirty="0"/>
+              <a:t>Tredje nivå</a:t>
+            </a:r>
+          </a:p>
+          <a:p>
+            <a:pPr lvl="3"/>
+            <a:r>
+              <a:rPr lang="nb-NO" dirty="0"/>
+              <a:t>Fjerde nivå</a:t>
+            </a:r>
+          </a:p>
+          <a:p>
+            <a:pPr lvl="4"/>
+            <a:r>
+              <a:rPr lang="nb-NO" dirty="0"/>
+              <a:t>Femte nivå</a:t>
+            </a:r>
+          </a:p>
+        </p:txBody>
+      </p:sp>
+    </p:spTree>
+    <p:extLst>
+      <p:ext uri="{BB962C8B-B14F-4D97-AF65-F5344CB8AC3E}">
+        <p14:creationId xmlns:p14="http://schemas.microsoft.com/office/powerpoint/2010/main" val="3103808942"/>
+      </p:ext>
+    </p:extLst>
+  </p:cSld>
+  <p:clrMap bg1="dk1" tx1="lt1" bg2="dk2" tx2="lt2" accent1="accent1" accent2="accent2" accent3="accent3" accent4="accent4" accent5="accent5" accent6="accent6" hlink="hlink" folHlink="folHlink"/>
+  <p:sldLayoutIdLst>
+    <p:sldLayoutId id="2147483734" r:id="rId1"/>
+    <p:sldLayoutId id="2147483735" r:id="rId2"/>
+    <p:sldLayoutId id="2147483736" r:id="rId3"/>
   </p:sldLayoutIdLst>
   <p:txStyles>
     <p:titleStyle>
@@ -5583,7 +9633,7 @@
           <a:bodyPr/>
           <a:lstStyle/>
           <a:p>
-            <a:endParaRPr lang="en-US"/>
+            <a:endParaRPr lang="nb-NO"/>
           </a:p>
         </p:txBody>
       </p:sp>
@@ -5948,7 +9998,7 @@
           <p:cNvPr id="2" name="Tittel 1">
             <a:extLst>
               <a:ext uri="{FF2B5EF4-FFF2-40B4-BE49-F238E27FC236}">
-                <a16:creationId xmlns:a16="http://schemas.microsoft.com/office/drawing/2014/main" id="{9C59248C-6EA0-46B3-9D1C-64D41848925F}"/>
+                <a16:creationId xmlns:a16="http://schemas.microsoft.com/office/drawing/2014/main" id="{2B344348-C01F-41B6-B03A-8F922AB27C02}"/>
               </a:ext>
             </a:extLst>
           </p:cNvPr>
@@ -5973,7 +10023,7 @@
           <p:cNvPr id="3" name="Undertittel 2">
             <a:extLst>
               <a:ext uri="{FF2B5EF4-FFF2-40B4-BE49-F238E27FC236}">
-                <a16:creationId xmlns:a16="http://schemas.microsoft.com/office/drawing/2014/main" id="{DC99B221-2798-4937-9634-E59336927476}"/>
+                <a16:creationId xmlns:a16="http://schemas.microsoft.com/office/drawing/2014/main" id="{8A742FD9-EEB3-49BA-BF3C-7A494FCBFACE}"/>
               </a:ext>
             </a:extLst>
           </p:cNvPr>
@@ -5996,87 +10046,7 @@
     </p:spTree>
     <p:extLst>
       <p:ext uri="{BB962C8B-B14F-4D97-AF65-F5344CB8AC3E}">
-        <p14:creationId xmlns:p14="http://schemas.microsoft.com/office/powerpoint/2010/main" val="2702416832"/>
-      </p:ext>
-    </p:extLst>
-  </p:cSld>
-  <p:clrMapOvr>
-    <a:masterClrMapping/>
-  </p:clrMapOvr>
-</p:sld>
-</file>
-
-<file path=ppt/slides/slide8.xml><?xml version="1.0" encoding="utf-8"?>
-<p:sld xmlns:a="http://schemas.openxmlformats.org/drawingml/2006/main" xmlns:r="http://schemas.openxmlformats.org/officeDocument/2006/relationships" xmlns:p="http://schemas.openxmlformats.org/presentationml/2006/main">
-  <p:cSld>
-    <p:spTree>
-      <p:nvGrpSpPr>
-        <p:cNvPr id="1" name=""/>
-        <p:cNvGrpSpPr/>
-        <p:nvPr/>
-      </p:nvGrpSpPr>
-      <p:grpSpPr>
-        <a:xfrm>
-          <a:off x="0" y="0"/>
-          <a:ext cx="0" cy="0"/>
-          <a:chOff x="0" y="0"/>
-          <a:chExt cx="0" cy="0"/>
-        </a:xfrm>
-      </p:grpSpPr>
-      <p:sp>
-        <p:nvSpPr>
-          <p:cNvPr id="2" name="Tittel 1">
-            <a:extLst>
-              <a:ext uri="{FF2B5EF4-FFF2-40B4-BE49-F238E27FC236}">
-                <a16:creationId xmlns:a16="http://schemas.microsoft.com/office/drawing/2014/main" id="{E0B3A3AD-3C2E-451E-BC80-B4D05AC8F05C}"/>
-              </a:ext>
-            </a:extLst>
-          </p:cNvPr>
-          <p:cNvSpPr>
-            <a:spLocks noGrp="1"/>
-          </p:cNvSpPr>
-          <p:nvPr>
-            <p:ph type="ctrTitle"/>
-          </p:nvPr>
-        </p:nvSpPr>
-        <p:spPr/>
-        <p:txBody>
-          <a:bodyPr/>
-          <a:lstStyle/>
-          <a:p>
-            <a:endParaRPr lang="nb-NO" dirty="0"/>
-          </a:p>
-        </p:txBody>
-      </p:sp>
-      <p:sp>
-        <p:nvSpPr>
-          <p:cNvPr id="3" name="Undertittel 2">
-            <a:extLst>
-              <a:ext uri="{FF2B5EF4-FFF2-40B4-BE49-F238E27FC236}">
-                <a16:creationId xmlns:a16="http://schemas.microsoft.com/office/drawing/2014/main" id="{8FFC78ED-6989-4BE3-8C69-9A492DB6D86F}"/>
-              </a:ext>
-            </a:extLst>
-          </p:cNvPr>
-          <p:cNvSpPr>
-            <a:spLocks noGrp="1"/>
-          </p:cNvSpPr>
-          <p:nvPr>
-            <p:ph type="subTitle" idx="1"/>
-          </p:nvPr>
-        </p:nvSpPr>
-        <p:spPr/>
-        <p:txBody>
-          <a:bodyPr/>
-          <a:lstStyle/>
-          <a:p>
-            <a:endParaRPr lang="nb-NO"/>
-          </a:p>
-        </p:txBody>
-      </p:sp>
-    </p:spTree>
-    <p:extLst>
-      <p:ext uri="{BB962C8B-B14F-4D97-AF65-F5344CB8AC3E}">
-        <p14:creationId xmlns:p14="http://schemas.microsoft.com/office/powerpoint/2010/main" val="2807227077"/>
+        <p14:creationId xmlns:p14="http://schemas.microsoft.com/office/powerpoint/2010/main" val="1183695616"/>
       </p:ext>
     </p:extLst>
   </p:cSld>
@@ -6089,7 +10059,7 @@
 <file path=ppt/theme/theme1.xml><?xml version="1.0" encoding="utf-8"?>
 <a:theme xmlns:a="http://schemas.openxmlformats.org/drawingml/2006/main" name="Office-tema">
   <a:themeElements>
-    <a:clrScheme name="Bergen kommune">
+    <a:clrScheme name="Egendefinert 17">
       <a:dk1>
         <a:sysClr val="windowText" lastClr="000000"/>
       </a:dk1>
@@ -6281,7 +10251,7 @@
   <a:extraClrSchemeLst/>
   <a:extLst>
     <a:ext uri="{05A4C25C-085E-4340-85A3-A5531E510DB2}">
-      <thm15:themeFamily xmlns:thm15="http://schemas.microsoft.com/office/thememl/2012/main" name="PP_INFOSKJERM_169_LYS.potx" id="{6A5A436D-2AFF-4FBE-BA0B-F420AE03F615}" vid="{6CE15769-D7B6-407C-9A4F-961DC2ED09A8}"/>
+      <thm15:themeFamily xmlns:thm15="http://schemas.microsoft.com/office/thememl/2012/main" name="PP_INFOSKJERM_169_LYS" id="{652861AD-ED34-4F3E-8992-6F281FE328CF}" vid="{C5F6299A-487F-4C5E-A53D-C6D455B3FCCC}"/>
     </a:ext>
   </a:extLst>
 </a:theme>
@@ -6290,7 +10260,7 @@
 <file path=ppt/theme/theme2.xml><?xml version="1.0" encoding="utf-8"?>
 <a:theme xmlns:a="http://schemas.openxmlformats.org/drawingml/2006/main" name="3_Egendefinert utforming">
   <a:themeElements>
-    <a:clrScheme name="Custom 8">
+    <a:clrScheme name="Egendefinert 31">
       <a:dk1>
         <a:sysClr val="windowText" lastClr="000000"/>
       </a:dk1>
@@ -6319,7 +10289,7 @@
         <a:srgbClr val="117845"/>
       </a:accent5>
       <a:accent6>
-        <a:srgbClr val="EDDC9E"/>
+        <a:srgbClr val="F6EDCE"/>
       </a:accent6>
       <a:hlink>
         <a:srgbClr val="0563C1"/>
@@ -6576,7 +10546,7 @@
   <a:extraClrSchemeLst/>
   <a:extLst>
     <a:ext uri="{05A4C25C-085E-4340-85A3-A5531E510DB2}">
-      <thm15:themeFamily xmlns:thm15="http://schemas.microsoft.com/office/thememl/2012/main" name="PP_INFOSKJERM_169_LYS.potx" id="{6A5A436D-2AFF-4FBE-BA0B-F420AE03F615}" vid="{05D226AF-3EA5-4A30-AD55-0550C96A791D}"/>
+      <thm15:themeFamily xmlns:thm15="http://schemas.microsoft.com/office/thememl/2012/main" name="PP_INFOSKJERM_169_LYS" id="{652861AD-ED34-4F3E-8992-6F281FE328CF}" vid="{B47BC9D8-794A-49A2-9EC6-02D8BBF2D10C}"/>
     </a:ext>
   </a:extLst>
 </a:theme>
@@ -6585,7 +10555,7 @@
 <file path=ppt/theme/theme3.xml><?xml version="1.0" encoding="utf-8"?>
 <a:theme xmlns:a="http://schemas.openxmlformats.org/drawingml/2006/main" name="4_Egendefinert utforming">
   <a:themeElements>
-    <a:clrScheme name="Custom 5">
+    <a:clrScheme name="Egendefinert 30">
       <a:dk1>
         <a:sysClr val="windowText" lastClr="000000"/>
       </a:dk1>
@@ -6614,7 +10584,7 @@
         <a:srgbClr val="117845"/>
       </a:accent5>
       <a:accent6>
-        <a:srgbClr val="EDDC9E"/>
+        <a:srgbClr val="F6EDCE"/>
       </a:accent6>
       <a:hlink>
         <a:srgbClr val="0563C1"/>
@@ -6871,7 +10841,7 @@
   <a:extraClrSchemeLst/>
   <a:extLst>
     <a:ext uri="{05A4C25C-085E-4340-85A3-A5531E510DB2}">
-      <thm15:themeFamily xmlns:thm15="http://schemas.microsoft.com/office/thememl/2012/main" name="PP_INFOSKJERM_169_LYS.potx" id="{6A5A436D-2AFF-4FBE-BA0B-F420AE03F615}" vid="{147C5A8D-3FEC-413C-9BE8-B8335731DAC3}"/>
+      <thm15:themeFamily xmlns:thm15="http://schemas.microsoft.com/office/thememl/2012/main" name="PP_INFOSKJERM_169_LYS" id="{652861AD-ED34-4F3E-8992-6F281FE328CF}" vid="{4CC73D1E-A7E4-4505-A105-4422E2AB04CB}"/>
     </a:ext>
   </a:extLst>
 </a:theme>
@@ -6880,7 +10850,7 @@
 <file path=ppt/theme/theme4.xml><?xml version="1.0" encoding="utf-8"?>
 <a:theme xmlns:a="http://schemas.openxmlformats.org/drawingml/2006/main" name="5_Egendefinert utforming">
   <a:themeElements>
-    <a:clrScheme name="Custom 5">
+    <a:clrScheme name="Egendefinert 29">
       <a:dk1>
         <a:sysClr val="windowText" lastClr="000000"/>
       </a:dk1>
@@ -6909,7 +10879,7 @@
         <a:srgbClr val="117845"/>
       </a:accent5>
       <a:accent6>
-        <a:srgbClr val="EDDC9E"/>
+        <a:srgbClr val="F6EDCE"/>
       </a:accent6>
       <a:hlink>
         <a:srgbClr val="0563C1"/>
@@ -7166,7 +11136,7 @@
   <a:extraClrSchemeLst/>
   <a:extLst>
     <a:ext uri="{05A4C25C-085E-4340-85A3-A5531E510DB2}">
-      <thm15:themeFamily xmlns:thm15="http://schemas.microsoft.com/office/thememl/2012/main" name="PP_INFOSKJERM_169_LYS.potx" id="{6A5A436D-2AFF-4FBE-BA0B-F420AE03F615}" vid="{7ACD7751-817B-4BF7-887B-DF15CA107C80}"/>
+      <thm15:themeFamily xmlns:thm15="http://schemas.microsoft.com/office/thememl/2012/main" name="PP_INFOSKJERM_169_LYS" id="{652861AD-ED34-4F3E-8992-6F281FE328CF}" vid="{B4CFDDE4-F9D0-42DF-AA3F-8F7E9EBAA4D3}"/>
     </a:ext>
   </a:extLst>
 </a:theme>
@@ -7175,7 +11145,597 @@
 <file path=ppt/theme/theme5.xml><?xml version="1.0" encoding="utf-8"?>
 <a:theme xmlns:a="http://schemas.openxmlformats.org/drawingml/2006/main" name="6_Egendefinert utforming">
   <a:themeElements>
-    <a:clrScheme name="Bergen kommune">
+    <a:clrScheme name="Egendefinert 25">
+      <a:dk1>
+        <a:sysClr val="windowText" lastClr="000000"/>
+      </a:dk1>
+      <a:lt1>
+        <a:sysClr val="window" lastClr="FFFFFF"/>
+      </a:lt1>
+      <a:dk2>
+        <a:srgbClr val="DC1E23"/>
+      </a:dk2>
+      <a:lt2>
+        <a:srgbClr val="BF9D23"/>
+      </a:lt2>
+      <a:accent1>
+        <a:srgbClr val="DC1E23"/>
+      </a:accent1>
+      <a:accent2>
+        <a:srgbClr val="BF9D23"/>
+      </a:accent2>
+      <a:accent3>
+        <a:srgbClr val="702C80"/>
+      </a:accent3>
+      <a:accent4>
+        <a:srgbClr val="164B81"/>
+      </a:accent4>
+      <a:accent5>
+        <a:srgbClr val="117845"/>
+      </a:accent5>
+      <a:accent6>
+        <a:srgbClr val="F6EDCE"/>
+      </a:accent6>
+      <a:hlink>
+        <a:srgbClr val="0563C1"/>
+      </a:hlink>
+      <a:folHlink>
+        <a:srgbClr val="954F72"/>
+      </a:folHlink>
+    </a:clrScheme>
+    <a:fontScheme name="Office">
+      <a:majorFont>
+        <a:latin typeface="Calibri Light" panose="020F0302020204030204"/>
+        <a:ea typeface=""/>
+        <a:cs typeface=""/>
+        <a:font script="Jpan" typeface="游ゴシック Light"/>
+        <a:font script="Hang" typeface="맑은 고딕"/>
+        <a:font script="Hans" typeface="等线 Light"/>
+        <a:font script="Hant" typeface="新細明體"/>
+        <a:font script="Arab" typeface="Times New Roman"/>
+        <a:font script="Hebr" typeface="Times New Roman"/>
+        <a:font script="Thai" typeface="Angsana New"/>
+        <a:font script="Ethi" typeface="Nyala"/>
+        <a:font script="Beng" typeface="Vrinda"/>
+        <a:font script="Gujr" typeface="Shruti"/>
+        <a:font script="Khmr" typeface="MoolBoran"/>
+        <a:font script="Knda" typeface="Tunga"/>
+        <a:font script="Guru" typeface="Raavi"/>
+        <a:font script="Cans" typeface="Euphemia"/>
+        <a:font script="Cher" typeface="Plantagenet Cherokee"/>
+        <a:font script="Yiii" typeface="Microsoft Yi Baiti"/>
+        <a:font script="Tibt" typeface="Microsoft Himalaya"/>
+        <a:font script="Thaa" typeface="MV Boli"/>
+        <a:font script="Deva" typeface="Mangal"/>
+        <a:font script="Telu" typeface="Gautami"/>
+        <a:font script="Taml" typeface="Latha"/>
+        <a:font script="Syrc" typeface="Estrangelo Edessa"/>
+        <a:font script="Orya" typeface="Kalinga"/>
+        <a:font script="Mlym" typeface="Kartika"/>
+        <a:font script="Laoo" typeface="DokChampa"/>
+        <a:font script="Sinh" typeface="Iskoola Pota"/>
+        <a:font script="Mong" typeface="Mongolian Baiti"/>
+        <a:font script="Viet" typeface="Times New Roman"/>
+        <a:font script="Uigh" typeface="Microsoft Uighur"/>
+        <a:font script="Geor" typeface="Sylfaen"/>
+        <a:font script="Armn" typeface="Arial"/>
+        <a:font script="Bugi" typeface="Leelawadee UI"/>
+        <a:font script="Bopo" typeface="Microsoft JhengHei"/>
+        <a:font script="Java" typeface="Javanese Text"/>
+        <a:font script="Lisu" typeface="Segoe UI"/>
+        <a:font script="Mymr" typeface="Myanmar Text"/>
+        <a:font script="Nkoo" typeface="Ebrima"/>
+        <a:font script="Olck" typeface="Nirmala UI"/>
+        <a:font script="Osma" typeface="Ebrima"/>
+        <a:font script="Phag" typeface="Phagspa"/>
+        <a:font script="Syrn" typeface="Estrangelo Edessa"/>
+        <a:font script="Syrj" typeface="Estrangelo Edessa"/>
+        <a:font script="Syre" typeface="Estrangelo Edessa"/>
+        <a:font script="Sora" typeface="Nirmala UI"/>
+        <a:font script="Tale" typeface="Microsoft Tai Le"/>
+        <a:font script="Talu" typeface="Microsoft New Tai Lue"/>
+        <a:font script="Tfng" typeface="Ebrima"/>
+      </a:majorFont>
+      <a:minorFont>
+        <a:latin typeface="Calibri" panose="020F0502020204030204"/>
+        <a:ea typeface=""/>
+        <a:cs typeface=""/>
+        <a:font script="Jpan" typeface="游ゴシック"/>
+        <a:font script="Hang" typeface="맑은 고딕"/>
+        <a:font script="Hans" typeface="等线"/>
+        <a:font script="Hant" typeface="新細明體"/>
+        <a:font script="Arab" typeface="Arial"/>
+        <a:font script="Hebr" typeface="Arial"/>
+        <a:font script="Thai" typeface="Cordia New"/>
+        <a:font script="Ethi" typeface="Nyala"/>
+        <a:font script="Beng" typeface="Vrinda"/>
+        <a:font script="Gujr" typeface="Shruti"/>
+        <a:font script="Khmr" typeface="DaunPenh"/>
+        <a:font script="Knda" typeface="Tunga"/>
+        <a:font script="Guru" typeface="Raavi"/>
+        <a:font script="Cans" typeface="Euphemia"/>
+        <a:font script="Cher" typeface="Plantagenet Cherokee"/>
+        <a:font script="Yiii" typeface="Microsoft Yi Baiti"/>
+        <a:font script="Tibt" typeface="Microsoft Himalaya"/>
+        <a:font script="Thaa" typeface="MV Boli"/>
+        <a:font script="Deva" typeface="Mangal"/>
+        <a:font script="Telu" typeface="Gautami"/>
+        <a:font script="Taml" typeface="Latha"/>
+        <a:font script="Syrc" typeface="Estrangelo Edessa"/>
+        <a:font script="Orya" typeface="Kalinga"/>
+        <a:font script="Mlym" typeface="Kartika"/>
+        <a:font script="Laoo" typeface="DokChampa"/>
+        <a:font script="Sinh" typeface="Iskoola Pota"/>
+        <a:font script="Mong" typeface="Mongolian Baiti"/>
+        <a:font script="Viet" typeface="Arial"/>
+        <a:font script="Uigh" typeface="Microsoft Uighur"/>
+        <a:font script="Geor" typeface="Sylfaen"/>
+        <a:font script="Armn" typeface="Arial"/>
+        <a:font script="Bugi" typeface="Leelawadee UI"/>
+        <a:font script="Bopo" typeface="Microsoft JhengHei"/>
+        <a:font script="Java" typeface="Javanese Text"/>
+        <a:font script="Lisu" typeface="Segoe UI"/>
+        <a:font script="Mymr" typeface="Myanmar Text"/>
+        <a:font script="Nkoo" typeface="Ebrima"/>
+        <a:font script="Olck" typeface="Nirmala UI"/>
+        <a:font script="Osma" typeface="Ebrima"/>
+        <a:font script="Phag" typeface="Phagspa"/>
+        <a:font script="Syrn" typeface="Estrangelo Edessa"/>
+        <a:font script="Syrj" typeface="Estrangelo Edessa"/>
+        <a:font script="Syre" typeface="Estrangelo Edessa"/>
+        <a:font script="Sora" typeface="Nirmala UI"/>
+        <a:font script="Tale" typeface="Microsoft Tai Le"/>
+        <a:font script="Talu" typeface="Microsoft New Tai Lue"/>
+        <a:font script="Tfng" typeface="Ebrima"/>
+      </a:minorFont>
+    </a:fontScheme>
+    <a:fmtScheme name="Office">
+      <a:fillStyleLst>
+        <a:solidFill>
+          <a:schemeClr val="phClr"/>
+        </a:solidFill>
+        <a:gradFill rotWithShape="1">
+          <a:gsLst>
+            <a:gs pos="0">
+              <a:schemeClr val="phClr">
+                <a:lumMod val="110000"/>
+                <a:satMod val="105000"/>
+                <a:tint val="67000"/>
+              </a:schemeClr>
+            </a:gs>
+            <a:gs pos="50000">
+              <a:schemeClr val="phClr">
+                <a:lumMod val="105000"/>
+                <a:satMod val="103000"/>
+                <a:tint val="73000"/>
+              </a:schemeClr>
+            </a:gs>
+            <a:gs pos="100000">
+              <a:schemeClr val="phClr">
+                <a:lumMod val="105000"/>
+                <a:satMod val="109000"/>
+                <a:tint val="81000"/>
+              </a:schemeClr>
+            </a:gs>
+          </a:gsLst>
+          <a:lin ang="5400000" scaled="0"/>
+        </a:gradFill>
+        <a:gradFill rotWithShape="1">
+          <a:gsLst>
+            <a:gs pos="0">
+              <a:schemeClr val="phClr">
+                <a:satMod val="103000"/>
+                <a:lumMod val="102000"/>
+                <a:tint val="94000"/>
+              </a:schemeClr>
+            </a:gs>
+            <a:gs pos="50000">
+              <a:schemeClr val="phClr">
+                <a:satMod val="110000"/>
+                <a:lumMod val="100000"/>
+                <a:shade val="100000"/>
+              </a:schemeClr>
+            </a:gs>
+            <a:gs pos="100000">
+              <a:schemeClr val="phClr">
+                <a:lumMod val="99000"/>
+                <a:satMod val="120000"/>
+                <a:shade val="78000"/>
+              </a:schemeClr>
+            </a:gs>
+          </a:gsLst>
+          <a:lin ang="5400000" scaled="0"/>
+        </a:gradFill>
+      </a:fillStyleLst>
+      <a:lnStyleLst>
+        <a:ln w="6350" cap="flat" cmpd="sng" algn="ctr">
+          <a:solidFill>
+            <a:schemeClr val="phClr"/>
+          </a:solidFill>
+          <a:prstDash val="solid"/>
+          <a:miter lim="800000"/>
+        </a:ln>
+        <a:ln w="12700" cap="flat" cmpd="sng" algn="ctr">
+          <a:solidFill>
+            <a:schemeClr val="phClr"/>
+          </a:solidFill>
+          <a:prstDash val="solid"/>
+          <a:miter lim="800000"/>
+        </a:ln>
+        <a:ln w="19050" cap="flat" cmpd="sng" algn="ctr">
+          <a:solidFill>
+            <a:schemeClr val="phClr"/>
+          </a:solidFill>
+          <a:prstDash val="solid"/>
+          <a:miter lim="800000"/>
+        </a:ln>
+      </a:lnStyleLst>
+      <a:effectStyleLst>
+        <a:effectStyle>
+          <a:effectLst/>
+        </a:effectStyle>
+        <a:effectStyle>
+          <a:effectLst/>
+        </a:effectStyle>
+        <a:effectStyle>
+          <a:effectLst>
+            <a:outerShdw blurRad="57150" dist="19050" dir="5400000" algn="ctr" rotWithShape="0">
+              <a:srgbClr val="000000">
+                <a:alpha val="63000"/>
+              </a:srgbClr>
+            </a:outerShdw>
+          </a:effectLst>
+        </a:effectStyle>
+      </a:effectStyleLst>
+      <a:bgFillStyleLst>
+        <a:solidFill>
+          <a:schemeClr val="phClr"/>
+        </a:solidFill>
+        <a:solidFill>
+          <a:schemeClr val="phClr">
+            <a:tint val="95000"/>
+            <a:satMod val="170000"/>
+          </a:schemeClr>
+        </a:solidFill>
+        <a:gradFill rotWithShape="1">
+          <a:gsLst>
+            <a:gs pos="0">
+              <a:schemeClr val="phClr">
+                <a:tint val="93000"/>
+                <a:satMod val="150000"/>
+                <a:shade val="98000"/>
+                <a:lumMod val="102000"/>
+              </a:schemeClr>
+            </a:gs>
+            <a:gs pos="50000">
+              <a:schemeClr val="phClr">
+                <a:tint val="98000"/>
+                <a:satMod val="130000"/>
+                <a:shade val="90000"/>
+                <a:lumMod val="103000"/>
+              </a:schemeClr>
+            </a:gs>
+            <a:gs pos="100000">
+              <a:schemeClr val="phClr">
+                <a:shade val="63000"/>
+                <a:satMod val="120000"/>
+              </a:schemeClr>
+            </a:gs>
+          </a:gsLst>
+          <a:lin ang="5400000" scaled="0"/>
+        </a:gradFill>
+      </a:bgFillStyleLst>
+    </a:fmtScheme>
+  </a:themeElements>
+  <a:objectDefaults/>
+  <a:extraClrSchemeLst/>
+  <a:extLst>
+    <a:ext uri="{05A4C25C-085E-4340-85A3-A5531E510DB2}">
+      <thm15:themeFamily xmlns:thm15="http://schemas.microsoft.com/office/thememl/2012/main" name="PP_INFOSKJERM_169_LYS" id="{652861AD-ED34-4F3E-8992-6F281FE328CF}" vid="{B018C602-8F1D-4FAC-8817-24D87B0B7ED4}"/>
+    </a:ext>
+  </a:extLst>
+</a:theme>
+</file>
+
+<file path=ppt/theme/theme6.xml><?xml version="1.0" encoding="utf-8"?>
+<a:theme xmlns:a="http://schemas.openxmlformats.org/drawingml/2006/main" name="7_Egendefinert utforming">
+  <a:themeElements>
+    <a:clrScheme name="Egendefinert 26">
+      <a:dk1>
+        <a:sysClr val="windowText" lastClr="000000"/>
+      </a:dk1>
+      <a:lt1>
+        <a:sysClr val="window" lastClr="FFFFFF"/>
+      </a:lt1>
+      <a:dk2>
+        <a:srgbClr val="DC1E23"/>
+      </a:dk2>
+      <a:lt2>
+        <a:srgbClr val="BF9D23"/>
+      </a:lt2>
+      <a:accent1>
+        <a:srgbClr val="DC1E23"/>
+      </a:accent1>
+      <a:accent2>
+        <a:srgbClr val="BF9D23"/>
+      </a:accent2>
+      <a:accent3>
+        <a:srgbClr val="702C80"/>
+      </a:accent3>
+      <a:accent4>
+        <a:srgbClr val="164B81"/>
+      </a:accent4>
+      <a:accent5>
+        <a:srgbClr val="117845"/>
+      </a:accent5>
+      <a:accent6>
+        <a:srgbClr val="F6EDCE"/>
+      </a:accent6>
+      <a:hlink>
+        <a:srgbClr val="0563C1"/>
+      </a:hlink>
+      <a:folHlink>
+        <a:srgbClr val="954F72"/>
+      </a:folHlink>
+    </a:clrScheme>
+    <a:fontScheme name="Office">
+      <a:majorFont>
+        <a:latin typeface="Calibri Light" panose="020F0302020204030204"/>
+        <a:ea typeface=""/>
+        <a:cs typeface=""/>
+        <a:font script="Jpan" typeface="游ゴシック Light"/>
+        <a:font script="Hang" typeface="맑은 고딕"/>
+        <a:font script="Hans" typeface="等线 Light"/>
+        <a:font script="Hant" typeface="新細明體"/>
+        <a:font script="Arab" typeface="Times New Roman"/>
+        <a:font script="Hebr" typeface="Times New Roman"/>
+        <a:font script="Thai" typeface="Angsana New"/>
+        <a:font script="Ethi" typeface="Nyala"/>
+        <a:font script="Beng" typeface="Vrinda"/>
+        <a:font script="Gujr" typeface="Shruti"/>
+        <a:font script="Khmr" typeface="MoolBoran"/>
+        <a:font script="Knda" typeface="Tunga"/>
+        <a:font script="Guru" typeface="Raavi"/>
+        <a:font script="Cans" typeface="Euphemia"/>
+        <a:font script="Cher" typeface="Plantagenet Cherokee"/>
+        <a:font script="Yiii" typeface="Microsoft Yi Baiti"/>
+        <a:font script="Tibt" typeface="Microsoft Himalaya"/>
+        <a:font script="Thaa" typeface="MV Boli"/>
+        <a:font script="Deva" typeface="Mangal"/>
+        <a:font script="Telu" typeface="Gautami"/>
+        <a:font script="Taml" typeface="Latha"/>
+        <a:font script="Syrc" typeface="Estrangelo Edessa"/>
+        <a:font script="Orya" typeface="Kalinga"/>
+        <a:font script="Mlym" typeface="Kartika"/>
+        <a:font script="Laoo" typeface="DokChampa"/>
+        <a:font script="Sinh" typeface="Iskoola Pota"/>
+        <a:font script="Mong" typeface="Mongolian Baiti"/>
+        <a:font script="Viet" typeface="Times New Roman"/>
+        <a:font script="Uigh" typeface="Microsoft Uighur"/>
+        <a:font script="Geor" typeface="Sylfaen"/>
+        <a:font script="Armn" typeface="Arial"/>
+        <a:font script="Bugi" typeface="Leelawadee UI"/>
+        <a:font script="Bopo" typeface="Microsoft JhengHei"/>
+        <a:font script="Java" typeface="Javanese Text"/>
+        <a:font script="Lisu" typeface="Segoe UI"/>
+        <a:font script="Mymr" typeface="Myanmar Text"/>
+        <a:font script="Nkoo" typeface="Ebrima"/>
+        <a:font script="Olck" typeface="Nirmala UI"/>
+        <a:font script="Osma" typeface="Ebrima"/>
+        <a:font script="Phag" typeface="Phagspa"/>
+        <a:font script="Syrn" typeface="Estrangelo Edessa"/>
+        <a:font script="Syrj" typeface="Estrangelo Edessa"/>
+        <a:font script="Syre" typeface="Estrangelo Edessa"/>
+        <a:font script="Sora" typeface="Nirmala UI"/>
+        <a:font script="Tale" typeface="Microsoft Tai Le"/>
+        <a:font script="Talu" typeface="Microsoft New Tai Lue"/>
+        <a:font script="Tfng" typeface="Ebrima"/>
+      </a:majorFont>
+      <a:minorFont>
+        <a:latin typeface="Calibri" panose="020F0502020204030204"/>
+        <a:ea typeface=""/>
+        <a:cs typeface=""/>
+        <a:font script="Jpan" typeface="游ゴシック"/>
+        <a:font script="Hang" typeface="맑은 고딕"/>
+        <a:font script="Hans" typeface="等线"/>
+        <a:font script="Hant" typeface="新細明體"/>
+        <a:font script="Arab" typeface="Arial"/>
+        <a:font script="Hebr" typeface="Arial"/>
+        <a:font script="Thai" typeface="Cordia New"/>
+        <a:font script="Ethi" typeface="Nyala"/>
+        <a:font script="Beng" typeface="Vrinda"/>
+        <a:font script="Gujr" typeface="Shruti"/>
+        <a:font script="Khmr" typeface="DaunPenh"/>
+        <a:font script="Knda" typeface="Tunga"/>
+        <a:font script="Guru" typeface="Raavi"/>
+        <a:font script="Cans" typeface="Euphemia"/>
+        <a:font script="Cher" typeface="Plantagenet Cherokee"/>
+        <a:font script="Yiii" typeface="Microsoft Yi Baiti"/>
+        <a:font script="Tibt" typeface="Microsoft Himalaya"/>
+        <a:font script="Thaa" typeface="MV Boli"/>
+        <a:font script="Deva" typeface="Mangal"/>
+        <a:font script="Telu" typeface="Gautami"/>
+        <a:font script="Taml" typeface="Latha"/>
+        <a:font script="Syrc" typeface="Estrangelo Edessa"/>
+        <a:font script="Orya" typeface="Kalinga"/>
+        <a:font script="Mlym" typeface="Kartika"/>
+        <a:font script="Laoo" typeface="DokChampa"/>
+        <a:font script="Sinh" typeface="Iskoola Pota"/>
+        <a:font script="Mong" typeface="Mongolian Baiti"/>
+        <a:font script="Viet" typeface="Arial"/>
+        <a:font script="Uigh" typeface="Microsoft Uighur"/>
+        <a:font script="Geor" typeface="Sylfaen"/>
+        <a:font script="Armn" typeface="Arial"/>
+        <a:font script="Bugi" typeface="Leelawadee UI"/>
+        <a:font script="Bopo" typeface="Microsoft JhengHei"/>
+        <a:font script="Java" typeface="Javanese Text"/>
+        <a:font script="Lisu" typeface="Segoe UI"/>
+        <a:font script="Mymr" typeface="Myanmar Text"/>
+        <a:font script="Nkoo" typeface="Ebrima"/>
+        <a:font script="Olck" typeface="Nirmala UI"/>
+        <a:font script="Osma" typeface="Ebrima"/>
+        <a:font script="Phag" typeface="Phagspa"/>
+        <a:font script="Syrn" typeface="Estrangelo Edessa"/>
+        <a:font script="Syrj" typeface="Estrangelo Edessa"/>
+        <a:font script="Syre" typeface="Estrangelo Edessa"/>
+        <a:font script="Sora" typeface="Nirmala UI"/>
+        <a:font script="Tale" typeface="Microsoft Tai Le"/>
+        <a:font script="Talu" typeface="Microsoft New Tai Lue"/>
+        <a:font script="Tfng" typeface="Ebrima"/>
+      </a:minorFont>
+    </a:fontScheme>
+    <a:fmtScheme name="Office">
+      <a:fillStyleLst>
+        <a:solidFill>
+          <a:schemeClr val="phClr"/>
+        </a:solidFill>
+        <a:gradFill rotWithShape="1">
+          <a:gsLst>
+            <a:gs pos="0">
+              <a:schemeClr val="phClr">
+                <a:lumMod val="110000"/>
+                <a:satMod val="105000"/>
+                <a:tint val="67000"/>
+              </a:schemeClr>
+            </a:gs>
+            <a:gs pos="50000">
+              <a:schemeClr val="phClr">
+                <a:lumMod val="105000"/>
+                <a:satMod val="103000"/>
+                <a:tint val="73000"/>
+              </a:schemeClr>
+            </a:gs>
+            <a:gs pos="100000">
+              <a:schemeClr val="phClr">
+                <a:lumMod val="105000"/>
+                <a:satMod val="109000"/>
+                <a:tint val="81000"/>
+              </a:schemeClr>
+            </a:gs>
+          </a:gsLst>
+          <a:lin ang="5400000" scaled="0"/>
+        </a:gradFill>
+        <a:gradFill rotWithShape="1">
+          <a:gsLst>
+            <a:gs pos="0">
+              <a:schemeClr val="phClr">
+                <a:satMod val="103000"/>
+                <a:lumMod val="102000"/>
+                <a:tint val="94000"/>
+              </a:schemeClr>
+            </a:gs>
+            <a:gs pos="50000">
+              <a:schemeClr val="phClr">
+                <a:satMod val="110000"/>
+                <a:lumMod val="100000"/>
+                <a:shade val="100000"/>
+              </a:schemeClr>
+            </a:gs>
+            <a:gs pos="100000">
+              <a:schemeClr val="phClr">
+                <a:lumMod val="99000"/>
+                <a:satMod val="120000"/>
+                <a:shade val="78000"/>
+              </a:schemeClr>
+            </a:gs>
+          </a:gsLst>
+          <a:lin ang="5400000" scaled="0"/>
+        </a:gradFill>
+      </a:fillStyleLst>
+      <a:lnStyleLst>
+        <a:ln w="6350" cap="flat" cmpd="sng" algn="ctr">
+          <a:solidFill>
+            <a:schemeClr val="phClr"/>
+          </a:solidFill>
+          <a:prstDash val="solid"/>
+          <a:miter lim="800000"/>
+        </a:ln>
+        <a:ln w="12700" cap="flat" cmpd="sng" algn="ctr">
+          <a:solidFill>
+            <a:schemeClr val="phClr"/>
+          </a:solidFill>
+          <a:prstDash val="solid"/>
+          <a:miter lim="800000"/>
+        </a:ln>
+        <a:ln w="19050" cap="flat" cmpd="sng" algn="ctr">
+          <a:solidFill>
+            <a:schemeClr val="phClr"/>
+          </a:solidFill>
+          <a:prstDash val="solid"/>
+          <a:miter lim="800000"/>
+        </a:ln>
+      </a:lnStyleLst>
+      <a:effectStyleLst>
+        <a:effectStyle>
+          <a:effectLst/>
+        </a:effectStyle>
+        <a:effectStyle>
+          <a:effectLst/>
+        </a:effectStyle>
+        <a:effectStyle>
+          <a:effectLst>
+            <a:outerShdw blurRad="57150" dist="19050" dir="5400000" algn="ctr" rotWithShape="0">
+              <a:srgbClr val="000000">
+                <a:alpha val="63000"/>
+              </a:srgbClr>
+            </a:outerShdw>
+          </a:effectLst>
+        </a:effectStyle>
+      </a:effectStyleLst>
+      <a:bgFillStyleLst>
+        <a:solidFill>
+          <a:schemeClr val="phClr"/>
+        </a:solidFill>
+        <a:solidFill>
+          <a:schemeClr val="phClr">
+            <a:tint val="95000"/>
+            <a:satMod val="170000"/>
+          </a:schemeClr>
+        </a:solidFill>
+        <a:gradFill rotWithShape="1">
+          <a:gsLst>
+            <a:gs pos="0">
+              <a:schemeClr val="phClr">
+                <a:tint val="93000"/>
+                <a:satMod val="150000"/>
+                <a:shade val="98000"/>
+                <a:lumMod val="102000"/>
+              </a:schemeClr>
+            </a:gs>
+            <a:gs pos="50000">
+              <a:schemeClr val="phClr">
+                <a:tint val="98000"/>
+                <a:satMod val="130000"/>
+                <a:shade val="90000"/>
+                <a:lumMod val="103000"/>
+              </a:schemeClr>
+            </a:gs>
+            <a:gs pos="100000">
+              <a:schemeClr val="phClr">
+                <a:shade val="63000"/>
+                <a:satMod val="120000"/>
+              </a:schemeClr>
+            </a:gs>
+          </a:gsLst>
+          <a:lin ang="5400000" scaled="0"/>
+        </a:gradFill>
+      </a:bgFillStyleLst>
+    </a:fmtScheme>
+  </a:themeElements>
+  <a:objectDefaults/>
+  <a:extraClrSchemeLst/>
+  <a:extLst>
+    <a:ext uri="{05A4C25C-085E-4340-85A3-A5531E510DB2}">
+      <thm15:themeFamily xmlns:thm15="http://schemas.microsoft.com/office/thememl/2012/main" name="PP_INFOSKJERM_169_LYS" id="{652861AD-ED34-4F3E-8992-6F281FE328CF}" vid="{CEE38EEB-EDA3-4556-BF1A-3B3610C46543}"/>
+    </a:ext>
+  </a:extLst>
+</a:theme>
+</file>
+
+<file path=ppt/theme/theme7.xml><?xml version="1.0" encoding="utf-8"?>
+<a:theme xmlns:a="http://schemas.openxmlformats.org/drawingml/2006/main" name="8_Egendefinert utforming">
+  <a:themeElements>
+    <a:clrScheme name="Egendefinert 27">
       <a:dk1>
         <a:sysClr val="windowText" lastClr="000000"/>
       </a:dk1>
@@ -7461,13 +12021,308 @@
   <a:extraClrSchemeLst/>
   <a:extLst>
     <a:ext uri="{05A4C25C-085E-4340-85A3-A5531E510DB2}">
-      <thm15:themeFamily xmlns:thm15="http://schemas.microsoft.com/office/thememl/2012/main" name="PP_INFOSKJERM_169_LYS.potx" id="{6A5A436D-2AFF-4FBE-BA0B-F420AE03F615}" vid="{AB1D9F0E-1EEE-46AC-BF70-F24D30566696}"/>
+      <thm15:themeFamily xmlns:thm15="http://schemas.microsoft.com/office/thememl/2012/main" name="PP_INFOSKJERM_169_LYS" id="{652861AD-ED34-4F3E-8992-6F281FE328CF}" vid="{C08F5FFC-D48B-4A85-8E33-089B22973DB6}"/>
     </a:ext>
   </a:extLst>
 </a:theme>
 </file>
 
-<file path=ppt/theme/theme6.xml><?xml version="1.0" encoding="utf-8"?>
+<file path=ppt/theme/theme8.xml><?xml version="1.0" encoding="utf-8"?>
+<a:theme xmlns:a="http://schemas.openxmlformats.org/drawingml/2006/main" name="9_Egendefinert utforming">
+  <a:themeElements>
+    <a:clrScheme name="Egendefinert 28">
+      <a:dk1>
+        <a:sysClr val="windowText" lastClr="000000"/>
+      </a:dk1>
+      <a:lt1>
+        <a:sysClr val="window" lastClr="FFFFFF"/>
+      </a:lt1>
+      <a:dk2>
+        <a:srgbClr val="DC1E23"/>
+      </a:dk2>
+      <a:lt2>
+        <a:srgbClr val="F2F2F2"/>
+      </a:lt2>
+      <a:accent1>
+        <a:srgbClr val="DC1E23"/>
+      </a:accent1>
+      <a:accent2>
+        <a:srgbClr val="164B81"/>
+      </a:accent2>
+      <a:accent3>
+        <a:srgbClr val="702C80"/>
+      </a:accent3>
+      <a:accent4>
+        <a:srgbClr val="BF9D23"/>
+      </a:accent4>
+      <a:accent5>
+        <a:srgbClr val="F6EDCE"/>
+      </a:accent5>
+      <a:accent6>
+        <a:srgbClr val="117845"/>
+      </a:accent6>
+      <a:hlink>
+        <a:srgbClr val="164B81"/>
+      </a:hlink>
+      <a:folHlink>
+        <a:srgbClr val="702C80"/>
+      </a:folHlink>
+    </a:clrScheme>
+    <a:fontScheme name="Office">
+      <a:majorFont>
+        <a:latin typeface="Calibri Light" panose="020F0302020204030204"/>
+        <a:ea typeface=""/>
+        <a:cs typeface=""/>
+        <a:font script="Jpan" typeface="游ゴシック Light"/>
+        <a:font script="Hang" typeface="맑은 고딕"/>
+        <a:font script="Hans" typeface="等线 Light"/>
+        <a:font script="Hant" typeface="新細明體"/>
+        <a:font script="Arab" typeface="Times New Roman"/>
+        <a:font script="Hebr" typeface="Times New Roman"/>
+        <a:font script="Thai" typeface="Angsana New"/>
+        <a:font script="Ethi" typeface="Nyala"/>
+        <a:font script="Beng" typeface="Vrinda"/>
+        <a:font script="Gujr" typeface="Shruti"/>
+        <a:font script="Khmr" typeface="MoolBoran"/>
+        <a:font script="Knda" typeface="Tunga"/>
+        <a:font script="Guru" typeface="Raavi"/>
+        <a:font script="Cans" typeface="Euphemia"/>
+        <a:font script="Cher" typeface="Plantagenet Cherokee"/>
+        <a:font script="Yiii" typeface="Microsoft Yi Baiti"/>
+        <a:font script="Tibt" typeface="Microsoft Himalaya"/>
+        <a:font script="Thaa" typeface="MV Boli"/>
+        <a:font script="Deva" typeface="Mangal"/>
+        <a:font script="Telu" typeface="Gautami"/>
+        <a:font script="Taml" typeface="Latha"/>
+        <a:font script="Syrc" typeface="Estrangelo Edessa"/>
+        <a:font script="Orya" typeface="Kalinga"/>
+        <a:font script="Mlym" typeface="Kartika"/>
+        <a:font script="Laoo" typeface="DokChampa"/>
+        <a:font script="Sinh" typeface="Iskoola Pota"/>
+        <a:font script="Mong" typeface="Mongolian Baiti"/>
+        <a:font script="Viet" typeface="Times New Roman"/>
+        <a:font script="Uigh" typeface="Microsoft Uighur"/>
+        <a:font script="Geor" typeface="Sylfaen"/>
+        <a:font script="Armn" typeface="Arial"/>
+        <a:font script="Bugi" typeface="Leelawadee UI"/>
+        <a:font script="Bopo" typeface="Microsoft JhengHei"/>
+        <a:font script="Java" typeface="Javanese Text"/>
+        <a:font script="Lisu" typeface="Segoe UI"/>
+        <a:font script="Mymr" typeface="Myanmar Text"/>
+        <a:font script="Nkoo" typeface="Ebrima"/>
+        <a:font script="Olck" typeface="Nirmala UI"/>
+        <a:font script="Osma" typeface="Ebrima"/>
+        <a:font script="Phag" typeface="Phagspa"/>
+        <a:font script="Syrn" typeface="Estrangelo Edessa"/>
+        <a:font script="Syrj" typeface="Estrangelo Edessa"/>
+        <a:font script="Syre" typeface="Estrangelo Edessa"/>
+        <a:font script="Sora" typeface="Nirmala UI"/>
+        <a:font script="Tale" typeface="Microsoft Tai Le"/>
+        <a:font script="Talu" typeface="Microsoft New Tai Lue"/>
+        <a:font script="Tfng" typeface="Ebrima"/>
+      </a:majorFont>
+      <a:minorFont>
+        <a:latin typeface="Calibri" panose="020F0502020204030204"/>
+        <a:ea typeface=""/>
+        <a:cs typeface=""/>
+        <a:font script="Jpan" typeface="游ゴシック"/>
+        <a:font script="Hang" typeface="맑은 고딕"/>
+        <a:font script="Hans" typeface="等线"/>
+        <a:font script="Hant" typeface="新細明體"/>
+        <a:font script="Arab" typeface="Arial"/>
+        <a:font script="Hebr" typeface="Arial"/>
+        <a:font script="Thai" typeface="Cordia New"/>
+        <a:font script="Ethi" typeface="Nyala"/>
+        <a:font script="Beng" typeface="Vrinda"/>
+        <a:font script="Gujr" typeface="Shruti"/>
+        <a:font script="Khmr" typeface="DaunPenh"/>
+        <a:font script="Knda" typeface="Tunga"/>
+        <a:font script="Guru" typeface="Raavi"/>
+        <a:font script="Cans" typeface="Euphemia"/>
+        <a:font script="Cher" typeface="Plantagenet Cherokee"/>
+        <a:font script="Yiii" typeface="Microsoft Yi Baiti"/>
+        <a:font script="Tibt" typeface="Microsoft Himalaya"/>
+        <a:font script="Thaa" typeface="MV Boli"/>
+        <a:font script="Deva" typeface="Mangal"/>
+        <a:font script="Telu" typeface="Gautami"/>
+        <a:font script="Taml" typeface="Latha"/>
+        <a:font script="Syrc" typeface="Estrangelo Edessa"/>
+        <a:font script="Orya" typeface="Kalinga"/>
+        <a:font script="Mlym" typeface="Kartika"/>
+        <a:font script="Laoo" typeface="DokChampa"/>
+        <a:font script="Sinh" typeface="Iskoola Pota"/>
+        <a:font script="Mong" typeface="Mongolian Baiti"/>
+        <a:font script="Viet" typeface="Arial"/>
+        <a:font script="Uigh" typeface="Microsoft Uighur"/>
+        <a:font script="Geor" typeface="Sylfaen"/>
+        <a:font script="Armn" typeface="Arial"/>
+        <a:font script="Bugi" typeface="Leelawadee UI"/>
+        <a:font script="Bopo" typeface="Microsoft JhengHei"/>
+        <a:font script="Java" typeface="Javanese Text"/>
+        <a:font script="Lisu" typeface="Segoe UI"/>
+        <a:font script="Mymr" typeface="Myanmar Text"/>
+        <a:font script="Nkoo" typeface="Ebrima"/>
+        <a:font script="Olck" typeface="Nirmala UI"/>
+        <a:font script="Osma" typeface="Ebrima"/>
+        <a:font script="Phag" typeface="Phagspa"/>
+        <a:font script="Syrn" typeface="Estrangelo Edessa"/>
+        <a:font script="Syrj" typeface="Estrangelo Edessa"/>
+        <a:font script="Syre" typeface="Estrangelo Edessa"/>
+        <a:font script="Sora" typeface="Nirmala UI"/>
+        <a:font script="Tale" typeface="Microsoft Tai Le"/>
+        <a:font script="Talu" typeface="Microsoft New Tai Lue"/>
+        <a:font script="Tfng" typeface="Ebrima"/>
+      </a:minorFont>
+    </a:fontScheme>
+    <a:fmtScheme name="Office">
+      <a:fillStyleLst>
+        <a:solidFill>
+          <a:schemeClr val="phClr"/>
+        </a:solidFill>
+        <a:gradFill rotWithShape="1">
+          <a:gsLst>
+            <a:gs pos="0">
+              <a:schemeClr val="phClr">
+                <a:lumMod val="110000"/>
+                <a:satMod val="105000"/>
+                <a:tint val="67000"/>
+              </a:schemeClr>
+            </a:gs>
+            <a:gs pos="50000">
+              <a:schemeClr val="phClr">
+                <a:lumMod val="105000"/>
+                <a:satMod val="103000"/>
+                <a:tint val="73000"/>
+              </a:schemeClr>
+            </a:gs>
+            <a:gs pos="100000">
+              <a:schemeClr val="phClr">
+                <a:lumMod val="105000"/>
+                <a:satMod val="109000"/>
+                <a:tint val="81000"/>
+              </a:schemeClr>
+            </a:gs>
+          </a:gsLst>
+          <a:lin ang="5400000" scaled="0"/>
+        </a:gradFill>
+        <a:gradFill rotWithShape="1">
+          <a:gsLst>
+            <a:gs pos="0">
+              <a:schemeClr val="phClr">
+                <a:satMod val="103000"/>
+                <a:lumMod val="102000"/>
+                <a:tint val="94000"/>
+              </a:schemeClr>
+            </a:gs>
+            <a:gs pos="50000">
+              <a:schemeClr val="phClr">
+                <a:satMod val="110000"/>
+                <a:lumMod val="100000"/>
+                <a:shade val="100000"/>
+              </a:schemeClr>
+            </a:gs>
+            <a:gs pos="100000">
+              <a:schemeClr val="phClr">
+                <a:lumMod val="99000"/>
+                <a:satMod val="120000"/>
+                <a:shade val="78000"/>
+              </a:schemeClr>
+            </a:gs>
+          </a:gsLst>
+          <a:lin ang="5400000" scaled="0"/>
+        </a:gradFill>
+      </a:fillStyleLst>
+      <a:lnStyleLst>
+        <a:ln w="6350" cap="flat" cmpd="sng" algn="ctr">
+          <a:solidFill>
+            <a:schemeClr val="phClr"/>
+          </a:solidFill>
+          <a:prstDash val="solid"/>
+          <a:miter lim="800000"/>
+        </a:ln>
+        <a:ln w="12700" cap="flat" cmpd="sng" algn="ctr">
+          <a:solidFill>
+            <a:schemeClr val="phClr"/>
+          </a:solidFill>
+          <a:prstDash val="solid"/>
+          <a:miter lim="800000"/>
+        </a:ln>
+        <a:ln w="19050" cap="flat" cmpd="sng" algn="ctr">
+          <a:solidFill>
+            <a:schemeClr val="phClr"/>
+          </a:solidFill>
+          <a:prstDash val="solid"/>
+          <a:miter lim="800000"/>
+        </a:ln>
+      </a:lnStyleLst>
+      <a:effectStyleLst>
+        <a:effectStyle>
+          <a:effectLst/>
+        </a:effectStyle>
+        <a:effectStyle>
+          <a:effectLst/>
+        </a:effectStyle>
+        <a:effectStyle>
+          <a:effectLst>
+            <a:outerShdw blurRad="57150" dist="19050" dir="5400000" algn="ctr" rotWithShape="0">
+              <a:srgbClr val="000000">
+                <a:alpha val="63000"/>
+              </a:srgbClr>
+            </a:outerShdw>
+          </a:effectLst>
+        </a:effectStyle>
+      </a:effectStyleLst>
+      <a:bgFillStyleLst>
+        <a:solidFill>
+          <a:schemeClr val="phClr"/>
+        </a:solidFill>
+        <a:solidFill>
+          <a:schemeClr val="phClr">
+            <a:tint val="95000"/>
+            <a:satMod val="170000"/>
+          </a:schemeClr>
+        </a:solidFill>
+        <a:gradFill rotWithShape="1">
+          <a:gsLst>
+            <a:gs pos="0">
+              <a:schemeClr val="phClr">
+                <a:tint val="93000"/>
+                <a:satMod val="150000"/>
+                <a:shade val="98000"/>
+                <a:lumMod val="102000"/>
+              </a:schemeClr>
+            </a:gs>
+            <a:gs pos="50000">
+              <a:schemeClr val="phClr">
+                <a:tint val="98000"/>
+                <a:satMod val="130000"/>
+                <a:shade val="90000"/>
+                <a:lumMod val="103000"/>
+              </a:schemeClr>
+            </a:gs>
+            <a:gs pos="100000">
+              <a:schemeClr val="phClr">
+                <a:shade val="63000"/>
+                <a:satMod val="120000"/>
+              </a:schemeClr>
+            </a:gs>
+          </a:gsLst>
+          <a:lin ang="5400000" scaled="0"/>
+        </a:gradFill>
+      </a:bgFillStyleLst>
+    </a:fmtScheme>
+  </a:themeElements>
+  <a:objectDefaults/>
+  <a:extraClrSchemeLst/>
+  <a:extLst>
+    <a:ext uri="{05A4C25C-085E-4340-85A3-A5531E510DB2}">
+      <thm15:themeFamily xmlns:thm15="http://schemas.microsoft.com/office/thememl/2012/main" name="PP_INFOSKJERM_169_LYS" id="{652861AD-ED34-4F3E-8992-6F281FE328CF}" vid="{5B18D20B-7EF8-4D42-9E54-E44688569EA5}"/>
+    </a:ext>
+  </a:extLst>
+</a:theme>
+</file>
+
+<file path=ppt/theme/theme9.xml><?xml version="1.0" encoding="utf-8"?>
 <a:theme xmlns:a="http://schemas.openxmlformats.org/drawingml/2006/main" name="Office-tema">
   <a:themeElements>
     <a:clrScheme name="Office">
@@ -7729,9 +12584,30 @@
 </file>
 
 <file path=customXml/item1.xml><?xml version="1.0" encoding="utf-8"?>
-<ct:contentTypeSchema xmlns:ct="http://schemas.microsoft.com/office/2006/metadata/contentType" xmlns:ma="http://schemas.microsoft.com/office/2006/metadata/properties/metaAttributes" ct:_="" ma:_="" ma:contentTypeName="Dokument" ma:contentTypeID="0x010100D982FC97A4EB864EBF6B6ADD443A67CC" ma:contentTypeVersion="11" ma:contentTypeDescription="Opprett et nytt dokument." ma:contentTypeScope="" ma:versionID="1243dad0bdc800c2168160044757ccfa">
-  <xsd:schema xmlns:xsd="http://www.w3.org/2001/XMLSchema" xmlns:xs="http://www.w3.org/2001/XMLSchema" xmlns:p="http://schemas.microsoft.com/office/2006/metadata/properties" xmlns:ns2="3b00a67f-9791-437e-b702-303a706ea042" targetNamespace="http://schemas.microsoft.com/office/2006/metadata/properties" ma:root="true" ma:fieldsID="9f2b7ce840c78a2065a44a5a957cc1d0" ns2:_="">
+<?mso-contentType ?>
+<FormTemplates xmlns="http://schemas.microsoft.com/sharepoint/v3/contenttype/forms">
+  <Display>DocumentLibraryForm</Display>
+  <Edit>DocumentLibraryForm</Edit>
+  <New>DocumentLibraryForm</New>
+</FormTemplates>
+</file>
+
+<file path=customXml/item2.xml><?xml version="1.0" encoding="utf-8"?>
+<p:properties xmlns:p="http://schemas.microsoft.com/office/2006/metadata/properties" xmlns:xsi="http://www.w3.org/2001/XMLSchema-instance" xmlns:pc="http://schemas.microsoft.com/office/infopath/2007/PartnerControls">
+  <documentManagement>
+    <lcf76f155ced4ddcb4097134ff3c332f xmlns="3b00a67f-9791-437e-b702-303a706ea042">
+      <Terms xmlns="http://schemas.microsoft.com/office/infopath/2007/PartnerControls"/>
+    </lcf76f155ced4ddcb4097134ff3c332f>
+    <TaxCatchAll xmlns="7dc3d6ed-56f1-49b6-b310-0ff680cfe62a" xsi:nil="true"/>
+  </documentManagement>
+</p:properties>
+</file>
+
+<file path=customXml/item3.xml><?xml version="1.0" encoding="utf-8"?>
+<ct:contentTypeSchema xmlns:ct="http://schemas.microsoft.com/office/2006/metadata/contentType" xmlns:ma="http://schemas.microsoft.com/office/2006/metadata/properties/metaAttributes" ct:_="" ma:_="" ma:contentTypeName="Dokument" ma:contentTypeID="0x010100D982FC97A4EB864EBF6B6ADD443A67CC" ma:contentTypeVersion="14" ma:contentTypeDescription="Opprett et nytt dokument." ma:contentTypeScope="" ma:versionID="a59811bd92298090e6a76c55d4651efa">
+  <xsd:schema xmlns:xsd="http://www.w3.org/2001/XMLSchema" xmlns:xs="http://www.w3.org/2001/XMLSchema" xmlns:p="http://schemas.microsoft.com/office/2006/metadata/properties" xmlns:ns2="3b00a67f-9791-437e-b702-303a706ea042" xmlns:ns3="7dc3d6ed-56f1-49b6-b310-0ff680cfe62a" targetNamespace="http://schemas.microsoft.com/office/2006/metadata/properties" ma:root="true" ma:fieldsID="4c3e1f195df9422cebd772257e8ef87d" ns2:_="" ns3:_="">
     <xsd:import namespace="3b00a67f-9791-437e-b702-303a706ea042"/>
+    <xsd:import namespace="7dc3d6ed-56f1-49b6-b310-0ff680cfe62a"/>
     <xsd:element name="properties">
       <xsd:complexType>
         <xsd:sequence>
@@ -7749,6 +12625,8 @@
                 <xsd:element ref="ns2:MediaServiceKeyPoints" minOccurs="0"/>
                 <xsd:element ref="ns2:MediaServiceLocation" minOccurs="0"/>
                 <xsd:element ref="ns2:MediaLengthInSeconds" minOccurs="0"/>
+                <xsd:element ref="ns2:lcf76f155ced4ddcb4097134ff3c332f" minOccurs="0"/>
+                <xsd:element ref="ns3:TaxCatchAll" minOccurs="0"/>
               </xsd:all>
             </xsd:complexType>
           </xsd:element>
@@ -7817,6 +12695,28 @@
       <xsd:simpleType>
         <xsd:restriction base="dms:Unknown"/>
       </xsd:simpleType>
+    </xsd:element>
+    <xsd:element name="lcf76f155ced4ddcb4097134ff3c332f" ma:index="20" nillable="true" ma:taxonomy="true" ma:internalName="lcf76f155ced4ddcb4097134ff3c332f" ma:taxonomyFieldName="MediaServiceImageTags" ma:displayName="Bildemerkelapper" ma:readOnly="false" ma:fieldId="{5cf76f15-5ced-4ddc-b409-7134ff3c332f}" ma:taxonomyMulti="true" ma:sspId="378a55df-a9cd-4882-8adc-9ae50d80558a" ma:termSetId="09814cd3-568e-fe90-9814-8d621ff8fb84" ma:anchorId="fba54fb3-c3e1-fe81-a776-ca4b69148c4d" ma:open="true" ma:isKeyword="false">
+      <xsd:complexType>
+        <xsd:sequence>
+          <xsd:element ref="pc:Terms" minOccurs="0" maxOccurs="1"/>
+        </xsd:sequence>
+      </xsd:complexType>
+    </xsd:element>
+  </xsd:schema>
+  <xsd:schema xmlns:xsd="http://www.w3.org/2001/XMLSchema" xmlns:xs="http://www.w3.org/2001/XMLSchema" xmlns:dms="http://schemas.microsoft.com/office/2006/documentManagement/types" xmlns:pc="http://schemas.microsoft.com/office/infopath/2007/PartnerControls" targetNamespace="7dc3d6ed-56f1-49b6-b310-0ff680cfe62a" elementFormDefault="qualified">
+    <xsd:import namespace="http://schemas.microsoft.com/office/2006/documentManagement/types"/>
+    <xsd:import namespace="http://schemas.microsoft.com/office/infopath/2007/PartnerControls"/>
+    <xsd:element name="TaxCatchAll" ma:index="21" nillable="true" ma:displayName="Taxonomy Catch All Column" ma:hidden="true" ma:list="{a9d73458-8fb0-4777-9551-357d96ad6676}" ma:internalName="TaxCatchAll" ma:showField="CatchAllData" ma:web="7dc3d6ed-56f1-49b6-b310-0ff680cfe62a">
+      <xsd:complexType>
+        <xsd:complexContent>
+          <xsd:extension base="dms:MultiChoiceLookup">
+            <xsd:sequence>
+              <xsd:element name="Value" type="dms:Lookup" maxOccurs="unbounded" minOccurs="0" nillable="true"/>
+            </xsd:sequence>
+          </xsd:extension>
+        </xsd:complexContent>
+      </xsd:complexType>
     </xsd:element>
   </xsd:schema>
   <xsd:schema xmlns="http://schemas.openxmlformats.org/package/2006/metadata/core-properties" xmlns:xsd="http://www.w3.org/2001/XMLSchema" xmlns:xsi="http://www.w3.org/2001/XMLSchema-instance" xmlns:dc="http://purl.org/dc/elements/1.1/" xmlns:dcterms="http://purl.org/dc/terms/" xmlns:odoc="http://schemas.microsoft.com/internal/obd" targetNamespace="http://schemas.openxmlformats.org/package/2006/metadata/core-properties" elementFormDefault="qualified" attributeFormDefault="unqualified" blockDefault="#all">
@@ -7918,35 +12818,10 @@
 </ct:contentTypeSchema>
 </file>
 
-<file path=customXml/item2.xml><?xml version="1.0" encoding="utf-8"?>
-<p:properties xmlns:p="http://schemas.microsoft.com/office/2006/metadata/properties" xmlns:xsi="http://www.w3.org/2001/XMLSchema-instance" xmlns:pc="http://schemas.microsoft.com/office/infopath/2007/PartnerControls">
-  <documentManagement/>
-</p:properties>
-</file>
-
-<file path=customXml/item3.xml><?xml version="1.0" encoding="utf-8"?>
-<?mso-contentType ?>
-<FormTemplates xmlns="http://schemas.microsoft.com/sharepoint/v3/contenttype/forms">
-  <Display>DocumentLibraryForm</Display>
-  <Edit>DocumentLibraryForm</Edit>
-  <New>DocumentLibraryForm</New>
-</FormTemplates>
-</file>
-
 <file path=customXml/itemProps1.xml><?xml version="1.0" encoding="utf-8"?>
-<ds:datastoreItem xmlns:ds="http://schemas.openxmlformats.org/officeDocument/2006/customXml" ds:itemID="{A749D303-0A35-41BA-B6CA-FCAD62C0A737}">
+<ds:datastoreItem xmlns:ds="http://schemas.openxmlformats.org/officeDocument/2006/customXml" ds:itemID="{3736BF7C-6A67-465F-A8DA-5D5EBBFF6E31}">
   <ds:schemaRefs>
-    <ds:schemaRef ds:uri="http://schemas.microsoft.com/office/2006/metadata/contentType"/>
-    <ds:schemaRef ds:uri="http://schemas.microsoft.com/office/2006/metadata/properties/metaAttributes"/>
-    <ds:schemaRef ds:uri="http://www.w3.org/2001/XMLSchema"/>
-    <ds:schemaRef ds:uri="http://schemas.microsoft.com/office/2006/metadata/properties"/>
-    <ds:schemaRef ds:uri="3b00a67f-9791-437e-b702-303a706ea042"/>
-    <ds:schemaRef ds:uri="http://schemas.microsoft.com/office/2006/documentManagement/types"/>
-    <ds:schemaRef ds:uri="http://schemas.microsoft.com/office/infopath/2007/PartnerControls"/>
-    <ds:schemaRef ds:uri="http://schemas.openxmlformats.org/package/2006/metadata/core-properties"/>
-    <ds:schemaRef ds:uri="http://purl.org/dc/elements/1.1/"/>
-    <ds:schemaRef ds:uri="http://purl.org/dc/terms/"/>
-    <ds:schemaRef ds:uri="http://schemas.microsoft.com/internal/obd"/>
+    <ds:schemaRef ds:uri="http://schemas.microsoft.com/sharepoint/v3/contenttype/forms"/>
   </ds:schemaRefs>
 </ds:datastoreItem>
 </file>
@@ -7956,14 +12831,27 @@
   <ds:schemaRefs>
     <ds:schemaRef ds:uri="http://schemas.microsoft.com/office/2006/metadata/properties"/>
     <ds:schemaRef ds:uri="http://schemas.microsoft.com/office/infopath/2007/PartnerControls"/>
+    <ds:schemaRef ds:uri="3b00a67f-9791-437e-b702-303a706ea042"/>
+    <ds:schemaRef ds:uri="7dc3d6ed-56f1-49b6-b310-0ff680cfe62a"/>
   </ds:schemaRefs>
 </ds:datastoreItem>
 </file>
 
 <file path=customXml/itemProps3.xml><?xml version="1.0" encoding="utf-8"?>
-<ds:datastoreItem xmlns:ds="http://schemas.openxmlformats.org/officeDocument/2006/customXml" ds:itemID="{3736BF7C-6A67-465F-A8DA-5D5EBBFF6E31}">
+<ds:datastoreItem xmlns:ds="http://schemas.openxmlformats.org/officeDocument/2006/customXml" ds:itemID="{6B192987-853A-4D6B-8C93-C827ABFD87A6}">
   <ds:schemaRefs>
-    <ds:schemaRef ds:uri="http://schemas.microsoft.com/sharepoint/v3/contenttype/forms"/>
+    <ds:schemaRef ds:uri="http://schemas.microsoft.com/office/2006/metadata/contentType"/>
+    <ds:schemaRef ds:uri="http://schemas.microsoft.com/office/2006/metadata/properties/metaAttributes"/>
+    <ds:schemaRef ds:uri="http://www.w3.org/2001/XMLSchema"/>
+    <ds:schemaRef ds:uri="http://schemas.microsoft.com/office/2006/metadata/properties"/>
+    <ds:schemaRef ds:uri="3b00a67f-9791-437e-b702-303a706ea042"/>
+    <ds:schemaRef ds:uri="7dc3d6ed-56f1-49b6-b310-0ff680cfe62a"/>
+    <ds:schemaRef ds:uri="http://schemas.microsoft.com/office/2006/documentManagement/types"/>
+    <ds:schemaRef ds:uri="http://schemas.microsoft.com/office/infopath/2007/PartnerControls"/>
+    <ds:schemaRef ds:uri="http://schemas.openxmlformats.org/package/2006/metadata/core-properties"/>
+    <ds:schemaRef ds:uri="http://purl.org/dc/elements/1.1/"/>
+    <ds:schemaRef ds:uri="http://purl.org/dc/terms/"/>
+    <ds:schemaRef ds:uri="http://schemas.microsoft.com/internal/obd"/>
   </ds:schemaRefs>
 </ds:datastoreItem>
 </file>